--- a/material&paper/画图.pptx
+++ b/material&paper/画图.pptx
@@ -6,8 +6,10 @@
   </p:sldMasterIdLst>
   <p:sldIdLst>
     <p:sldId id="256" r:id="rId2"/>
-    <p:sldId id="258" r:id="rId3"/>
-    <p:sldId id="257" r:id="rId4"/>
+    <p:sldId id="260" r:id="rId3"/>
+    <p:sldId id="259" r:id="rId4"/>
+    <p:sldId id="258" r:id="rId5"/>
+    <p:sldId id="257" r:id="rId6"/>
   </p:sldIdLst>
   <p:sldSz cx="9144000" cy="6858000" type="screen4x3"/>
   <p:notesSz cx="6858000" cy="9144000"/>
@@ -106,6 +108,22 @@
       </a:defRPr>
     </a:lvl9pPr>
   </p:defaultTextStyle>
+  <p:extLst>
+    <p:ext uri="{EFAFB233-063F-42B5-8137-9DF3F51BA10A}">
+      <p15:sldGuideLst xmlns:p15="http://schemas.microsoft.com/office/powerpoint/2012/main">
+        <p15:guide id="1" orient="horz" pos="2160">
+          <p15:clr>
+            <a:srgbClr val="A4A3A4"/>
+          </p15:clr>
+        </p15:guide>
+        <p15:guide id="2" pos="2880">
+          <p15:clr>
+            <a:srgbClr val="A4A3A4"/>
+          </p15:clr>
+        </p15:guide>
+      </p15:sldGuideLst>
+    </p:ext>
+  </p:extLst>
 </p:presentation>
 </file>
 
@@ -147,10 +165,9 @@
           <a:lstStyle/>
           <a:p>
             <a:r>
-              <a:rPr lang="zh-CN" altLang="en-US" smtClean="0"/>
+              <a:rPr lang="zh-CN" altLang="en-US"/>
               <a:t>单击此处编辑母版标题样式</a:t>
             </a:r>
-            <a:endParaRPr lang="zh-CN" altLang="en-US"/>
           </a:p>
         </p:txBody>
       </p:sp>
@@ -266,10 +283,9 @@
           </a:lstStyle>
           <a:p>
             <a:r>
-              <a:rPr lang="zh-CN" altLang="en-US" smtClean="0"/>
+              <a:rPr lang="zh-CN" altLang="en-US"/>
               <a:t>单击此处编辑母版副标题样式</a:t>
             </a:r>
-            <a:endParaRPr lang="zh-CN" altLang="en-US"/>
           </a:p>
         </p:txBody>
       </p:sp>
@@ -381,10 +397,9 @@
           <a:lstStyle/>
           <a:p>
             <a:r>
-              <a:rPr lang="zh-CN" altLang="en-US" smtClean="0"/>
+              <a:rPr lang="zh-CN" altLang="en-US"/>
               <a:t>单击此处编辑母版标题样式</a:t>
             </a:r>
-            <a:endParaRPr lang="zh-CN" altLang="en-US"/>
           </a:p>
         </p:txBody>
       </p:sp>
@@ -405,38 +420,37 @@
           <a:p>
             <a:pPr lvl="0"/>
             <a:r>
-              <a:rPr lang="zh-CN" altLang="en-US" smtClean="0"/>
+              <a:rPr lang="zh-CN" altLang="en-US"/>
               <a:t>单击此处编辑母版文本样式</a:t>
             </a:r>
           </a:p>
           <a:p>
             <a:pPr lvl="1"/>
             <a:r>
-              <a:rPr lang="zh-CN" altLang="en-US" smtClean="0"/>
+              <a:rPr lang="zh-CN" altLang="en-US"/>
               <a:t>第二级</a:t>
             </a:r>
           </a:p>
           <a:p>
             <a:pPr lvl="2"/>
             <a:r>
-              <a:rPr lang="zh-CN" altLang="en-US" smtClean="0"/>
+              <a:rPr lang="zh-CN" altLang="en-US"/>
               <a:t>第三级</a:t>
             </a:r>
           </a:p>
           <a:p>
             <a:pPr lvl="3"/>
             <a:r>
-              <a:rPr lang="zh-CN" altLang="en-US" smtClean="0"/>
+              <a:rPr lang="zh-CN" altLang="en-US"/>
               <a:t>第四级</a:t>
             </a:r>
           </a:p>
           <a:p>
             <a:pPr lvl="4"/>
             <a:r>
-              <a:rPr lang="zh-CN" altLang="en-US" smtClean="0"/>
+              <a:rPr lang="zh-CN" altLang="en-US"/>
               <a:t>第五级</a:t>
             </a:r>
-            <a:endParaRPr lang="zh-CN" altLang="en-US"/>
           </a:p>
         </p:txBody>
       </p:sp>
@@ -553,10 +567,9 @@
           <a:lstStyle/>
           <a:p>
             <a:r>
-              <a:rPr lang="zh-CN" altLang="en-US" smtClean="0"/>
+              <a:rPr lang="zh-CN" altLang="en-US"/>
               <a:t>单击此处编辑母版标题样式</a:t>
             </a:r>
-            <a:endParaRPr lang="zh-CN" altLang="en-US"/>
           </a:p>
         </p:txBody>
       </p:sp>
@@ -582,38 +595,37 @@
           <a:p>
             <a:pPr lvl="0"/>
             <a:r>
-              <a:rPr lang="zh-CN" altLang="en-US" smtClean="0"/>
+              <a:rPr lang="zh-CN" altLang="en-US"/>
               <a:t>单击此处编辑母版文本样式</a:t>
             </a:r>
           </a:p>
           <a:p>
             <a:pPr lvl="1"/>
             <a:r>
-              <a:rPr lang="zh-CN" altLang="en-US" smtClean="0"/>
+              <a:rPr lang="zh-CN" altLang="en-US"/>
               <a:t>第二级</a:t>
             </a:r>
           </a:p>
           <a:p>
             <a:pPr lvl="2"/>
             <a:r>
-              <a:rPr lang="zh-CN" altLang="en-US" smtClean="0"/>
+              <a:rPr lang="zh-CN" altLang="en-US"/>
               <a:t>第三级</a:t>
             </a:r>
           </a:p>
           <a:p>
             <a:pPr lvl="3"/>
             <a:r>
-              <a:rPr lang="zh-CN" altLang="en-US" smtClean="0"/>
+              <a:rPr lang="zh-CN" altLang="en-US"/>
               <a:t>第四级</a:t>
             </a:r>
           </a:p>
           <a:p>
             <a:pPr lvl="4"/>
             <a:r>
-              <a:rPr lang="zh-CN" altLang="en-US" smtClean="0"/>
+              <a:rPr lang="zh-CN" altLang="en-US"/>
               <a:t>第五级</a:t>
             </a:r>
-            <a:endParaRPr lang="zh-CN" altLang="en-US"/>
           </a:p>
         </p:txBody>
       </p:sp>
@@ -725,10 +737,9 @@
           <a:lstStyle/>
           <a:p>
             <a:r>
-              <a:rPr lang="zh-CN" altLang="en-US" smtClean="0"/>
+              <a:rPr lang="zh-CN" altLang="en-US"/>
               <a:t>单击此处编辑母版标题样式</a:t>
             </a:r>
-            <a:endParaRPr lang="zh-CN" altLang="en-US"/>
           </a:p>
         </p:txBody>
       </p:sp>
@@ -749,38 +760,37 @@
           <a:p>
             <a:pPr lvl="0"/>
             <a:r>
-              <a:rPr lang="zh-CN" altLang="en-US" smtClean="0"/>
+              <a:rPr lang="zh-CN" altLang="en-US"/>
               <a:t>单击此处编辑母版文本样式</a:t>
             </a:r>
           </a:p>
           <a:p>
             <a:pPr lvl="1"/>
             <a:r>
-              <a:rPr lang="zh-CN" altLang="en-US" smtClean="0"/>
+              <a:rPr lang="zh-CN" altLang="en-US"/>
               <a:t>第二级</a:t>
             </a:r>
           </a:p>
           <a:p>
             <a:pPr lvl="2"/>
             <a:r>
-              <a:rPr lang="zh-CN" altLang="en-US" smtClean="0"/>
+              <a:rPr lang="zh-CN" altLang="en-US"/>
               <a:t>第三级</a:t>
             </a:r>
           </a:p>
           <a:p>
             <a:pPr lvl="3"/>
             <a:r>
-              <a:rPr lang="zh-CN" altLang="en-US" smtClean="0"/>
+              <a:rPr lang="zh-CN" altLang="en-US"/>
               <a:t>第四级</a:t>
             </a:r>
           </a:p>
           <a:p>
             <a:pPr lvl="4"/>
             <a:r>
-              <a:rPr lang="zh-CN" altLang="en-US" smtClean="0"/>
+              <a:rPr lang="zh-CN" altLang="en-US"/>
               <a:t>第五级</a:t>
             </a:r>
-            <a:endParaRPr lang="zh-CN" altLang="en-US"/>
           </a:p>
         </p:txBody>
       </p:sp>
@@ -901,10 +911,9 @@
           </a:lstStyle>
           <a:p>
             <a:r>
-              <a:rPr lang="zh-CN" altLang="en-US" smtClean="0"/>
+              <a:rPr lang="zh-CN" altLang="en-US"/>
               <a:t>单击此处编辑母版标题样式</a:t>
             </a:r>
-            <a:endParaRPr lang="zh-CN" altLang="en-US"/>
           </a:p>
         </p:txBody>
       </p:sp>
@@ -1021,7 +1030,7 @@
           <a:p>
             <a:pPr lvl="0"/>
             <a:r>
-              <a:rPr lang="zh-CN" altLang="en-US" smtClean="0"/>
+              <a:rPr lang="zh-CN" altLang="en-US"/>
               <a:t>单击此处编辑母版文本样式</a:t>
             </a:r>
           </a:p>
@@ -1135,10 +1144,9 @@
           <a:lstStyle/>
           <a:p>
             <a:r>
-              <a:rPr lang="zh-CN" altLang="en-US" smtClean="0"/>
+              <a:rPr lang="zh-CN" altLang="en-US"/>
               <a:t>单击此处编辑母版标题样式</a:t>
             </a:r>
-            <a:endParaRPr lang="zh-CN" altLang="en-US"/>
           </a:p>
         </p:txBody>
       </p:sp>
@@ -1192,38 +1200,37 @@
           <a:p>
             <a:pPr lvl="0"/>
             <a:r>
-              <a:rPr lang="zh-CN" altLang="en-US" smtClean="0"/>
+              <a:rPr lang="zh-CN" altLang="en-US"/>
               <a:t>单击此处编辑母版文本样式</a:t>
             </a:r>
           </a:p>
           <a:p>
             <a:pPr lvl="1"/>
             <a:r>
-              <a:rPr lang="zh-CN" altLang="en-US" smtClean="0"/>
+              <a:rPr lang="zh-CN" altLang="en-US"/>
               <a:t>第二级</a:t>
             </a:r>
           </a:p>
           <a:p>
             <a:pPr lvl="2"/>
             <a:r>
-              <a:rPr lang="zh-CN" altLang="en-US" smtClean="0"/>
+              <a:rPr lang="zh-CN" altLang="en-US"/>
               <a:t>第三级</a:t>
             </a:r>
           </a:p>
           <a:p>
             <a:pPr lvl="3"/>
             <a:r>
-              <a:rPr lang="zh-CN" altLang="en-US" smtClean="0"/>
+              <a:rPr lang="zh-CN" altLang="en-US"/>
               <a:t>第四级</a:t>
             </a:r>
           </a:p>
           <a:p>
             <a:pPr lvl="4"/>
             <a:r>
-              <a:rPr lang="zh-CN" altLang="en-US" smtClean="0"/>
+              <a:rPr lang="zh-CN" altLang="en-US"/>
               <a:t>第五级</a:t>
             </a:r>
-            <a:endParaRPr lang="zh-CN" altLang="en-US"/>
           </a:p>
         </p:txBody>
       </p:sp>
@@ -1277,38 +1284,37 @@
           <a:p>
             <a:pPr lvl="0"/>
             <a:r>
-              <a:rPr lang="zh-CN" altLang="en-US" smtClean="0"/>
+              <a:rPr lang="zh-CN" altLang="en-US"/>
               <a:t>单击此处编辑母版文本样式</a:t>
             </a:r>
           </a:p>
           <a:p>
             <a:pPr lvl="1"/>
             <a:r>
-              <a:rPr lang="zh-CN" altLang="en-US" smtClean="0"/>
+              <a:rPr lang="zh-CN" altLang="en-US"/>
               <a:t>第二级</a:t>
             </a:r>
           </a:p>
           <a:p>
             <a:pPr lvl="2"/>
             <a:r>
-              <a:rPr lang="zh-CN" altLang="en-US" smtClean="0"/>
+              <a:rPr lang="zh-CN" altLang="en-US"/>
               <a:t>第三级</a:t>
             </a:r>
           </a:p>
           <a:p>
             <a:pPr lvl="3"/>
             <a:r>
-              <a:rPr lang="zh-CN" altLang="en-US" smtClean="0"/>
+              <a:rPr lang="zh-CN" altLang="en-US"/>
               <a:t>第四级</a:t>
             </a:r>
           </a:p>
           <a:p>
             <a:pPr lvl="4"/>
             <a:r>
-              <a:rPr lang="zh-CN" altLang="en-US" smtClean="0"/>
+              <a:rPr lang="zh-CN" altLang="en-US"/>
               <a:t>第五级</a:t>
             </a:r>
-            <a:endParaRPr lang="zh-CN" altLang="en-US"/>
           </a:p>
         </p:txBody>
       </p:sp>
@@ -1424,10 +1430,9 @@
           </a:lstStyle>
           <a:p>
             <a:r>
-              <a:rPr lang="zh-CN" altLang="en-US" smtClean="0"/>
+              <a:rPr lang="zh-CN" altLang="en-US"/>
               <a:t>单击此处编辑母版标题样式</a:t>
             </a:r>
-            <a:endParaRPr lang="zh-CN" altLang="en-US"/>
           </a:p>
         </p:txBody>
       </p:sp>
@@ -1490,7 +1495,7 @@
           <a:p>
             <a:pPr lvl="0"/>
             <a:r>
-              <a:rPr lang="zh-CN" altLang="en-US" smtClean="0"/>
+              <a:rPr lang="zh-CN" altLang="en-US"/>
               <a:t>单击此处编辑母版文本样式</a:t>
             </a:r>
           </a:p>
@@ -1546,38 +1551,37 @@
           <a:p>
             <a:pPr lvl="0"/>
             <a:r>
-              <a:rPr lang="zh-CN" altLang="en-US" smtClean="0"/>
+              <a:rPr lang="zh-CN" altLang="en-US"/>
               <a:t>单击此处编辑母版文本样式</a:t>
             </a:r>
           </a:p>
           <a:p>
             <a:pPr lvl="1"/>
             <a:r>
-              <a:rPr lang="zh-CN" altLang="en-US" smtClean="0"/>
+              <a:rPr lang="zh-CN" altLang="en-US"/>
               <a:t>第二级</a:t>
             </a:r>
           </a:p>
           <a:p>
             <a:pPr lvl="2"/>
             <a:r>
-              <a:rPr lang="zh-CN" altLang="en-US" smtClean="0"/>
+              <a:rPr lang="zh-CN" altLang="en-US"/>
               <a:t>第三级</a:t>
             </a:r>
           </a:p>
           <a:p>
             <a:pPr lvl="3"/>
             <a:r>
-              <a:rPr lang="zh-CN" altLang="en-US" smtClean="0"/>
+              <a:rPr lang="zh-CN" altLang="en-US"/>
               <a:t>第四级</a:t>
             </a:r>
           </a:p>
           <a:p>
             <a:pPr lvl="4"/>
             <a:r>
-              <a:rPr lang="zh-CN" altLang="en-US" smtClean="0"/>
+              <a:rPr lang="zh-CN" altLang="en-US"/>
               <a:t>第五级</a:t>
             </a:r>
-            <a:endParaRPr lang="zh-CN" altLang="en-US"/>
           </a:p>
         </p:txBody>
       </p:sp>
@@ -1640,7 +1644,7 @@
           <a:p>
             <a:pPr lvl="0"/>
             <a:r>
-              <a:rPr lang="zh-CN" altLang="en-US" smtClean="0"/>
+              <a:rPr lang="zh-CN" altLang="en-US"/>
               <a:t>单击此处编辑母版文本样式</a:t>
             </a:r>
           </a:p>
@@ -1696,38 +1700,37 @@
           <a:p>
             <a:pPr lvl="0"/>
             <a:r>
-              <a:rPr lang="zh-CN" altLang="en-US" smtClean="0"/>
+              <a:rPr lang="zh-CN" altLang="en-US"/>
               <a:t>单击此处编辑母版文本样式</a:t>
             </a:r>
           </a:p>
           <a:p>
             <a:pPr lvl="1"/>
             <a:r>
-              <a:rPr lang="zh-CN" altLang="en-US" smtClean="0"/>
+              <a:rPr lang="zh-CN" altLang="en-US"/>
               <a:t>第二级</a:t>
             </a:r>
           </a:p>
           <a:p>
             <a:pPr lvl="2"/>
             <a:r>
-              <a:rPr lang="zh-CN" altLang="en-US" smtClean="0"/>
+              <a:rPr lang="zh-CN" altLang="en-US"/>
               <a:t>第三级</a:t>
             </a:r>
           </a:p>
           <a:p>
             <a:pPr lvl="3"/>
             <a:r>
-              <a:rPr lang="zh-CN" altLang="en-US" smtClean="0"/>
+              <a:rPr lang="zh-CN" altLang="en-US"/>
               <a:t>第四级</a:t>
             </a:r>
           </a:p>
           <a:p>
             <a:pPr lvl="4"/>
             <a:r>
-              <a:rPr lang="zh-CN" altLang="en-US" smtClean="0"/>
+              <a:rPr lang="zh-CN" altLang="en-US"/>
               <a:t>第五级</a:t>
             </a:r>
-            <a:endParaRPr lang="zh-CN" altLang="en-US"/>
           </a:p>
         </p:txBody>
       </p:sp>
@@ -1839,10 +1842,9 @@
           <a:lstStyle/>
           <a:p>
             <a:r>
-              <a:rPr lang="zh-CN" altLang="en-US" smtClean="0"/>
+              <a:rPr lang="zh-CN" altLang="en-US"/>
               <a:t>单击此处编辑母版标题样式</a:t>
             </a:r>
-            <a:endParaRPr lang="zh-CN" altLang="en-US"/>
           </a:p>
         </p:txBody>
       </p:sp>
@@ -2055,10 +2057,9 @@
           </a:lstStyle>
           <a:p>
             <a:r>
-              <a:rPr lang="zh-CN" altLang="en-US" smtClean="0"/>
+              <a:rPr lang="zh-CN" altLang="en-US"/>
               <a:t>单击此处编辑母版标题样式</a:t>
             </a:r>
-            <a:endParaRPr lang="zh-CN" altLang="en-US"/>
           </a:p>
         </p:txBody>
       </p:sp>
@@ -2112,38 +2113,37 @@
           <a:p>
             <a:pPr lvl="0"/>
             <a:r>
-              <a:rPr lang="zh-CN" altLang="en-US" smtClean="0"/>
+              <a:rPr lang="zh-CN" altLang="en-US"/>
               <a:t>单击此处编辑母版文本样式</a:t>
             </a:r>
           </a:p>
           <a:p>
             <a:pPr lvl="1"/>
             <a:r>
-              <a:rPr lang="zh-CN" altLang="en-US" smtClean="0"/>
+              <a:rPr lang="zh-CN" altLang="en-US"/>
               <a:t>第二级</a:t>
             </a:r>
           </a:p>
           <a:p>
             <a:pPr lvl="2"/>
             <a:r>
-              <a:rPr lang="zh-CN" altLang="en-US" smtClean="0"/>
+              <a:rPr lang="zh-CN" altLang="en-US"/>
               <a:t>第三级</a:t>
             </a:r>
           </a:p>
           <a:p>
             <a:pPr lvl="3"/>
             <a:r>
-              <a:rPr lang="zh-CN" altLang="en-US" smtClean="0"/>
+              <a:rPr lang="zh-CN" altLang="en-US"/>
               <a:t>第四级</a:t>
             </a:r>
           </a:p>
           <a:p>
             <a:pPr lvl="4"/>
             <a:r>
-              <a:rPr lang="zh-CN" altLang="en-US" smtClean="0"/>
+              <a:rPr lang="zh-CN" altLang="en-US"/>
               <a:t>第五级</a:t>
             </a:r>
-            <a:endParaRPr lang="zh-CN" altLang="en-US"/>
           </a:p>
         </p:txBody>
       </p:sp>
@@ -2206,7 +2206,7 @@
           <a:p>
             <a:pPr lvl="0"/>
             <a:r>
-              <a:rPr lang="zh-CN" altLang="en-US" smtClean="0"/>
+              <a:rPr lang="zh-CN" altLang="en-US"/>
               <a:t>单击此处编辑母版文本样式</a:t>
             </a:r>
           </a:p>
@@ -2329,10 +2329,9 @@
           </a:lstStyle>
           <a:p>
             <a:r>
-              <a:rPr lang="zh-CN" altLang="en-US" smtClean="0"/>
+              <a:rPr lang="zh-CN" altLang="en-US"/>
               <a:t>单击此处编辑母版标题样式</a:t>
             </a:r>
-            <a:endParaRPr lang="zh-CN" altLang="en-US"/>
           </a:p>
         </p:txBody>
       </p:sp>
@@ -2456,7 +2455,7 @@
           <a:p>
             <a:pPr lvl="0"/>
             <a:r>
-              <a:rPr lang="zh-CN" altLang="en-US" smtClean="0"/>
+              <a:rPr lang="zh-CN" altLang="en-US"/>
               <a:t>单击此处编辑母版文本样式</a:t>
             </a:r>
           </a:p>
@@ -2585,10 +2584,9 @@
           <a:lstStyle/>
           <a:p>
             <a:r>
-              <a:rPr lang="zh-CN" altLang="en-US" smtClean="0"/>
+              <a:rPr lang="zh-CN" altLang="en-US"/>
               <a:t>单击此处编辑母版标题样式</a:t>
             </a:r>
-            <a:endParaRPr lang="zh-CN" altLang="en-US"/>
           </a:p>
         </p:txBody>
       </p:sp>
@@ -2619,38 +2617,37 @@
           <a:p>
             <a:pPr lvl="0"/>
             <a:r>
-              <a:rPr lang="zh-CN" altLang="en-US" smtClean="0"/>
+              <a:rPr lang="zh-CN" altLang="en-US"/>
               <a:t>单击此处编辑母版文本样式</a:t>
             </a:r>
           </a:p>
           <a:p>
             <a:pPr lvl="1"/>
             <a:r>
-              <a:rPr lang="zh-CN" altLang="en-US" smtClean="0"/>
+              <a:rPr lang="zh-CN" altLang="en-US"/>
               <a:t>第二级</a:t>
             </a:r>
           </a:p>
           <a:p>
             <a:pPr lvl="2"/>
             <a:r>
-              <a:rPr lang="zh-CN" altLang="en-US" smtClean="0"/>
+              <a:rPr lang="zh-CN" altLang="en-US"/>
               <a:t>第三级</a:t>
             </a:r>
           </a:p>
           <a:p>
             <a:pPr lvl="3"/>
             <a:r>
-              <a:rPr lang="zh-CN" altLang="en-US" smtClean="0"/>
+              <a:rPr lang="zh-CN" altLang="en-US"/>
               <a:t>第四级</a:t>
             </a:r>
           </a:p>
           <a:p>
             <a:pPr lvl="4"/>
             <a:r>
-              <a:rPr lang="zh-CN" altLang="en-US" smtClean="0"/>
+              <a:rPr lang="zh-CN" altLang="en-US"/>
               <a:t>第五级</a:t>
             </a:r>
-            <a:endParaRPr lang="zh-CN" altLang="en-US"/>
           </a:p>
         </p:txBody>
       </p:sp>
@@ -3063,456 +3060,13 @@
       </p:grpSpPr>
       <p:sp>
         <p:nvSpPr>
-          <p:cNvPr id="6" name="矩形 5"/>
-          <p:cNvSpPr/>
-          <p:nvPr/>
-        </p:nvSpPr>
-        <p:spPr>
-          <a:xfrm>
-            <a:off x="1214414" y="2071678"/>
-            <a:ext cx="5274000" cy="4179600"/>
-          </a:xfrm>
-          <a:prstGeom prst="rect">
-            <a:avLst/>
-          </a:prstGeom>
-          <a:solidFill>
-            <a:schemeClr val="bg1"/>
-          </a:solidFill>
-          <a:ln w="19050">
-            <a:solidFill>
-              <a:schemeClr val="tx1"/>
-            </a:solidFill>
-          </a:ln>
-        </p:spPr>
-        <p:style>
-          <a:lnRef idx="2">
-            <a:schemeClr val="accent1">
-              <a:shade val="50000"/>
-            </a:schemeClr>
-          </a:lnRef>
-          <a:fillRef idx="1">
-            <a:schemeClr val="accent1"/>
-          </a:fillRef>
-          <a:effectRef idx="0">
-            <a:schemeClr val="accent1"/>
-          </a:effectRef>
-          <a:fontRef idx="minor">
-            <a:schemeClr val="lt1"/>
-          </a:fontRef>
-        </p:style>
-        <p:txBody>
-          <a:bodyPr rtlCol="0" anchor="ctr"/>
-          <a:lstStyle/>
-          <a:p>
-            <a:pPr algn="ctr"/>
-            <a:endParaRPr lang="zh-CN" altLang="en-US"/>
-          </a:p>
-        </p:txBody>
-      </p:sp>
-      <p:pic>
-        <p:nvPicPr>
-          <p:cNvPr id="22" name="图片 21" descr="图片1.png"/>
-          <p:cNvPicPr>
-            <a:picLocks noChangeAspect="1"/>
-          </p:cNvPicPr>
-          <p:nvPr/>
-        </p:nvPicPr>
-        <p:blipFill>
-          <a:blip r:embed="rId2"/>
-          <a:srcRect r="76264"/>
-          <a:stretch>
-            <a:fillRect/>
-          </a:stretch>
-        </p:blipFill>
-        <p:spPr>
-          <a:xfrm>
-            <a:off x="5286380" y="3286124"/>
-            <a:ext cx="1143008" cy="1816458"/>
-          </a:xfrm>
-          <a:prstGeom prst="rect">
-            <a:avLst/>
-          </a:prstGeom>
-        </p:spPr>
-      </p:pic>
-      <p:pic>
-        <p:nvPicPr>
-          <p:cNvPr id="21" name="图片 20" descr="图片1.png"/>
-          <p:cNvPicPr>
-            <a:picLocks noChangeAspect="1"/>
-          </p:cNvPicPr>
-          <p:nvPr/>
-        </p:nvPicPr>
-        <p:blipFill>
-          <a:blip r:embed="rId2"/>
-          <a:srcRect l="75219"/>
-          <a:stretch>
-            <a:fillRect/>
-          </a:stretch>
-        </p:blipFill>
-        <p:spPr>
-          <a:xfrm>
-            <a:off x="1214414" y="3286124"/>
-            <a:ext cx="1193307" cy="1816458"/>
-          </a:xfrm>
-          <a:prstGeom prst="rect">
-            <a:avLst/>
-          </a:prstGeom>
-        </p:spPr>
-      </p:pic>
-      <p:cxnSp>
-        <p:nvCxnSpPr>
-          <p:cNvPr id="8" name="直接连接符 7"/>
-          <p:cNvCxnSpPr>
-            <a:stCxn id="6" idx="0"/>
-            <a:endCxn id="6" idx="2"/>
-          </p:cNvCxnSpPr>
-          <p:nvPr/>
-        </p:nvCxnSpPr>
-        <p:spPr>
-          <a:xfrm rot="16200000" flipH="1">
-            <a:off x="1761614" y="4161478"/>
-            <a:ext cx="4179600" cy="1588"/>
-          </a:xfrm>
-          <a:prstGeom prst="line">
-            <a:avLst/>
-          </a:prstGeom>
-          <a:ln w="19050">
-            <a:solidFill>
-              <a:schemeClr val="tx1"/>
-            </a:solidFill>
-          </a:ln>
-        </p:spPr>
-        <p:style>
-          <a:lnRef idx="1">
-            <a:schemeClr val="accent1"/>
-          </a:lnRef>
-          <a:fillRef idx="0">
-            <a:schemeClr val="accent1"/>
-          </a:fillRef>
-          <a:effectRef idx="0">
-            <a:schemeClr val="accent1"/>
-          </a:effectRef>
-          <a:fontRef idx="minor">
-            <a:schemeClr val="tx1"/>
-          </a:fontRef>
-        </p:style>
-      </p:cxnSp>
-      <p:sp>
-        <p:nvSpPr>
-          <p:cNvPr id="13" name="矩形 12"/>
-          <p:cNvSpPr/>
-          <p:nvPr/>
-        </p:nvSpPr>
-        <p:spPr>
-          <a:xfrm>
-            <a:off x="1071538" y="4000504"/>
-            <a:ext cx="128582" cy="357190"/>
-          </a:xfrm>
-          <a:prstGeom prst="rect">
-            <a:avLst/>
-          </a:prstGeom>
-          <a:solidFill>
-            <a:schemeClr val="bg1"/>
-          </a:solidFill>
-          <a:ln w="6350">
-            <a:solidFill>
-              <a:schemeClr val="tx1"/>
-            </a:solidFill>
-          </a:ln>
-        </p:spPr>
-        <p:style>
-          <a:lnRef idx="2">
-            <a:schemeClr val="accent1">
-              <a:shade val="50000"/>
-            </a:schemeClr>
-          </a:lnRef>
-          <a:fillRef idx="1">
-            <a:schemeClr val="accent1"/>
-          </a:fillRef>
-          <a:effectRef idx="0">
-            <a:schemeClr val="accent1"/>
-          </a:effectRef>
-          <a:fontRef idx="minor">
-            <a:schemeClr val="lt1"/>
-          </a:fontRef>
-        </p:style>
-        <p:txBody>
-          <a:bodyPr rtlCol="0" anchor="ctr"/>
-          <a:lstStyle/>
-          <a:p>
-            <a:pPr algn="ctr"/>
-            <a:endParaRPr lang="zh-CN" altLang="en-US"/>
-          </a:p>
-        </p:txBody>
-      </p:sp>
-      <p:sp>
-        <p:nvSpPr>
-          <p:cNvPr id="15" name="矩形 14"/>
-          <p:cNvSpPr/>
-          <p:nvPr/>
-        </p:nvSpPr>
-        <p:spPr>
-          <a:xfrm>
-            <a:off x="1214414" y="2988000"/>
-            <a:ext cx="889200" cy="2340000"/>
-          </a:xfrm>
-          <a:prstGeom prst="rect">
-            <a:avLst/>
-          </a:prstGeom>
-          <a:solidFill>
-            <a:schemeClr val="bg1"/>
-          </a:solidFill>
-          <a:ln w="19050">
-            <a:solidFill>
-              <a:schemeClr val="tx1"/>
-            </a:solidFill>
-          </a:ln>
-        </p:spPr>
-        <p:style>
-          <a:lnRef idx="2">
-            <a:schemeClr val="accent1">
-              <a:shade val="50000"/>
-            </a:schemeClr>
-          </a:lnRef>
-          <a:fillRef idx="1">
-            <a:schemeClr val="accent1"/>
-          </a:fillRef>
-          <a:effectRef idx="0">
-            <a:schemeClr val="accent1"/>
-          </a:effectRef>
-          <a:fontRef idx="minor">
-            <a:schemeClr val="lt1"/>
-          </a:fontRef>
-        </p:style>
-        <p:txBody>
-          <a:bodyPr rtlCol="0" anchor="ctr"/>
-          <a:lstStyle/>
-          <a:p>
-            <a:pPr algn="ctr"/>
-            <a:endParaRPr lang="zh-CN" altLang="en-US"/>
-          </a:p>
-        </p:txBody>
-      </p:sp>
-      <p:sp>
-        <p:nvSpPr>
-          <p:cNvPr id="16" name="矩形 15"/>
-          <p:cNvSpPr/>
-          <p:nvPr/>
-        </p:nvSpPr>
-        <p:spPr>
-          <a:xfrm>
-            <a:off x="5594400" y="3000372"/>
-            <a:ext cx="889200" cy="2340000"/>
-          </a:xfrm>
-          <a:prstGeom prst="rect">
-            <a:avLst/>
-          </a:prstGeom>
-          <a:solidFill>
-            <a:schemeClr val="bg1"/>
-          </a:solidFill>
-          <a:ln w="19050">
-            <a:solidFill>
-              <a:schemeClr val="tx1"/>
-            </a:solidFill>
-          </a:ln>
-        </p:spPr>
-        <p:style>
-          <a:lnRef idx="2">
-            <a:schemeClr val="accent1">
-              <a:shade val="50000"/>
-            </a:schemeClr>
-          </a:lnRef>
-          <a:fillRef idx="1">
-            <a:schemeClr val="accent1"/>
-          </a:fillRef>
-          <a:effectRef idx="0">
-            <a:schemeClr val="accent1"/>
-          </a:effectRef>
-          <a:fontRef idx="minor">
-            <a:schemeClr val="lt1"/>
-          </a:fontRef>
-        </p:style>
-        <p:txBody>
-          <a:bodyPr rtlCol="0" anchor="ctr"/>
-          <a:lstStyle/>
-          <a:p>
-            <a:pPr algn="ctr"/>
-            <a:endParaRPr lang="zh-CN" altLang="en-US"/>
-          </a:p>
-        </p:txBody>
-      </p:sp>
-      <p:sp>
-        <p:nvSpPr>
-          <p:cNvPr id="23" name="矩形 22"/>
-          <p:cNvSpPr/>
-          <p:nvPr/>
-        </p:nvSpPr>
-        <p:spPr>
-          <a:xfrm>
-            <a:off x="6483600" y="4000504"/>
-            <a:ext cx="128582" cy="357190"/>
-          </a:xfrm>
-          <a:prstGeom prst="rect">
-            <a:avLst/>
-          </a:prstGeom>
-          <a:solidFill>
-            <a:schemeClr val="bg1"/>
-          </a:solidFill>
-          <a:ln w="6350">
-            <a:solidFill>
-              <a:schemeClr val="tx1"/>
-            </a:solidFill>
-          </a:ln>
-        </p:spPr>
-        <p:style>
-          <a:lnRef idx="2">
-            <a:schemeClr val="accent1">
-              <a:shade val="50000"/>
-            </a:schemeClr>
-          </a:lnRef>
-          <a:fillRef idx="1">
-            <a:schemeClr val="accent1"/>
-          </a:fillRef>
-          <a:effectRef idx="0">
-            <a:schemeClr val="accent1"/>
-          </a:effectRef>
-          <a:fontRef idx="minor">
-            <a:schemeClr val="lt1"/>
-          </a:fontRef>
-        </p:style>
-        <p:txBody>
-          <a:bodyPr rtlCol="0" anchor="ctr"/>
-          <a:lstStyle/>
-          <a:p>
-            <a:pPr algn="ctr"/>
-            <a:endParaRPr lang="zh-CN" altLang="en-US"/>
-          </a:p>
-        </p:txBody>
-      </p:sp>
-      <p:sp>
-        <p:nvSpPr>
-          <p:cNvPr id="24" name="矩形 23"/>
-          <p:cNvSpPr/>
-          <p:nvPr/>
-        </p:nvSpPr>
-        <p:spPr>
-          <a:xfrm>
-            <a:off x="1214414" y="3714752"/>
-            <a:ext cx="403200" cy="853200"/>
-          </a:xfrm>
-          <a:prstGeom prst="rect">
-            <a:avLst/>
-          </a:prstGeom>
-          <a:solidFill>
-            <a:schemeClr val="bg1"/>
-          </a:solidFill>
-          <a:ln w="19050">
-            <a:solidFill>
-              <a:schemeClr val="tx1"/>
-            </a:solidFill>
-          </a:ln>
-        </p:spPr>
-        <p:style>
-          <a:lnRef idx="2">
-            <a:schemeClr val="accent1">
-              <a:shade val="50000"/>
-            </a:schemeClr>
-          </a:lnRef>
-          <a:fillRef idx="1">
-            <a:schemeClr val="accent1"/>
-          </a:fillRef>
-          <a:effectRef idx="0">
-            <a:schemeClr val="accent1"/>
-          </a:effectRef>
-          <a:fontRef idx="minor">
-            <a:schemeClr val="lt1"/>
-          </a:fontRef>
-        </p:style>
-        <p:txBody>
-          <a:bodyPr rtlCol="0" anchor="ctr"/>
-          <a:lstStyle/>
-          <a:p>
-            <a:pPr algn="ctr"/>
-            <a:endParaRPr lang="zh-CN" altLang="en-US"/>
-          </a:p>
-        </p:txBody>
-      </p:sp>
-      <p:sp>
-        <p:nvSpPr>
-          <p:cNvPr id="25" name="矩形 24"/>
-          <p:cNvSpPr/>
-          <p:nvPr/>
-        </p:nvSpPr>
-        <p:spPr>
-          <a:xfrm>
-            <a:off x="6080400" y="3714752"/>
-            <a:ext cx="403200" cy="853200"/>
-          </a:xfrm>
-          <a:prstGeom prst="rect">
-            <a:avLst/>
-          </a:prstGeom>
-          <a:solidFill>
-            <a:schemeClr val="bg1"/>
-          </a:solidFill>
-          <a:ln w="19050">
-            <a:solidFill>
-              <a:schemeClr val="tx1"/>
-            </a:solidFill>
-          </a:ln>
-        </p:spPr>
-        <p:style>
-          <a:lnRef idx="2">
-            <a:schemeClr val="accent1">
-              <a:shade val="50000"/>
-            </a:schemeClr>
-          </a:lnRef>
-          <a:fillRef idx="1">
-            <a:schemeClr val="accent1"/>
-          </a:fillRef>
-          <a:effectRef idx="0">
-            <a:schemeClr val="accent1"/>
-          </a:effectRef>
-          <a:fontRef idx="minor">
-            <a:schemeClr val="lt1"/>
-          </a:fontRef>
-        </p:style>
-        <p:txBody>
-          <a:bodyPr rtlCol="0" anchor="ctr"/>
-          <a:lstStyle/>
-          <a:p>
-            <a:pPr algn="ctr"/>
-            <a:endParaRPr lang="zh-CN" altLang="en-US"/>
-          </a:p>
-        </p:txBody>
-      </p:sp>
-    </p:spTree>
-  </p:cSld>
-  <p:clrMapOvr>
-    <a:masterClrMapping/>
-  </p:clrMapOvr>
-</p:sld>
-</file>
-
-<file path=ppt/slides/slide2.xml><?xml version="1.0" encoding="utf-8"?>
-<p:sld xmlns:a="http://schemas.openxmlformats.org/drawingml/2006/main" xmlns:r="http://schemas.openxmlformats.org/officeDocument/2006/relationships" xmlns:p="http://schemas.openxmlformats.org/presentationml/2006/main">
-  <p:cSld>
-    <p:spTree>
-      <p:nvGrpSpPr>
-        <p:cNvPr id="1" name=""/>
-        <p:cNvGrpSpPr/>
-        <p:nvPr/>
-      </p:nvGrpSpPr>
-      <p:grpSpPr>
-        <a:xfrm>
-          <a:off x="0" y="0"/>
-          <a:ext cx="0" cy="0"/>
-          <a:chOff x="0" y="0"/>
-          <a:chExt cx="0" cy="0"/>
-        </a:xfrm>
-      </p:grpSpPr>
-      <p:sp>
-        <p:nvSpPr>
-          <p:cNvPr id="6" name="矩形 5"/>
+          <p:cNvPr id="12" name="矩形 11">
+            <a:extLst>
+              <a:ext uri="{FF2B5EF4-FFF2-40B4-BE49-F238E27FC236}">
+                <a16:creationId xmlns:a16="http://schemas.microsoft.com/office/drawing/2014/main" id="{3AFBA66B-13CD-4656-A72A-DFEAEB501BB6}"/>
+              </a:ext>
+            </a:extLst>
+          </p:cNvPr>
           <p:cNvSpPr/>
           <p:nvPr/>
         </p:nvSpPr>
@@ -3560,7 +3114,13 @@
       </p:sp>
       <p:pic>
         <p:nvPicPr>
-          <p:cNvPr id="22" name="图片 21" descr="图片1.png"/>
+          <p:cNvPr id="14" name="图片 13" descr="图片1.png">
+            <a:extLst>
+              <a:ext uri="{FF2B5EF4-FFF2-40B4-BE49-F238E27FC236}">
+                <a16:creationId xmlns:a16="http://schemas.microsoft.com/office/drawing/2014/main" id="{7202781A-ACD3-4C62-855A-F254600CC7BA}"/>
+              </a:ext>
+            </a:extLst>
+          </p:cNvPr>
           <p:cNvPicPr>
             <a:picLocks noChangeAspect="1"/>
           </p:cNvPicPr>
@@ -3585,7 +3145,13 @@
       </p:pic>
       <p:pic>
         <p:nvPicPr>
-          <p:cNvPr id="21" name="图片 20" descr="图片1.png"/>
+          <p:cNvPr id="17" name="图片 16" descr="图片1.png">
+            <a:extLst>
+              <a:ext uri="{FF2B5EF4-FFF2-40B4-BE49-F238E27FC236}">
+                <a16:creationId xmlns:a16="http://schemas.microsoft.com/office/drawing/2014/main" id="{793C3DF1-9B20-447F-ADD1-1349AE992EBA}"/>
+              </a:ext>
+            </a:extLst>
+          </p:cNvPr>
           <p:cNvPicPr>
             <a:picLocks noChangeAspect="1"/>
           </p:cNvPicPr>
@@ -3610,10 +3176,16 @@
       </p:pic>
       <p:cxnSp>
         <p:nvCxnSpPr>
-          <p:cNvPr id="8" name="直接连接符 7"/>
+          <p:cNvPr id="18" name="直接连接符 17">
+            <a:extLst>
+              <a:ext uri="{FF2B5EF4-FFF2-40B4-BE49-F238E27FC236}">
+                <a16:creationId xmlns:a16="http://schemas.microsoft.com/office/drawing/2014/main" id="{D934C143-2305-4FF5-9959-6D380427C081}"/>
+              </a:ext>
+            </a:extLst>
+          </p:cNvPr>
           <p:cNvCxnSpPr>
-            <a:stCxn id="6" idx="0"/>
-            <a:endCxn id="6" idx="2"/>
+            <a:stCxn id="12" idx="0"/>
+            <a:endCxn id="12" idx="2"/>
           </p:cNvCxnSpPr>
           <p:nvPr/>
         </p:nvCxnSpPr>
@@ -3648,7 +3220,13 @@
       </p:cxnSp>
       <p:sp>
         <p:nvSpPr>
-          <p:cNvPr id="13" name="矩形 12"/>
+          <p:cNvPr id="19" name="矩形 18">
+            <a:extLst>
+              <a:ext uri="{FF2B5EF4-FFF2-40B4-BE49-F238E27FC236}">
+                <a16:creationId xmlns:a16="http://schemas.microsoft.com/office/drawing/2014/main" id="{9FEADFA2-615D-4FA7-BBBC-42FEBB83CDA1}"/>
+              </a:ext>
+            </a:extLst>
+          </p:cNvPr>
           <p:cNvSpPr/>
           <p:nvPr/>
         </p:nvSpPr>
@@ -3696,7 +3274,13 @@
       </p:sp>
       <p:sp>
         <p:nvSpPr>
-          <p:cNvPr id="15" name="矩形 14"/>
+          <p:cNvPr id="20" name="矩形 19">
+            <a:extLst>
+              <a:ext uri="{FF2B5EF4-FFF2-40B4-BE49-F238E27FC236}">
+                <a16:creationId xmlns:a16="http://schemas.microsoft.com/office/drawing/2014/main" id="{680EA174-D43D-421B-8EB1-489DDB547524}"/>
+              </a:ext>
+            </a:extLst>
+          </p:cNvPr>
           <p:cNvSpPr/>
           <p:nvPr/>
         </p:nvSpPr>
@@ -3744,7 +3328,13 @@
       </p:sp>
       <p:sp>
         <p:nvSpPr>
-          <p:cNvPr id="16" name="矩形 15"/>
+          <p:cNvPr id="26" name="矩形 25">
+            <a:extLst>
+              <a:ext uri="{FF2B5EF4-FFF2-40B4-BE49-F238E27FC236}">
+                <a16:creationId xmlns:a16="http://schemas.microsoft.com/office/drawing/2014/main" id="{63CF8DAA-16D9-4AD7-9846-A883D189F233}"/>
+              </a:ext>
+            </a:extLst>
+          </p:cNvPr>
           <p:cNvSpPr/>
           <p:nvPr/>
         </p:nvSpPr>
@@ -3792,7 +3382,13 @@
       </p:sp>
       <p:sp>
         <p:nvSpPr>
-          <p:cNvPr id="23" name="矩形 22"/>
+          <p:cNvPr id="27" name="矩形 26">
+            <a:extLst>
+              <a:ext uri="{FF2B5EF4-FFF2-40B4-BE49-F238E27FC236}">
+                <a16:creationId xmlns:a16="http://schemas.microsoft.com/office/drawing/2014/main" id="{6AA0F624-6D61-4644-9933-013D30711906}"/>
+              </a:ext>
+            </a:extLst>
+          </p:cNvPr>
           <p:cNvSpPr/>
           <p:nvPr/>
         </p:nvSpPr>
@@ -3840,7 +3436,13 @@
       </p:sp>
       <p:sp>
         <p:nvSpPr>
-          <p:cNvPr id="24" name="矩形 23"/>
+          <p:cNvPr id="28" name="矩形 27">
+            <a:extLst>
+              <a:ext uri="{FF2B5EF4-FFF2-40B4-BE49-F238E27FC236}">
+                <a16:creationId xmlns:a16="http://schemas.microsoft.com/office/drawing/2014/main" id="{78DEB79B-7B6A-4F41-9111-3C937DAB85D2}"/>
+              </a:ext>
+            </a:extLst>
+          </p:cNvPr>
           <p:cNvSpPr/>
           <p:nvPr/>
         </p:nvSpPr>
@@ -3888,7 +3490,13 @@
       </p:sp>
       <p:sp>
         <p:nvSpPr>
-          <p:cNvPr id="25" name="矩形 24"/>
+          <p:cNvPr id="29" name="矩形 28">
+            <a:extLst>
+              <a:ext uri="{FF2B5EF4-FFF2-40B4-BE49-F238E27FC236}">
+                <a16:creationId xmlns:a16="http://schemas.microsoft.com/office/drawing/2014/main" id="{ED827D9D-89F7-4BA9-A4AA-DE466C8FA027}"/>
+              </a:ext>
+            </a:extLst>
+          </p:cNvPr>
           <p:cNvSpPr/>
           <p:nvPr/>
         </p:nvSpPr>
@@ -3934,138 +3542,6 @@
           </a:p>
         </p:txBody>
       </p:sp>
-      <p:cxnSp>
-        <p:nvCxnSpPr>
-          <p:cNvPr id="14" name="直接箭头连接符 13"/>
-          <p:cNvCxnSpPr/>
-          <p:nvPr/>
-        </p:nvCxnSpPr>
-        <p:spPr>
-          <a:xfrm rot="5400000" flipH="1" flipV="1">
-            <a:off x="857224" y="5715016"/>
-            <a:ext cx="572298" cy="794"/>
-          </a:xfrm>
-          <a:prstGeom prst="straightConnector1">
-            <a:avLst/>
-          </a:prstGeom>
-          <a:ln>
-            <a:solidFill>
-              <a:schemeClr val="tx1"/>
-            </a:solidFill>
-            <a:tailEnd type="arrow"/>
-          </a:ln>
-        </p:spPr>
-        <p:style>
-          <a:lnRef idx="1">
-            <a:schemeClr val="accent1"/>
-          </a:lnRef>
-          <a:fillRef idx="0">
-            <a:schemeClr val="accent1"/>
-          </a:fillRef>
-          <a:effectRef idx="0">
-            <a:schemeClr val="accent1"/>
-          </a:effectRef>
-          <a:fontRef idx="minor">
-            <a:schemeClr val="tx1"/>
-          </a:fontRef>
-        </p:style>
-      </p:cxnSp>
-      <p:cxnSp>
-        <p:nvCxnSpPr>
-          <p:cNvPr id="18" name="直接箭头连接符 17"/>
-          <p:cNvCxnSpPr/>
-          <p:nvPr/>
-        </p:nvCxnSpPr>
-        <p:spPr>
-          <a:xfrm>
-            <a:off x="1143770" y="6000768"/>
-            <a:ext cx="571504" cy="1588"/>
-          </a:xfrm>
-          <a:prstGeom prst="straightConnector1">
-            <a:avLst/>
-          </a:prstGeom>
-          <a:ln>
-            <a:solidFill>
-              <a:schemeClr val="tx1"/>
-            </a:solidFill>
-            <a:tailEnd type="arrow"/>
-          </a:ln>
-        </p:spPr>
-        <p:style>
-          <a:lnRef idx="1">
-            <a:schemeClr val="accent1"/>
-          </a:lnRef>
-          <a:fillRef idx="0">
-            <a:schemeClr val="accent1"/>
-          </a:fillRef>
-          <a:effectRef idx="0">
-            <a:schemeClr val="accent1"/>
-          </a:effectRef>
-          <a:fontRef idx="minor">
-            <a:schemeClr val="tx1"/>
-          </a:fontRef>
-        </p:style>
-      </p:cxnSp>
-      <p:sp>
-        <p:nvSpPr>
-          <p:cNvPr id="27" name="TextBox 26"/>
-          <p:cNvSpPr txBox="1"/>
-          <p:nvPr/>
-        </p:nvSpPr>
-        <p:spPr>
-          <a:xfrm>
-            <a:off x="1714480" y="5572140"/>
-            <a:ext cx="284052" cy="369332"/>
-          </a:xfrm>
-          <a:prstGeom prst="rect">
-            <a:avLst/>
-          </a:prstGeom>
-          <a:noFill/>
-        </p:spPr>
-        <p:txBody>
-          <a:bodyPr wrap="none" rtlCol="0">
-            <a:spAutoFit/>
-          </a:bodyPr>
-          <a:lstStyle/>
-          <a:p>
-            <a:r>
-              <a:rPr lang="en-US" altLang="zh-CN" dirty="0" smtClean="0"/>
-              <a:t>x</a:t>
-            </a:r>
-            <a:endParaRPr lang="zh-CN" altLang="en-US" dirty="0"/>
-          </a:p>
-        </p:txBody>
-      </p:sp>
-      <p:sp>
-        <p:nvSpPr>
-          <p:cNvPr id="28" name="TextBox 27"/>
-          <p:cNvSpPr txBox="1"/>
-          <p:nvPr/>
-        </p:nvSpPr>
-        <p:spPr>
-          <a:xfrm>
-            <a:off x="1214414" y="5214950"/>
-            <a:ext cx="288862" cy="369332"/>
-          </a:xfrm>
-          <a:prstGeom prst="rect">
-            <a:avLst/>
-          </a:prstGeom>
-          <a:noFill/>
-        </p:spPr>
-        <p:txBody>
-          <a:bodyPr wrap="none" rtlCol="0">
-            <a:spAutoFit/>
-          </a:bodyPr>
-          <a:lstStyle/>
-          <a:p>
-            <a:r>
-              <a:rPr lang="en-US" altLang="zh-CN" dirty="0" smtClean="0"/>
-              <a:t>y</a:t>
-            </a:r>
-            <a:endParaRPr lang="zh-CN" altLang="en-US" dirty="0"/>
-          </a:p>
-        </p:txBody>
-      </p:sp>
     </p:spTree>
   </p:cSld>
   <p:clrMapOvr>
@@ -4074,7 +3550,7 @@
 </p:sld>
 </file>
 
-<file path=ppt/slides/slide3.xml><?xml version="1.0" encoding="utf-8"?>
+<file path=ppt/slides/slide2.xml><?xml version="1.0" encoding="utf-8"?>
 <p:sld xmlns:a="http://schemas.openxmlformats.org/drawingml/2006/main" xmlns:r="http://schemas.openxmlformats.org/officeDocument/2006/relationships" xmlns:p="http://schemas.openxmlformats.org/presentationml/2006/main">
   <p:cSld>
     <p:spTree>
@@ -4093,27 +3569,39 @@
       </p:grpSpPr>
       <p:grpSp>
         <p:nvGrpSpPr>
-          <p:cNvPr id="14" name="组合 13"/>
+          <p:cNvPr id="2" name="组合 1">
+            <a:extLst>
+              <a:ext uri="{FF2B5EF4-FFF2-40B4-BE49-F238E27FC236}">
+                <a16:creationId xmlns:a16="http://schemas.microsoft.com/office/drawing/2014/main" id="{9FB96DE2-AF63-45ED-ACE3-51D8B7500487}"/>
+              </a:ext>
+            </a:extLst>
+          </p:cNvPr>
           <p:cNvGrpSpPr/>
           <p:nvPr/>
         </p:nvGrpSpPr>
         <p:grpSpPr>
           <a:xfrm>
-            <a:off x="2499036" y="1569690"/>
+            <a:off x="1571604" y="1214422"/>
             <a:ext cx="5540644" cy="4180394"/>
-            <a:chOff x="1071538" y="2071678"/>
+            <a:chOff x="1571604" y="1214422"/>
             <a:chExt cx="5540644" cy="4180394"/>
           </a:xfrm>
         </p:grpSpPr>
         <p:sp>
           <p:nvSpPr>
-            <p:cNvPr id="4" name="矩形 3"/>
+            <p:cNvPr id="12" name="矩形 11">
+              <a:extLst>
+                <a:ext uri="{FF2B5EF4-FFF2-40B4-BE49-F238E27FC236}">
+                  <a16:creationId xmlns:a16="http://schemas.microsoft.com/office/drawing/2014/main" id="{3AFBA66B-13CD-4656-A72A-DFEAEB501BB6}"/>
+                </a:ext>
+              </a:extLst>
+            </p:cNvPr>
             <p:cNvSpPr/>
             <p:nvPr/>
           </p:nvSpPr>
           <p:spPr>
             <a:xfrm>
-              <a:off x="1214414" y="2071678"/>
+              <a:off x="1714480" y="1214422"/>
               <a:ext cx="5274000" cy="4179600"/>
             </a:xfrm>
             <a:prstGeom prst="rect">
@@ -4149,13 +3637,19 @@
             <a:lstStyle/>
             <a:p>
               <a:pPr algn="ctr"/>
-              <a:endParaRPr lang="zh-CN" altLang="en-US"/>
+              <a:endParaRPr lang="zh-CN" altLang="en-US" dirty="0"/>
             </a:p>
           </p:txBody>
         </p:sp>
         <p:pic>
           <p:nvPicPr>
-            <p:cNvPr id="5" name="图片 4" descr="图片1.png"/>
+            <p:cNvPr id="14" name="图片 13" descr="图片1.png">
+              <a:extLst>
+                <a:ext uri="{FF2B5EF4-FFF2-40B4-BE49-F238E27FC236}">
+                  <a16:creationId xmlns:a16="http://schemas.microsoft.com/office/drawing/2014/main" id="{7202781A-ACD3-4C62-855A-F254600CC7BA}"/>
+                </a:ext>
+              </a:extLst>
+            </p:cNvPr>
             <p:cNvPicPr>
               <a:picLocks noChangeAspect="1"/>
             </p:cNvPicPr>
@@ -4170,7 +3664,7 @@
           </p:blipFill>
           <p:spPr>
             <a:xfrm>
-              <a:off x="5286380" y="3286124"/>
+              <a:off x="5786446" y="2428868"/>
               <a:ext cx="1143008" cy="1816458"/>
             </a:xfrm>
             <a:prstGeom prst="rect">
@@ -4180,7 +3674,13 @@
         </p:pic>
         <p:pic>
           <p:nvPicPr>
-            <p:cNvPr id="6" name="图片 5" descr="图片1.png"/>
+            <p:cNvPr id="17" name="图片 16" descr="图片1.png">
+              <a:extLst>
+                <a:ext uri="{FF2B5EF4-FFF2-40B4-BE49-F238E27FC236}">
+                  <a16:creationId xmlns:a16="http://schemas.microsoft.com/office/drawing/2014/main" id="{793C3DF1-9B20-447F-ADD1-1349AE992EBA}"/>
+                </a:ext>
+              </a:extLst>
+            </p:cNvPr>
             <p:cNvPicPr>
               <a:picLocks noChangeAspect="1"/>
             </p:cNvPicPr>
@@ -4195,7 +3695,7 @@
           </p:blipFill>
           <p:spPr>
             <a:xfrm>
-              <a:off x="1214414" y="3286124"/>
+              <a:off x="1714480" y="2428868"/>
               <a:ext cx="1193307" cy="1816458"/>
             </a:xfrm>
             <a:prstGeom prst="rect">
@@ -4205,16 +3705,22 @@
         </p:pic>
         <p:cxnSp>
           <p:nvCxnSpPr>
-            <p:cNvPr id="7" name="直接连接符 6"/>
+            <p:cNvPr id="18" name="直接连接符 17">
+              <a:extLst>
+                <a:ext uri="{FF2B5EF4-FFF2-40B4-BE49-F238E27FC236}">
+                  <a16:creationId xmlns:a16="http://schemas.microsoft.com/office/drawing/2014/main" id="{D934C143-2305-4FF5-9959-6D380427C081}"/>
+                </a:ext>
+              </a:extLst>
+            </p:cNvPr>
             <p:cNvCxnSpPr>
-              <a:stCxn id="4" idx="0"/>
-              <a:endCxn id="4" idx="2"/>
+              <a:stCxn id="12" idx="0"/>
+              <a:endCxn id="12" idx="2"/>
             </p:cNvCxnSpPr>
             <p:nvPr/>
           </p:nvCxnSpPr>
           <p:spPr>
             <a:xfrm rot="16200000" flipH="1">
-              <a:off x="1761614" y="4161478"/>
+              <a:off x="2261680" y="3304222"/>
               <a:ext cx="4179600" cy="1588"/>
             </a:xfrm>
             <a:prstGeom prst="line">
@@ -4243,13 +3749,19 @@
         </p:cxnSp>
         <p:sp>
           <p:nvSpPr>
-            <p:cNvPr id="8" name="矩形 7"/>
+            <p:cNvPr id="19" name="矩形 18">
+              <a:extLst>
+                <a:ext uri="{FF2B5EF4-FFF2-40B4-BE49-F238E27FC236}">
+                  <a16:creationId xmlns:a16="http://schemas.microsoft.com/office/drawing/2014/main" id="{9FEADFA2-615D-4FA7-BBBC-42FEBB83CDA1}"/>
+                </a:ext>
+              </a:extLst>
+            </p:cNvPr>
             <p:cNvSpPr/>
             <p:nvPr/>
           </p:nvSpPr>
           <p:spPr>
             <a:xfrm>
-              <a:off x="1071538" y="4000504"/>
+              <a:off x="1571604" y="3143248"/>
               <a:ext cx="128582" cy="357190"/>
             </a:xfrm>
             <a:prstGeom prst="rect">
@@ -4291,13 +3803,19 @@
         </p:sp>
         <p:sp>
           <p:nvSpPr>
-            <p:cNvPr id="9" name="矩形 8"/>
+            <p:cNvPr id="20" name="矩形 19">
+              <a:extLst>
+                <a:ext uri="{FF2B5EF4-FFF2-40B4-BE49-F238E27FC236}">
+                  <a16:creationId xmlns:a16="http://schemas.microsoft.com/office/drawing/2014/main" id="{680EA174-D43D-421B-8EB1-489DDB547524}"/>
+                </a:ext>
+              </a:extLst>
+            </p:cNvPr>
             <p:cNvSpPr/>
             <p:nvPr/>
           </p:nvSpPr>
           <p:spPr>
             <a:xfrm>
-              <a:off x="1214414" y="2988000"/>
+              <a:off x="1714480" y="2130744"/>
               <a:ext cx="889200" cy="2340000"/>
             </a:xfrm>
             <a:prstGeom prst="rect">
@@ -4339,13 +3857,19 @@
         </p:sp>
         <p:sp>
           <p:nvSpPr>
-            <p:cNvPr id="10" name="矩形 9"/>
+            <p:cNvPr id="26" name="矩形 25">
+              <a:extLst>
+                <a:ext uri="{FF2B5EF4-FFF2-40B4-BE49-F238E27FC236}">
+                  <a16:creationId xmlns:a16="http://schemas.microsoft.com/office/drawing/2014/main" id="{63CF8DAA-16D9-4AD7-9846-A883D189F233}"/>
+                </a:ext>
+              </a:extLst>
+            </p:cNvPr>
             <p:cNvSpPr/>
             <p:nvPr/>
           </p:nvSpPr>
           <p:spPr>
             <a:xfrm>
-              <a:off x="5594400" y="3000372"/>
+              <a:off x="6094466" y="2143116"/>
               <a:ext cx="889200" cy="2340000"/>
             </a:xfrm>
             <a:prstGeom prst="rect">
@@ -4387,13 +3911,19 @@
         </p:sp>
         <p:sp>
           <p:nvSpPr>
-            <p:cNvPr id="11" name="矩形 10"/>
+            <p:cNvPr id="27" name="矩形 26">
+              <a:extLst>
+                <a:ext uri="{FF2B5EF4-FFF2-40B4-BE49-F238E27FC236}">
+                  <a16:creationId xmlns:a16="http://schemas.microsoft.com/office/drawing/2014/main" id="{6AA0F624-6D61-4644-9933-013D30711906}"/>
+                </a:ext>
+              </a:extLst>
+            </p:cNvPr>
             <p:cNvSpPr/>
             <p:nvPr/>
           </p:nvSpPr>
           <p:spPr>
             <a:xfrm>
-              <a:off x="6483600" y="4000504"/>
+              <a:off x="6983666" y="3143248"/>
               <a:ext cx="128582" cy="357190"/>
             </a:xfrm>
             <a:prstGeom prst="rect">
@@ -4435,13 +3965,19 @@
         </p:sp>
         <p:sp>
           <p:nvSpPr>
-            <p:cNvPr id="12" name="矩形 11"/>
+            <p:cNvPr id="28" name="矩形 27">
+              <a:extLst>
+                <a:ext uri="{FF2B5EF4-FFF2-40B4-BE49-F238E27FC236}">
+                  <a16:creationId xmlns:a16="http://schemas.microsoft.com/office/drawing/2014/main" id="{78DEB79B-7B6A-4F41-9111-3C937DAB85D2}"/>
+                </a:ext>
+              </a:extLst>
+            </p:cNvPr>
             <p:cNvSpPr/>
             <p:nvPr/>
           </p:nvSpPr>
           <p:spPr>
             <a:xfrm>
-              <a:off x="1214414" y="3714752"/>
+              <a:off x="1714480" y="2857496"/>
               <a:ext cx="403200" cy="853200"/>
             </a:xfrm>
             <a:prstGeom prst="rect">
@@ -4483,13 +4019,19 @@
         </p:sp>
         <p:sp>
           <p:nvSpPr>
-            <p:cNvPr id="13" name="矩形 12"/>
+            <p:cNvPr id="29" name="矩形 28">
+              <a:extLst>
+                <a:ext uri="{FF2B5EF4-FFF2-40B4-BE49-F238E27FC236}">
+                  <a16:creationId xmlns:a16="http://schemas.microsoft.com/office/drawing/2014/main" id="{ED827D9D-89F7-4BA9-A4AA-DE466C8FA027}"/>
+                </a:ext>
+              </a:extLst>
+            </p:cNvPr>
             <p:cNvSpPr/>
             <p:nvPr/>
           </p:nvSpPr>
           <p:spPr>
             <a:xfrm>
-              <a:off x="6080400" y="3714752"/>
+              <a:off x="6580466" y="2857496"/>
               <a:ext cx="403200" cy="853200"/>
             </a:xfrm>
             <a:prstGeom prst="rect">
@@ -4530,32 +4072,2555 @@
           </p:txBody>
         </p:sp>
       </p:grpSp>
-      <p:pic>
-        <p:nvPicPr>
-          <p:cNvPr id="2054" name="Picture 6" descr="C:\Users\dell\Desktop\competetion\competetion\build\Husk\pic\Match_3_network.png"/>
-          <p:cNvPicPr>
-            <a:picLocks noChangeAspect="1" noChangeArrowheads="1"/>
-          </p:cNvPicPr>
+    </p:spTree>
+    <p:extLst>
+      <p:ext uri="{BB962C8B-B14F-4D97-AF65-F5344CB8AC3E}">
+        <p14:creationId xmlns:p14="http://schemas.microsoft.com/office/powerpoint/2010/main" val="1141040574"/>
+      </p:ext>
+    </p:extLst>
+  </p:cSld>
+  <p:clrMapOvr>
+    <a:masterClrMapping/>
+  </p:clrMapOvr>
+</p:sld>
+</file>
+
+<file path=ppt/slides/slide3.xml><?xml version="1.0" encoding="utf-8"?>
+<p:sld xmlns:a="http://schemas.openxmlformats.org/drawingml/2006/main" xmlns:r="http://schemas.openxmlformats.org/officeDocument/2006/relationships" xmlns:p="http://schemas.openxmlformats.org/presentationml/2006/main">
+  <p:cSld>
+    <p:spTree>
+      <p:nvGrpSpPr>
+        <p:cNvPr id="1" name=""/>
+        <p:cNvGrpSpPr/>
+        <p:nvPr/>
+      </p:nvGrpSpPr>
+      <p:grpSpPr>
+        <a:xfrm>
+          <a:off x="0" y="0"/>
+          <a:ext cx="0" cy="0"/>
+          <a:chOff x="0" y="0"/>
+          <a:chExt cx="0" cy="0"/>
+        </a:xfrm>
+      </p:grpSpPr>
+      <p:grpSp>
+        <p:nvGrpSpPr>
+          <p:cNvPr id="2" name="组合 1">
+            <a:extLst>
+              <a:ext uri="{FF2B5EF4-FFF2-40B4-BE49-F238E27FC236}">
+                <a16:creationId xmlns:a16="http://schemas.microsoft.com/office/drawing/2014/main" id="{FAFFA30C-5FB7-4410-8FF0-C648E08B6A48}"/>
+              </a:ext>
+            </a:extLst>
+          </p:cNvPr>
+          <p:cNvGrpSpPr/>
           <p:nvPr/>
-        </p:nvPicPr>
-        <p:blipFill>
-          <a:blip r:embed="rId3"/>
-          <a:srcRect/>
-          <a:stretch>
-            <a:fillRect/>
-          </a:stretch>
-        </p:blipFill>
-        <p:spPr bwMode="auto">
+        </p:nvGrpSpPr>
+        <p:grpSpPr>
           <a:xfrm>
-            <a:off x="2498400" y="1569600"/>
-            <a:ext cx="5851525" cy="4389438"/>
+            <a:off x="1129197" y="1214422"/>
+            <a:ext cx="5983051" cy="4870323"/>
+            <a:chOff x="1129197" y="1214422"/>
+            <a:chExt cx="5983051" cy="4870323"/>
           </a:xfrm>
-          <a:prstGeom prst="rect">
-            <a:avLst/>
-          </a:prstGeom>
-          <a:noFill/>
-        </p:spPr>
-      </p:pic>
+        </p:grpSpPr>
+        <p:cxnSp>
+          <p:nvCxnSpPr>
+            <p:cNvPr id="12" name="直接箭头连接符 11">
+              <a:extLst>
+                <a:ext uri="{FF2B5EF4-FFF2-40B4-BE49-F238E27FC236}">
+                  <a16:creationId xmlns:a16="http://schemas.microsoft.com/office/drawing/2014/main" id="{FE805433-F146-4823-9536-A83AA79391D1}"/>
+                </a:ext>
+              </a:extLst>
+            </p:cNvPr>
+            <p:cNvCxnSpPr/>
+            <p:nvPr/>
+          </p:nvCxnSpPr>
+          <p:spPr>
+            <a:xfrm rot="5400000" flipH="1" flipV="1">
+              <a:off x="857224" y="5715016"/>
+              <a:ext cx="572298" cy="794"/>
+            </a:xfrm>
+            <a:prstGeom prst="straightConnector1">
+              <a:avLst/>
+            </a:prstGeom>
+            <a:ln>
+              <a:solidFill>
+                <a:schemeClr val="tx1"/>
+              </a:solidFill>
+              <a:tailEnd type="arrow"/>
+            </a:ln>
+          </p:spPr>
+          <p:style>
+            <a:lnRef idx="1">
+              <a:schemeClr val="accent1"/>
+            </a:lnRef>
+            <a:fillRef idx="0">
+              <a:schemeClr val="accent1"/>
+            </a:fillRef>
+            <a:effectRef idx="0">
+              <a:schemeClr val="accent1"/>
+            </a:effectRef>
+            <a:fontRef idx="minor">
+              <a:schemeClr val="tx1"/>
+            </a:fontRef>
+          </p:style>
+        </p:cxnSp>
+        <p:cxnSp>
+          <p:nvCxnSpPr>
+            <p:cNvPr id="14" name="直接箭头连接符 13">
+              <a:extLst>
+                <a:ext uri="{FF2B5EF4-FFF2-40B4-BE49-F238E27FC236}">
+                  <a16:creationId xmlns:a16="http://schemas.microsoft.com/office/drawing/2014/main" id="{7CF953B6-AE9C-4C64-877E-A0A897FAB51C}"/>
+                </a:ext>
+              </a:extLst>
+            </p:cNvPr>
+            <p:cNvCxnSpPr/>
+            <p:nvPr/>
+          </p:nvCxnSpPr>
+          <p:spPr>
+            <a:xfrm>
+              <a:off x="1143770" y="6000768"/>
+              <a:ext cx="571504" cy="1588"/>
+            </a:xfrm>
+            <a:prstGeom prst="straightConnector1">
+              <a:avLst/>
+            </a:prstGeom>
+            <a:ln>
+              <a:solidFill>
+                <a:schemeClr val="tx1"/>
+              </a:solidFill>
+              <a:tailEnd type="arrow"/>
+            </a:ln>
+          </p:spPr>
+          <p:style>
+            <a:lnRef idx="1">
+              <a:schemeClr val="accent1"/>
+            </a:lnRef>
+            <a:fillRef idx="0">
+              <a:schemeClr val="accent1"/>
+            </a:fillRef>
+            <a:effectRef idx="0">
+              <a:schemeClr val="accent1"/>
+            </a:effectRef>
+            <a:fontRef idx="minor">
+              <a:schemeClr val="tx1"/>
+            </a:fontRef>
+          </p:style>
+        </p:cxnSp>
+        <mc:AlternateContent xmlns:mc="http://schemas.openxmlformats.org/markup-compatibility/2006" xmlns:a14="http://schemas.microsoft.com/office/drawing/2010/main">
+          <mc:Choice Requires="a14">
+            <p:sp>
+              <p:nvSpPr>
+                <p:cNvPr id="17" name="TextBox 26">
+                  <a:extLst>
+                    <a:ext uri="{FF2B5EF4-FFF2-40B4-BE49-F238E27FC236}">
+                      <a16:creationId xmlns:a16="http://schemas.microsoft.com/office/drawing/2014/main" id="{A4F2C66B-ADA7-4FAF-8B74-84CF72F674F1}"/>
+                    </a:ext>
+                  </a:extLst>
+                </p:cNvPr>
+                <p:cNvSpPr txBox="1"/>
+                <p:nvPr/>
+              </p:nvSpPr>
+              <p:spPr>
+                <a:xfrm>
+                  <a:off x="1671989" y="5715413"/>
+                  <a:ext cx="367986" cy="369332"/>
+                </a:xfrm>
+                <a:prstGeom prst="rect">
+                  <a:avLst/>
+                </a:prstGeom>
+                <a:noFill/>
+              </p:spPr>
+              <p:txBody>
+                <a:bodyPr wrap="none" rtlCol="0">
+                  <a:spAutoFit/>
+                </a:bodyPr>
+                <a:lstStyle/>
+                <a:p>
+                  <a:pPr/>
+                  <a14:m>
+                    <m:oMathPara xmlns:m="http://schemas.openxmlformats.org/officeDocument/2006/math">
+                      <m:oMathParaPr>
+                        <m:jc m:val="centerGroup"/>
+                      </m:oMathParaPr>
+                      <m:oMath xmlns:m="http://schemas.openxmlformats.org/officeDocument/2006/math">
+                        <m:r>
+                          <a:rPr lang="en-US" altLang="zh-CN" i="1" dirty="0" smtClean="0">
+                            <a:latin typeface="Cambria Math" panose="02040503050406030204" pitchFamily="18" charset="0"/>
+                          </a:rPr>
+                          <m:t>𝑥</m:t>
+                        </m:r>
+                      </m:oMath>
+                    </m:oMathPara>
+                  </a14:m>
+                  <a:endParaRPr lang="zh-CN" altLang="en-US" dirty="0"/>
+                </a:p>
+              </p:txBody>
+            </p:sp>
+          </mc:Choice>
+          <mc:Fallback xmlns="">
+            <p:sp>
+              <p:nvSpPr>
+                <p:cNvPr id="17" name="TextBox 26">
+                  <a:extLst>
+                    <a:ext uri="{FF2B5EF4-FFF2-40B4-BE49-F238E27FC236}">
+                      <a16:creationId xmlns:a16="http://schemas.microsoft.com/office/drawing/2014/main" id="{A4F2C66B-ADA7-4FAF-8B74-84CF72F674F1}"/>
+                    </a:ext>
+                  </a:extLst>
+                </p:cNvPr>
+                <p:cNvSpPr txBox="1">
+                  <a:spLocks noRot="1" noChangeAspect="1" noMove="1" noResize="1" noEditPoints="1" noAdjustHandles="1" noChangeArrowheads="1" noChangeShapeType="1" noTextEdit="1"/>
+                </p:cNvSpPr>
+                <p:nvPr/>
+              </p:nvSpPr>
+              <p:spPr>
+                <a:xfrm>
+                  <a:off x="1671989" y="5715413"/>
+                  <a:ext cx="367986" cy="369332"/>
+                </a:xfrm>
+                <a:prstGeom prst="rect">
+                  <a:avLst/>
+                </a:prstGeom>
+                <a:blipFill>
+                  <a:blip r:embed="rId2"/>
+                  <a:stretch>
+                    <a:fillRect/>
+                  </a:stretch>
+                </a:blipFill>
+              </p:spPr>
+              <p:txBody>
+                <a:bodyPr/>
+                <a:lstStyle/>
+                <a:p>
+                  <a:r>
+                    <a:rPr lang="zh-CN" altLang="en-US">
+                      <a:noFill/>
+                    </a:rPr>
+                    <a:t> </a:t>
+                  </a:r>
+                </a:p>
+              </p:txBody>
+            </p:sp>
+          </mc:Fallback>
+        </mc:AlternateContent>
+        <mc:AlternateContent xmlns:mc="http://schemas.openxmlformats.org/markup-compatibility/2006" xmlns:a14="http://schemas.microsoft.com/office/drawing/2010/main">
+          <mc:Choice Requires="a14">
+            <p:sp>
+              <p:nvSpPr>
+                <p:cNvPr id="18" name="TextBox 27">
+                  <a:extLst>
+                    <a:ext uri="{FF2B5EF4-FFF2-40B4-BE49-F238E27FC236}">
+                      <a16:creationId xmlns:a16="http://schemas.microsoft.com/office/drawing/2014/main" id="{9E5F6159-CF3C-4EAE-B5FF-A1552102A2A1}"/>
+                    </a:ext>
+                  </a:extLst>
+                </p:cNvPr>
+                <p:cNvSpPr txBox="1"/>
+                <p:nvPr/>
+              </p:nvSpPr>
+              <p:spPr>
+                <a:xfrm>
+                  <a:off x="1129197" y="5328063"/>
+                  <a:ext cx="371384" cy="369332"/>
+                </a:xfrm>
+                <a:prstGeom prst="rect">
+                  <a:avLst/>
+                </a:prstGeom>
+                <a:noFill/>
+              </p:spPr>
+              <p:txBody>
+                <a:bodyPr wrap="none" rtlCol="0">
+                  <a:spAutoFit/>
+                </a:bodyPr>
+                <a:lstStyle/>
+                <a:p>
+                  <a:pPr/>
+                  <a14:m>
+                    <m:oMathPara xmlns:m="http://schemas.openxmlformats.org/officeDocument/2006/math">
+                      <m:oMathParaPr>
+                        <m:jc m:val="centerGroup"/>
+                      </m:oMathParaPr>
+                      <m:oMath xmlns:m="http://schemas.openxmlformats.org/officeDocument/2006/math">
+                        <m:r>
+                          <a:rPr lang="en-US" altLang="zh-CN" i="1" dirty="0" smtClean="0">
+                            <a:latin typeface="Cambria Math" panose="02040503050406030204" pitchFamily="18" charset="0"/>
+                          </a:rPr>
+                          <m:t>𝑦</m:t>
+                        </m:r>
+                      </m:oMath>
+                    </m:oMathPara>
+                  </a14:m>
+                  <a:endParaRPr lang="zh-CN" altLang="en-US" dirty="0"/>
+                </a:p>
+              </p:txBody>
+            </p:sp>
+          </mc:Choice>
+          <mc:Fallback xmlns="">
+            <p:sp>
+              <p:nvSpPr>
+                <p:cNvPr id="18" name="TextBox 27">
+                  <a:extLst>
+                    <a:ext uri="{FF2B5EF4-FFF2-40B4-BE49-F238E27FC236}">
+                      <a16:creationId xmlns:a16="http://schemas.microsoft.com/office/drawing/2014/main" id="{9E5F6159-CF3C-4EAE-B5FF-A1552102A2A1}"/>
+                    </a:ext>
+                  </a:extLst>
+                </p:cNvPr>
+                <p:cNvSpPr txBox="1">
+                  <a:spLocks noRot="1" noChangeAspect="1" noMove="1" noResize="1" noEditPoints="1" noAdjustHandles="1" noChangeArrowheads="1" noChangeShapeType="1" noTextEdit="1"/>
+                </p:cNvSpPr>
+                <p:nvPr/>
+              </p:nvSpPr>
+              <p:spPr>
+                <a:xfrm>
+                  <a:off x="1129197" y="5328063"/>
+                  <a:ext cx="371384" cy="369332"/>
+                </a:xfrm>
+                <a:prstGeom prst="rect">
+                  <a:avLst/>
+                </a:prstGeom>
+                <a:blipFill>
+                  <a:blip r:embed="rId3"/>
+                  <a:stretch>
+                    <a:fillRect b="-6557"/>
+                  </a:stretch>
+                </a:blipFill>
+              </p:spPr>
+              <p:txBody>
+                <a:bodyPr/>
+                <a:lstStyle/>
+                <a:p>
+                  <a:r>
+                    <a:rPr lang="zh-CN" altLang="en-US">
+                      <a:noFill/>
+                    </a:rPr>
+                    <a:t> </a:t>
+                  </a:r>
+                </a:p>
+              </p:txBody>
+            </p:sp>
+          </mc:Fallback>
+        </mc:AlternateContent>
+        <p:sp>
+          <p:nvSpPr>
+            <p:cNvPr id="19" name="矩形 18">
+              <a:extLst>
+                <a:ext uri="{FF2B5EF4-FFF2-40B4-BE49-F238E27FC236}">
+                  <a16:creationId xmlns:a16="http://schemas.microsoft.com/office/drawing/2014/main" id="{8DFAA6AF-B23A-43E8-BD46-F43EC54B2DE4}"/>
+                </a:ext>
+              </a:extLst>
+            </p:cNvPr>
+            <p:cNvSpPr/>
+            <p:nvPr/>
+          </p:nvSpPr>
+          <p:spPr>
+            <a:xfrm>
+              <a:off x="1714480" y="1214422"/>
+              <a:ext cx="5274000" cy="4179600"/>
+            </a:xfrm>
+            <a:prstGeom prst="rect">
+              <a:avLst/>
+            </a:prstGeom>
+            <a:solidFill>
+              <a:schemeClr val="bg1"/>
+            </a:solidFill>
+            <a:ln w="19050">
+              <a:solidFill>
+                <a:schemeClr val="tx1"/>
+              </a:solidFill>
+            </a:ln>
+          </p:spPr>
+          <p:style>
+            <a:lnRef idx="2">
+              <a:schemeClr val="accent1">
+                <a:shade val="50000"/>
+              </a:schemeClr>
+            </a:lnRef>
+            <a:fillRef idx="1">
+              <a:schemeClr val="accent1"/>
+            </a:fillRef>
+            <a:effectRef idx="0">
+              <a:schemeClr val="accent1"/>
+            </a:effectRef>
+            <a:fontRef idx="minor">
+              <a:schemeClr val="lt1"/>
+            </a:fontRef>
+          </p:style>
+          <p:txBody>
+            <a:bodyPr rtlCol="0" anchor="ctr"/>
+            <a:lstStyle/>
+            <a:p>
+              <a:pPr algn="ctr"/>
+              <a:endParaRPr lang="zh-CN" altLang="en-US" dirty="0"/>
+            </a:p>
+          </p:txBody>
+        </p:sp>
+        <p:pic>
+          <p:nvPicPr>
+            <p:cNvPr id="20" name="图片 19" descr="图片1.png">
+              <a:extLst>
+                <a:ext uri="{FF2B5EF4-FFF2-40B4-BE49-F238E27FC236}">
+                  <a16:creationId xmlns:a16="http://schemas.microsoft.com/office/drawing/2014/main" id="{258084CB-0910-432F-86FB-1FE7DE7B3807}"/>
+                </a:ext>
+              </a:extLst>
+            </p:cNvPr>
+            <p:cNvPicPr>
+              <a:picLocks noChangeAspect="1"/>
+            </p:cNvPicPr>
+            <p:nvPr/>
+          </p:nvPicPr>
+          <p:blipFill>
+            <a:blip r:embed="rId4"/>
+            <a:srcRect r="76264"/>
+            <a:stretch>
+              <a:fillRect/>
+            </a:stretch>
+          </p:blipFill>
+          <p:spPr>
+            <a:xfrm>
+              <a:off x="5786446" y="2428868"/>
+              <a:ext cx="1143008" cy="1816458"/>
+            </a:xfrm>
+            <a:prstGeom prst="rect">
+              <a:avLst/>
+            </a:prstGeom>
+          </p:spPr>
+        </p:pic>
+        <p:pic>
+          <p:nvPicPr>
+            <p:cNvPr id="26" name="图片 25" descr="图片1.png">
+              <a:extLst>
+                <a:ext uri="{FF2B5EF4-FFF2-40B4-BE49-F238E27FC236}">
+                  <a16:creationId xmlns:a16="http://schemas.microsoft.com/office/drawing/2014/main" id="{46EEEDC8-E77E-45FC-80D3-B538D2427876}"/>
+                </a:ext>
+              </a:extLst>
+            </p:cNvPr>
+            <p:cNvPicPr>
+              <a:picLocks noChangeAspect="1"/>
+            </p:cNvPicPr>
+            <p:nvPr/>
+          </p:nvPicPr>
+          <p:blipFill>
+            <a:blip r:embed="rId4"/>
+            <a:srcRect l="75219"/>
+            <a:stretch>
+              <a:fillRect/>
+            </a:stretch>
+          </p:blipFill>
+          <p:spPr>
+            <a:xfrm>
+              <a:off x="1714480" y="2428868"/>
+              <a:ext cx="1193307" cy="1816458"/>
+            </a:xfrm>
+            <a:prstGeom prst="rect">
+              <a:avLst/>
+            </a:prstGeom>
+          </p:spPr>
+        </p:pic>
+        <p:cxnSp>
+          <p:nvCxnSpPr>
+            <p:cNvPr id="27" name="直接连接符 26">
+              <a:extLst>
+                <a:ext uri="{FF2B5EF4-FFF2-40B4-BE49-F238E27FC236}">
+                  <a16:creationId xmlns:a16="http://schemas.microsoft.com/office/drawing/2014/main" id="{DD2F2C5E-7382-4AB1-93DF-676640AAFAC9}"/>
+                </a:ext>
+              </a:extLst>
+            </p:cNvPr>
+            <p:cNvCxnSpPr>
+              <a:cxnSpLocks/>
+              <a:stCxn id="19" idx="0"/>
+              <a:endCxn id="19" idx="2"/>
+            </p:cNvCxnSpPr>
+            <p:nvPr/>
+          </p:nvCxnSpPr>
+          <p:spPr>
+            <a:xfrm rot="16200000" flipH="1">
+              <a:off x="2261680" y="3304222"/>
+              <a:ext cx="4179600" cy="1588"/>
+            </a:xfrm>
+            <a:prstGeom prst="line">
+              <a:avLst/>
+            </a:prstGeom>
+            <a:ln w="19050">
+              <a:solidFill>
+                <a:schemeClr val="tx1"/>
+              </a:solidFill>
+            </a:ln>
+          </p:spPr>
+          <p:style>
+            <a:lnRef idx="1">
+              <a:schemeClr val="accent1"/>
+            </a:lnRef>
+            <a:fillRef idx="0">
+              <a:schemeClr val="accent1"/>
+            </a:fillRef>
+            <a:effectRef idx="0">
+              <a:schemeClr val="accent1"/>
+            </a:effectRef>
+            <a:fontRef idx="minor">
+              <a:schemeClr val="tx1"/>
+            </a:fontRef>
+          </p:style>
+        </p:cxnSp>
+        <p:sp>
+          <p:nvSpPr>
+            <p:cNvPr id="28" name="矩形 27">
+              <a:extLst>
+                <a:ext uri="{FF2B5EF4-FFF2-40B4-BE49-F238E27FC236}">
+                  <a16:creationId xmlns:a16="http://schemas.microsoft.com/office/drawing/2014/main" id="{A89B065C-C98C-4DB6-86C1-FA21B85C3DF3}"/>
+                </a:ext>
+              </a:extLst>
+            </p:cNvPr>
+            <p:cNvSpPr/>
+            <p:nvPr/>
+          </p:nvSpPr>
+          <p:spPr>
+            <a:xfrm>
+              <a:off x="1571604" y="3143248"/>
+              <a:ext cx="128582" cy="357190"/>
+            </a:xfrm>
+            <a:prstGeom prst="rect">
+              <a:avLst/>
+            </a:prstGeom>
+            <a:solidFill>
+              <a:schemeClr val="bg1"/>
+            </a:solidFill>
+            <a:ln w="6350">
+              <a:solidFill>
+                <a:schemeClr val="tx1"/>
+              </a:solidFill>
+            </a:ln>
+          </p:spPr>
+          <p:style>
+            <a:lnRef idx="2">
+              <a:schemeClr val="accent1">
+                <a:shade val="50000"/>
+              </a:schemeClr>
+            </a:lnRef>
+            <a:fillRef idx="1">
+              <a:schemeClr val="accent1"/>
+            </a:fillRef>
+            <a:effectRef idx="0">
+              <a:schemeClr val="accent1"/>
+            </a:effectRef>
+            <a:fontRef idx="minor">
+              <a:schemeClr val="lt1"/>
+            </a:fontRef>
+          </p:style>
+          <p:txBody>
+            <a:bodyPr rtlCol="0" anchor="ctr"/>
+            <a:lstStyle/>
+            <a:p>
+              <a:pPr algn="ctr"/>
+              <a:endParaRPr lang="zh-CN" altLang="en-US"/>
+            </a:p>
+          </p:txBody>
+        </p:sp>
+        <p:sp>
+          <p:nvSpPr>
+            <p:cNvPr id="29" name="矩形 28">
+              <a:extLst>
+                <a:ext uri="{FF2B5EF4-FFF2-40B4-BE49-F238E27FC236}">
+                  <a16:creationId xmlns:a16="http://schemas.microsoft.com/office/drawing/2014/main" id="{38D6F5F4-D7E2-43B9-A1AA-76403A57940B}"/>
+                </a:ext>
+              </a:extLst>
+            </p:cNvPr>
+            <p:cNvSpPr/>
+            <p:nvPr/>
+          </p:nvSpPr>
+          <p:spPr>
+            <a:xfrm>
+              <a:off x="1714480" y="2130744"/>
+              <a:ext cx="889200" cy="2340000"/>
+            </a:xfrm>
+            <a:prstGeom prst="rect">
+              <a:avLst/>
+            </a:prstGeom>
+            <a:solidFill>
+              <a:schemeClr val="bg1"/>
+            </a:solidFill>
+            <a:ln w="19050">
+              <a:solidFill>
+                <a:schemeClr val="tx1"/>
+              </a:solidFill>
+            </a:ln>
+          </p:spPr>
+          <p:style>
+            <a:lnRef idx="2">
+              <a:schemeClr val="accent1">
+                <a:shade val="50000"/>
+              </a:schemeClr>
+            </a:lnRef>
+            <a:fillRef idx="1">
+              <a:schemeClr val="accent1"/>
+            </a:fillRef>
+            <a:effectRef idx="0">
+              <a:schemeClr val="accent1"/>
+            </a:effectRef>
+            <a:fontRef idx="minor">
+              <a:schemeClr val="lt1"/>
+            </a:fontRef>
+          </p:style>
+          <p:txBody>
+            <a:bodyPr rtlCol="0" anchor="ctr"/>
+            <a:lstStyle/>
+            <a:p>
+              <a:pPr algn="ctr"/>
+              <a:endParaRPr lang="zh-CN" altLang="en-US"/>
+            </a:p>
+          </p:txBody>
+        </p:sp>
+        <p:sp>
+          <p:nvSpPr>
+            <p:cNvPr id="30" name="矩形 29">
+              <a:extLst>
+                <a:ext uri="{FF2B5EF4-FFF2-40B4-BE49-F238E27FC236}">
+                  <a16:creationId xmlns:a16="http://schemas.microsoft.com/office/drawing/2014/main" id="{CDD7BD38-0166-40AD-9AB3-C88C9187E2E8}"/>
+                </a:ext>
+              </a:extLst>
+            </p:cNvPr>
+            <p:cNvSpPr/>
+            <p:nvPr/>
+          </p:nvSpPr>
+          <p:spPr>
+            <a:xfrm>
+              <a:off x="6094466" y="2143116"/>
+              <a:ext cx="889200" cy="2340000"/>
+            </a:xfrm>
+            <a:prstGeom prst="rect">
+              <a:avLst/>
+            </a:prstGeom>
+            <a:solidFill>
+              <a:schemeClr val="bg1"/>
+            </a:solidFill>
+            <a:ln w="19050">
+              <a:solidFill>
+                <a:schemeClr val="tx1"/>
+              </a:solidFill>
+            </a:ln>
+          </p:spPr>
+          <p:style>
+            <a:lnRef idx="2">
+              <a:schemeClr val="accent1">
+                <a:shade val="50000"/>
+              </a:schemeClr>
+            </a:lnRef>
+            <a:fillRef idx="1">
+              <a:schemeClr val="accent1"/>
+            </a:fillRef>
+            <a:effectRef idx="0">
+              <a:schemeClr val="accent1"/>
+            </a:effectRef>
+            <a:fontRef idx="minor">
+              <a:schemeClr val="lt1"/>
+            </a:fontRef>
+          </p:style>
+          <p:txBody>
+            <a:bodyPr rtlCol="0" anchor="ctr"/>
+            <a:lstStyle/>
+            <a:p>
+              <a:pPr algn="ctr"/>
+              <a:endParaRPr lang="zh-CN" altLang="en-US"/>
+            </a:p>
+          </p:txBody>
+        </p:sp>
+        <p:sp>
+          <p:nvSpPr>
+            <p:cNvPr id="31" name="矩形 30">
+              <a:extLst>
+                <a:ext uri="{FF2B5EF4-FFF2-40B4-BE49-F238E27FC236}">
+                  <a16:creationId xmlns:a16="http://schemas.microsoft.com/office/drawing/2014/main" id="{77329BAF-0EE8-4F63-A7C5-61553BC5BF32}"/>
+                </a:ext>
+              </a:extLst>
+            </p:cNvPr>
+            <p:cNvSpPr/>
+            <p:nvPr/>
+          </p:nvSpPr>
+          <p:spPr>
+            <a:xfrm>
+              <a:off x="6983666" y="3143248"/>
+              <a:ext cx="128582" cy="357190"/>
+            </a:xfrm>
+            <a:prstGeom prst="rect">
+              <a:avLst/>
+            </a:prstGeom>
+            <a:solidFill>
+              <a:schemeClr val="bg1"/>
+            </a:solidFill>
+            <a:ln w="6350">
+              <a:solidFill>
+                <a:schemeClr val="tx1"/>
+              </a:solidFill>
+            </a:ln>
+          </p:spPr>
+          <p:style>
+            <a:lnRef idx="2">
+              <a:schemeClr val="accent1">
+                <a:shade val="50000"/>
+              </a:schemeClr>
+            </a:lnRef>
+            <a:fillRef idx="1">
+              <a:schemeClr val="accent1"/>
+            </a:fillRef>
+            <a:effectRef idx="0">
+              <a:schemeClr val="accent1"/>
+            </a:effectRef>
+            <a:fontRef idx="minor">
+              <a:schemeClr val="lt1"/>
+            </a:fontRef>
+          </p:style>
+          <p:txBody>
+            <a:bodyPr rtlCol="0" anchor="ctr"/>
+            <a:lstStyle/>
+            <a:p>
+              <a:pPr algn="ctr"/>
+              <a:endParaRPr lang="zh-CN" altLang="en-US"/>
+            </a:p>
+          </p:txBody>
+        </p:sp>
+        <p:sp>
+          <p:nvSpPr>
+            <p:cNvPr id="32" name="矩形 31">
+              <a:extLst>
+                <a:ext uri="{FF2B5EF4-FFF2-40B4-BE49-F238E27FC236}">
+                  <a16:creationId xmlns:a16="http://schemas.microsoft.com/office/drawing/2014/main" id="{C335C3FC-C230-482F-914D-CB428D305677}"/>
+                </a:ext>
+              </a:extLst>
+            </p:cNvPr>
+            <p:cNvSpPr/>
+            <p:nvPr/>
+          </p:nvSpPr>
+          <p:spPr>
+            <a:xfrm>
+              <a:off x="1714480" y="2857496"/>
+              <a:ext cx="403200" cy="853200"/>
+            </a:xfrm>
+            <a:prstGeom prst="rect">
+              <a:avLst/>
+            </a:prstGeom>
+            <a:solidFill>
+              <a:schemeClr val="bg1"/>
+            </a:solidFill>
+            <a:ln w="19050">
+              <a:solidFill>
+                <a:schemeClr val="tx1"/>
+              </a:solidFill>
+            </a:ln>
+          </p:spPr>
+          <p:style>
+            <a:lnRef idx="2">
+              <a:schemeClr val="accent1">
+                <a:shade val="50000"/>
+              </a:schemeClr>
+            </a:lnRef>
+            <a:fillRef idx="1">
+              <a:schemeClr val="accent1"/>
+            </a:fillRef>
+            <a:effectRef idx="0">
+              <a:schemeClr val="accent1"/>
+            </a:effectRef>
+            <a:fontRef idx="minor">
+              <a:schemeClr val="lt1"/>
+            </a:fontRef>
+          </p:style>
+          <p:txBody>
+            <a:bodyPr rtlCol="0" anchor="ctr"/>
+            <a:lstStyle/>
+            <a:p>
+              <a:pPr algn="ctr"/>
+              <a:endParaRPr lang="zh-CN" altLang="en-US"/>
+            </a:p>
+          </p:txBody>
+        </p:sp>
+        <p:sp>
+          <p:nvSpPr>
+            <p:cNvPr id="33" name="矩形 32">
+              <a:extLst>
+                <a:ext uri="{FF2B5EF4-FFF2-40B4-BE49-F238E27FC236}">
+                  <a16:creationId xmlns:a16="http://schemas.microsoft.com/office/drawing/2014/main" id="{9478012F-3E3E-4679-8E85-C55C405D8D70}"/>
+                </a:ext>
+              </a:extLst>
+            </p:cNvPr>
+            <p:cNvSpPr/>
+            <p:nvPr/>
+          </p:nvSpPr>
+          <p:spPr>
+            <a:xfrm>
+              <a:off x="6580466" y="2857496"/>
+              <a:ext cx="403200" cy="853200"/>
+            </a:xfrm>
+            <a:prstGeom prst="rect">
+              <a:avLst/>
+            </a:prstGeom>
+            <a:solidFill>
+              <a:schemeClr val="bg1"/>
+            </a:solidFill>
+            <a:ln w="19050">
+              <a:solidFill>
+                <a:schemeClr val="tx1"/>
+              </a:solidFill>
+            </a:ln>
+          </p:spPr>
+          <p:style>
+            <a:lnRef idx="2">
+              <a:schemeClr val="accent1">
+                <a:shade val="50000"/>
+              </a:schemeClr>
+            </a:lnRef>
+            <a:fillRef idx="1">
+              <a:schemeClr val="accent1"/>
+            </a:fillRef>
+            <a:effectRef idx="0">
+              <a:schemeClr val="accent1"/>
+            </a:effectRef>
+            <a:fontRef idx="minor">
+              <a:schemeClr val="lt1"/>
+            </a:fontRef>
+          </p:style>
+          <p:txBody>
+            <a:bodyPr rtlCol="0" anchor="ctr"/>
+            <a:lstStyle/>
+            <a:p>
+              <a:pPr algn="ctr"/>
+              <a:endParaRPr lang="zh-CN" altLang="en-US"/>
+            </a:p>
+          </p:txBody>
+        </p:sp>
+      </p:grpSp>
+    </p:spTree>
+    <p:extLst>
+      <p:ext uri="{BB962C8B-B14F-4D97-AF65-F5344CB8AC3E}">
+        <p14:creationId xmlns:p14="http://schemas.microsoft.com/office/powerpoint/2010/main" val="785463239"/>
+      </p:ext>
+    </p:extLst>
+  </p:cSld>
+  <p:clrMapOvr>
+    <a:masterClrMapping/>
+  </p:clrMapOvr>
+</p:sld>
+</file>
+
+<file path=ppt/slides/slide4.xml><?xml version="1.0" encoding="utf-8"?>
+<p:sld xmlns:a="http://schemas.openxmlformats.org/drawingml/2006/main" xmlns:r="http://schemas.openxmlformats.org/officeDocument/2006/relationships" xmlns:p="http://schemas.openxmlformats.org/presentationml/2006/main">
+  <p:cSld>
+    <p:spTree>
+      <p:nvGrpSpPr>
+        <p:cNvPr id="1" name=""/>
+        <p:cNvGrpSpPr/>
+        <p:nvPr/>
+      </p:nvGrpSpPr>
+      <p:grpSpPr>
+        <a:xfrm>
+          <a:off x="0" y="0"/>
+          <a:ext cx="0" cy="0"/>
+          <a:chOff x="0" y="0"/>
+          <a:chExt cx="0" cy="0"/>
+        </a:xfrm>
+      </p:grpSpPr>
+      <p:grpSp>
+        <p:nvGrpSpPr>
+          <p:cNvPr id="7" name="组合 6">
+            <a:extLst>
+              <a:ext uri="{FF2B5EF4-FFF2-40B4-BE49-F238E27FC236}">
+                <a16:creationId xmlns:a16="http://schemas.microsoft.com/office/drawing/2014/main" id="{D3DF90B9-29F4-4289-A813-1C0181AAC54A}"/>
+              </a:ext>
+            </a:extLst>
+          </p:cNvPr>
+          <p:cNvGrpSpPr/>
+          <p:nvPr/>
+        </p:nvGrpSpPr>
+        <p:grpSpPr>
+          <a:xfrm>
+            <a:off x="1129197" y="1214422"/>
+            <a:ext cx="5983051" cy="4870323"/>
+            <a:chOff x="1129197" y="1214422"/>
+            <a:chExt cx="5983051" cy="4870323"/>
+          </a:xfrm>
+        </p:grpSpPr>
+        <p:grpSp>
+          <p:nvGrpSpPr>
+            <p:cNvPr id="3" name="组合 2">
+              <a:extLst>
+                <a:ext uri="{FF2B5EF4-FFF2-40B4-BE49-F238E27FC236}">
+                  <a16:creationId xmlns:a16="http://schemas.microsoft.com/office/drawing/2014/main" id="{50D35E50-6D96-491A-8A0F-30CD3B4CC779}"/>
+                </a:ext>
+              </a:extLst>
+            </p:cNvPr>
+            <p:cNvGrpSpPr/>
+            <p:nvPr/>
+          </p:nvGrpSpPr>
+          <p:grpSpPr>
+            <a:xfrm>
+              <a:off x="1129197" y="1214422"/>
+              <a:ext cx="5983051" cy="4870323"/>
+              <a:chOff x="1129197" y="1214422"/>
+              <a:chExt cx="5983051" cy="4870323"/>
+            </a:xfrm>
+          </p:grpSpPr>
+          <p:sp>
+            <p:nvSpPr>
+              <p:cNvPr id="6" name="矩形 5"/>
+              <p:cNvSpPr/>
+              <p:nvPr/>
+            </p:nvSpPr>
+            <p:spPr>
+              <a:xfrm>
+                <a:off x="1714480" y="1214422"/>
+                <a:ext cx="5274000" cy="4179600"/>
+              </a:xfrm>
+              <a:prstGeom prst="rect">
+                <a:avLst/>
+              </a:prstGeom>
+              <a:solidFill>
+                <a:schemeClr val="bg1"/>
+              </a:solidFill>
+              <a:ln w="19050">
+                <a:solidFill>
+                  <a:schemeClr val="tx1"/>
+                </a:solidFill>
+              </a:ln>
+            </p:spPr>
+            <p:style>
+              <a:lnRef idx="2">
+                <a:schemeClr val="accent1">
+                  <a:shade val="50000"/>
+                </a:schemeClr>
+              </a:lnRef>
+              <a:fillRef idx="1">
+                <a:schemeClr val="accent1"/>
+              </a:fillRef>
+              <a:effectRef idx="0">
+                <a:schemeClr val="accent1"/>
+              </a:effectRef>
+              <a:fontRef idx="minor">
+                <a:schemeClr val="lt1"/>
+              </a:fontRef>
+            </p:style>
+            <p:txBody>
+              <a:bodyPr rtlCol="0" anchor="ctr"/>
+              <a:lstStyle/>
+              <a:p>
+                <a:pPr algn="ctr"/>
+                <a:endParaRPr lang="zh-CN" altLang="en-US" dirty="0"/>
+              </a:p>
+            </p:txBody>
+          </p:sp>
+          <p:pic>
+            <p:nvPicPr>
+              <p:cNvPr id="22" name="图片 21" descr="图片1.png"/>
+              <p:cNvPicPr>
+                <a:picLocks noChangeAspect="1"/>
+              </p:cNvPicPr>
+              <p:nvPr/>
+            </p:nvPicPr>
+            <p:blipFill>
+              <a:blip r:embed="rId2"/>
+              <a:srcRect r="76264"/>
+              <a:stretch>
+                <a:fillRect/>
+              </a:stretch>
+            </p:blipFill>
+            <p:spPr>
+              <a:xfrm>
+                <a:off x="5786446" y="2428868"/>
+                <a:ext cx="1143008" cy="1816458"/>
+              </a:xfrm>
+              <a:prstGeom prst="rect">
+                <a:avLst/>
+              </a:prstGeom>
+            </p:spPr>
+          </p:pic>
+          <p:pic>
+            <p:nvPicPr>
+              <p:cNvPr id="21" name="图片 20" descr="图片1.png"/>
+              <p:cNvPicPr>
+                <a:picLocks noChangeAspect="1"/>
+              </p:cNvPicPr>
+              <p:nvPr/>
+            </p:nvPicPr>
+            <p:blipFill>
+              <a:blip r:embed="rId2"/>
+              <a:srcRect l="75219"/>
+              <a:stretch>
+                <a:fillRect/>
+              </a:stretch>
+            </p:blipFill>
+            <p:spPr>
+              <a:xfrm>
+                <a:off x="1714480" y="2428868"/>
+                <a:ext cx="1193307" cy="1816458"/>
+              </a:xfrm>
+              <a:prstGeom prst="rect">
+                <a:avLst/>
+              </a:prstGeom>
+            </p:spPr>
+          </p:pic>
+          <p:cxnSp>
+            <p:nvCxnSpPr>
+              <p:cNvPr id="8" name="直接连接符 7"/>
+              <p:cNvCxnSpPr>
+                <a:stCxn id="6" idx="0"/>
+                <a:endCxn id="6" idx="2"/>
+              </p:cNvCxnSpPr>
+              <p:nvPr/>
+            </p:nvCxnSpPr>
+            <p:spPr>
+              <a:xfrm rot="16200000" flipH="1">
+                <a:off x="2261680" y="3304222"/>
+                <a:ext cx="4179600" cy="1588"/>
+              </a:xfrm>
+              <a:prstGeom prst="line">
+                <a:avLst/>
+              </a:prstGeom>
+              <a:ln w="19050">
+                <a:solidFill>
+                  <a:schemeClr val="tx1"/>
+                </a:solidFill>
+              </a:ln>
+            </p:spPr>
+            <p:style>
+              <a:lnRef idx="1">
+                <a:schemeClr val="accent1"/>
+              </a:lnRef>
+              <a:fillRef idx="0">
+                <a:schemeClr val="accent1"/>
+              </a:fillRef>
+              <a:effectRef idx="0">
+                <a:schemeClr val="accent1"/>
+              </a:effectRef>
+              <a:fontRef idx="minor">
+                <a:schemeClr val="tx1"/>
+              </a:fontRef>
+            </p:style>
+          </p:cxnSp>
+          <p:sp>
+            <p:nvSpPr>
+              <p:cNvPr id="13" name="矩形 12"/>
+              <p:cNvSpPr/>
+              <p:nvPr/>
+            </p:nvSpPr>
+            <p:spPr>
+              <a:xfrm>
+                <a:off x="1571604" y="3143248"/>
+                <a:ext cx="128582" cy="357190"/>
+              </a:xfrm>
+              <a:prstGeom prst="rect">
+                <a:avLst/>
+              </a:prstGeom>
+              <a:solidFill>
+                <a:schemeClr val="bg1"/>
+              </a:solidFill>
+              <a:ln w="6350">
+                <a:solidFill>
+                  <a:schemeClr val="tx1"/>
+                </a:solidFill>
+              </a:ln>
+            </p:spPr>
+            <p:style>
+              <a:lnRef idx="2">
+                <a:schemeClr val="accent1">
+                  <a:shade val="50000"/>
+                </a:schemeClr>
+              </a:lnRef>
+              <a:fillRef idx="1">
+                <a:schemeClr val="accent1"/>
+              </a:fillRef>
+              <a:effectRef idx="0">
+                <a:schemeClr val="accent1"/>
+              </a:effectRef>
+              <a:fontRef idx="minor">
+                <a:schemeClr val="lt1"/>
+              </a:fontRef>
+            </p:style>
+            <p:txBody>
+              <a:bodyPr rtlCol="0" anchor="ctr"/>
+              <a:lstStyle/>
+              <a:p>
+                <a:pPr algn="ctr"/>
+                <a:endParaRPr lang="zh-CN" altLang="en-US"/>
+              </a:p>
+            </p:txBody>
+          </p:sp>
+          <p:sp>
+            <p:nvSpPr>
+              <p:cNvPr id="15" name="矩形 14"/>
+              <p:cNvSpPr/>
+              <p:nvPr/>
+            </p:nvSpPr>
+            <p:spPr>
+              <a:xfrm>
+                <a:off x="1714480" y="2130744"/>
+                <a:ext cx="889200" cy="2340000"/>
+              </a:xfrm>
+              <a:prstGeom prst="rect">
+                <a:avLst/>
+              </a:prstGeom>
+              <a:solidFill>
+                <a:schemeClr val="bg1"/>
+              </a:solidFill>
+              <a:ln w="19050">
+                <a:solidFill>
+                  <a:schemeClr val="tx1"/>
+                </a:solidFill>
+              </a:ln>
+            </p:spPr>
+            <p:style>
+              <a:lnRef idx="2">
+                <a:schemeClr val="accent1">
+                  <a:shade val="50000"/>
+                </a:schemeClr>
+              </a:lnRef>
+              <a:fillRef idx="1">
+                <a:schemeClr val="accent1"/>
+              </a:fillRef>
+              <a:effectRef idx="0">
+                <a:schemeClr val="accent1"/>
+              </a:effectRef>
+              <a:fontRef idx="minor">
+                <a:schemeClr val="lt1"/>
+              </a:fontRef>
+            </p:style>
+            <p:txBody>
+              <a:bodyPr rtlCol="0" anchor="ctr"/>
+              <a:lstStyle/>
+              <a:p>
+                <a:pPr algn="ctr"/>
+                <a:endParaRPr lang="zh-CN" altLang="en-US"/>
+              </a:p>
+            </p:txBody>
+          </p:sp>
+          <p:sp>
+            <p:nvSpPr>
+              <p:cNvPr id="16" name="矩形 15"/>
+              <p:cNvSpPr/>
+              <p:nvPr/>
+            </p:nvSpPr>
+            <p:spPr>
+              <a:xfrm>
+                <a:off x="6094466" y="2143116"/>
+                <a:ext cx="889200" cy="2340000"/>
+              </a:xfrm>
+              <a:prstGeom prst="rect">
+                <a:avLst/>
+              </a:prstGeom>
+              <a:solidFill>
+                <a:schemeClr val="bg1"/>
+              </a:solidFill>
+              <a:ln w="19050">
+                <a:solidFill>
+                  <a:schemeClr val="tx1"/>
+                </a:solidFill>
+              </a:ln>
+            </p:spPr>
+            <p:style>
+              <a:lnRef idx="2">
+                <a:schemeClr val="accent1">
+                  <a:shade val="50000"/>
+                </a:schemeClr>
+              </a:lnRef>
+              <a:fillRef idx="1">
+                <a:schemeClr val="accent1"/>
+              </a:fillRef>
+              <a:effectRef idx="0">
+                <a:schemeClr val="accent1"/>
+              </a:effectRef>
+              <a:fontRef idx="minor">
+                <a:schemeClr val="lt1"/>
+              </a:fontRef>
+            </p:style>
+            <p:txBody>
+              <a:bodyPr rtlCol="0" anchor="ctr"/>
+              <a:lstStyle/>
+              <a:p>
+                <a:pPr algn="ctr"/>
+                <a:endParaRPr lang="zh-CN" altLang="en-US"/>
+              </a:p>
+            </p:txBody>
+          </p:sp>
+          <p:sp>
+            <p:nvSpPr>
+              <p:cNvPr id="23" name="矩形 22"/>
+              <p:cNvSpPr/>
+              <p:nvPr/>
+            </p:nvSpPr>
+            <p:spPr>
+              <a:xfrm>
+                <a:off x="6983666" y="3143248"/>
+                <a:ext cx="128582" cy="357190"/>
+              </a:xfrm>
+              <a:prstGeom prst="rect">
+                <a:avLst/>
+              </a:prstGeom>
+              <a:solidFill>
+                <a:schemeClr val="bg1"/>
+              </a:solidFill>
+              <a:ln w="6350">
+                <a:solidFill>
+                  <a:schemeClr val="tx1"/>
+                </a:solidFill>
+              </a:ln>
+            </p:spPr>
+            <p:style>
+              <a:lnRef idx="2">
+                <a:schemeClr val="accent1">
+                  <a:shade val="50000"/>
+                </a:schemeClr>
+              </a:lnRef>
+              <a:fillRef idx="1">
+                <a:schemeClr val="accent1"/>
+              </a:fillRef>
+              <a:effectRef idx="0">
+                <a:schemeClr val="accent1"/>
+              </a:effectRef>
+              <a:fontRef idx="minor">
+                <a:schemeClr val="lt1"/>
+              </a:fontRef>
+            </p:style>
+            <p:txBody>
+              <a:bodyPr rtlCol="0" anchor="ctr"/>
+              <a:lstStyle/>
+              <a:p>
+                <a:pPr algn="ctr"/>
+                <a:endParaRPr lang="zh-CN" altLang="en-US"/>
+              </a:p>
+            </p:txBody>
+          </p:sp>
+          <p:sp>
+            <p:nvSpPr>
+              <p:cNvPr id="24" name="矩形 23"/>
+              <p:cNvSpPr/>
+              <p:nvPr/>
+            </p:nvSpPr>
+            <p:spPr>
+              <a:xfrm>
+                <a:off x="1714480" y="2857496"/>
+                <a:ext cx="403200" cy="853200"/>
+              </a:xfrm>
+              <a:prstGeom prst="rect">
+                <a:avLst/>
+              </a:prstGeom>
+              <a:solidFill>
+                <a:schemeClr val="bg1"/>
+              </a:solidFill>
+              <a:ln w="19050">
+                <a:solidFill>
+                  <a:schemeClr val="tx1"/>
+                </a:solidFill>
+              </a:ln>
+            </p:spPr>
+            <p:style>
+              <a:lnRef idx="2">
+                <a:schemeClr val="accent1">
+                  <a:shade val="50000"/>
+                </a:schemeClr>
+              </a:lnRef>
+              <a:fillRef idx="1">
+                <a:schemeClr val="accent1"/>
+              </a:fillRef>
+              <a:effectRef idx="0">
+                <a:schemeClr val="accent1"/>
+              </a:effectRef>
+              <a:fontRef idx="minor">
+                <a:schemeClr val="lt1"/>
+              </a:fontRef>
+            </p:style>
+            <p:txBody>
+              <a:bodyPr rtlCol="0" anchor="ctr"/>
+              <a:lstStyle/>
+              <a:p>
+                <a:pPr algn="ctr"/>
+                <a:endParaRPr lang="zh-CN" altLang="en-US"/>
+              </a:p>
+            </p:txBody>
+          </p:sp>
+          <p:sp>
+            <p:nvSpPr>
+              <p:cNvPr id="25" name="矩形 24"/>
+              <p:cNvSpPr/>
+              <p:nvPr/>
+            </p:nvSpPr>
+            <p:spPr>
+              <a:xfrm>
+                <a:off x="6580466" y="2857496"/>
+                <a:ext cx="403200" cy="853200"/>
+              </a:xfrm>
+              <a:prstGeom prst="rect">
+                <a:avLst/>
+              </a:prstGeom>
+              <a:solidFill>
+                <a:schemeClr val="bg1"/>
+              </a:solidFill>
+              <a:ln w="19050">
+                <a:solidFill>
+                  <a:schemeClr val="tx1"/>
+                </a:solidFill>
+              </a:ln>
+            </p:spPr>
+            <p:style>
+              <a:lnRef idx="2">
+                <a:schemeClr val="accent1">
+                  <a:shade val="50000"/>
+                </a:schemeClr>
+              </a:lnRef>
+              <a:fillRef idx="1">
+                <a:schemeClr val="accent1"/>
+              </a:fillRef>
+              <a:effectRef idx="0">
+                <a:schemeClr val="accent1"/>
+              </a:effectRef>
+              <a:fontRef idx="minor">
+                <a:schemeClr val="lt1"/>
+              </a:fontRef>
+            </p:style>
+            <p:txBody>
+              <a:bodyPr rtlCol="0" anchor="ctr"/>
+              <a:lstStyle/>
+              <a:p>
+                <a:pPr algn="ctr"/>
+                <a:endParaRPr lang="zh-CN" altLang="en-US"/>
+              </a:p>
+            </p:txBody>
+          </p:sp>
+          <p:cxnSp>
+            <p:nvCxnSpPr>
+              <p:cNvPr id="14" name="直接箭头连接符 13"/>
+              <p:cNvCxnSpPr/>
+              <p:nvPr/>
+            </p:nvCxnSpPr>
+            <p:spPr>
+              <a:xfrm rot="5400000" flipH="1" flipV="1">
+                <a:off x="857224" y="5715016"/>
+                <a:ext cx="572298" cy="794"/>
+              </a:xfrm>
+              <a:prstGeom prst="straightConnector1">
+                <a:avLst/>
+              </a:prstGeom>
+              <a:ln>
+                <a:solidFill>
+                  <a:schemeClr val="tx1"/>
+                </a:solidFill>
+                <a:tailEnd type="arrow"/>
+              </a:ln>
+            </p:spPr>
+            <p:style>
+              <a:lnRef idx="1">
+                <a:schemeClr val="accent1"/>
+              </a:lnRef>
+              <a:fillRef idx="0">
+                <a:schemeClr val="accent1"/>
+              </a:fillRef>
+              <a:effectRef idx="0">
+                <a:schemeClr val="accent1"/>
+              </a:effectRef>
+              <a:fontRef idx="minor">
+                <a:schemeClr val="tx1"/>
+              </a:fontRef>
+            </p:style>
+          </p:cxnSp>
+          <p:cxnSp>
+            <p:nvCxnSpPr>
+              <p:cNvPr id="18" name="直接箭头连接符 17"/>
+              <p:cNvCxnSpPr/>
+              <p:nvPr/>
+            </p:nvCxnSpPr>
+            <p:spPr>
+              <a:xfrm>
+                <a:off x="1143770" y="6000768"/>
+                <a:ext cx="571504" cy="1588"/>
+              </a:xfrm>
+              <a:prstGeom prst="straightConnector1">
+                <a:avLst/>
+              </a:prstGeom>
+              <a:ln>
+                <a:solidFill>
+                  <a:schemeClr val="tx1"/>
+                </a:solidFill>
+                <a:tailEnd type="arrow"/>
+              </a:ln>
+            </p:spPr>
+            <p:style>
+              <a:lnRef idx="1">
+                <a:schemeClr val="accent1"/>
+              </a:lnRef>
+              <a:fillRef idx="0">
+                <a:schemeClr val="accent1"/>
+              </a:fillRef>
+              <a:effectRef idx="0">
+                <a:schemeClr val="accent1"/>
+              </a:effectRef>
+              <a:fontRef idx="minor">
+                <a:schemeClr val="tx1"/>
+              </a:fontRef>
+            </p:style>
+          </p:cxnSp>
+          <mc:AlternateContent xmlns:mc="http://schemas.openxmlformats.org/markup-compatibility/2006" xmlns:a14="http://schemas.microsoft.com/office/drawing/2010/main">
+            <mc:Choice Requires="a14">
+              <p:sp>
+                <p:nvSpPr>
+                  <p:cNvPr id="27" name="TextBox 26"/>
+                  <p:cNvSpPr txBox="1"/>
+                  <p:nvPr/>
+                </p:nvSpPr>
+                <p:spPr>
+                  <a:xfrm>
+                    <a:off x="1671989" y="5715413"/>
+                    <a:ext cx="367986" cy="369332"/>
+                  </a:xfrm>
+                  <a:prstGeom prst="rect">
+                    <a:avLst/>
+                  </a:prstGeom>
+                  <a:noFill/>
+                </p:spPr>
+                <p:txBody>
+                  <a:bodyPr wrap="none" rtlCol="0">
+                    <a:spAutoFit/>
+                  </a:bodyPr>
+                  <a:lstStyle/>
+                  <a:p>
+                    <a:pPr/>
+                    <a14:m>
+                      <m:oMathPara xmlns:m="http://schemas.openxmlformats.org/officeDocument/2006/math">
+                        <m:oMathParaPr>
+                          <m:jc m:val="centerGroup"/>
+                        </m:oMathParaPr>
+                        <m:oMath xmlns:m="http://schemas.openxmlformats.org/officeDocument/2006/math">
+                          <m:r>
+                            <a:rPr lang="en-US" altLang="zh-CN" i="1" dirty="0" smtClean="0">
+                              <a:latin typeface="Cambria Math" panose="02040503050406030204" pitchFamily="18" charset="0"/>
+                            </a:rPr>
+                            <m:t>𝑥</m:t>
+                          </m:r>
+                        </m:oMath>
+                      </m:oMathPara>
+                    </a14:m>
+                    <a:endParaRPr lang="zh-CN" altLang="en-US" dirty="0"/>
+                  </a:p>
+                </p:txBody>
+              </p:sp>
+            </mc:Choice>
+            <mc:Fallback xmlns="">
+              <p:sp>
+                <p:nvSpPr>
+                  <p:cNvPr id="27" name="TextBox 26"/>
+                  <p:cNvSpPr txBox="1">
+                    <a:spLocks noRot="1" noChangeAspect="1" noMove="1" noResize="1" noEditPoints="1" noAdjustHandles="1" noChangeArrowheads="1" noChangeShapeType="1" noTextEdit="1"/>
+                  </p:cNvSpPr>
+                  <p:nvPr/>
+                </p:nvSpPr>
+                <p:spPr>
+                  <a:xfrm>
+                    <a:off x="1671989" y="5715413"/>
+                    <a:ext cx="367986" cy="369332"/>
+                  </a:xfrm>
+                  <a:prstGeom prst="rect">
+                    <a:avLst/>
+                  </a:prstGeom>
+                  <a:blipFill>
+                    <a:blip r:embed="rId3"/>
+                    <a:stretch>
+                      <a:fillRect/>
+                    </a:stretch>
+                  </a:blipFill>
+                </p:spPr>
+                <p:txBody>
+                  <a:bodyPr/>
+                  <a:lstStyle/>
+                  <a:p>
+                    <a:r>
+                      <a:rPr lang="zh-CN" altLang="en-US">
+                        <a:noFill/>
+                      </a:rPr>
+                      <a:t> </a:t>
+                    </a:r>
+                  </a:p>
+                </p:txBody>
+              </p:sp>
+            </mc:Fallback>
+          </mc:AlternateContent>
+          <mc:AlternateContent xmlns:mc="http://schemas.openxmlformats.org/markup-compatibility/2006" xmlns:a14="http://schemas.microsoft.com/office/drawing/2010/main">
+            <mc:Choice Requires="a14">
+              <p:sp>
+                <p:nvSpPr>
+                  <p:cNvPr id="28" name="TextBox 27"/>
+                  <p:cNvSpPr txBox="1"/>
+                  <p:nvPr/>
+                </p:nvSpPr>
+                <p:spPr>
+                  <a:xfrm>
+                    <a:off x="1129197" y="5328063"/>
+                    <a:ext cx="371384" cy="369332"/>
+                  </a:xfrm>
+                  <a:prstGeom prst="rect">
+                    <a:avLst/>
+                  </a:prstGeom>
+                  <a:noFill/>
+                </p:spPr>
+                <p:txBody>
+                  <a:bodyPr wrap="none" rtlCol="0">
+                    <a:spAutoFit/>
+                  </a:bodyPr>
+                  <a:lstStyle/>
+                  <a:p>
+                    <a:pPr/>
+                    <a14:m>
+                      <m:oMathPara xmlns:m="http://schemas.openxmlformats.org/officeDocument/2006/math">
+                        <m:oMathParaPr>
+                          <m:jc m:val="centerGroup"/>
+                        </m:oMathParaPr>
+                        <m:oMath xmlns:m="http://schemas.openxmlformats.org/officeDocument/2006/math">
+                          <m:r>
+                            <a:rPr lang="en-US" altLang="zh-CN" i="1" dirty="0" smtClean="0">
+                              <a:latin typeface="Cambria Math" panose="02040503050406030204" pitchFamily="18" charset="0"/>
+                            </a:rPr>
+                            <m:t>𝑦</m:t>
+                          </m:r>
+                        </m:oMath>
+                      </m:oMathPara>
+                    </a14:m>
+                    <a:endParaRPr lang="zh-CN" altLang="en-US" dirty="0"/>
+                  </a:p>
+                </p:txBody>
+              </p:sp>
+            </mc:Choice>
+            <mc:Fallback xmlns="">
+              <p:sp>
+                <p:nvSpPr>
+                  <p:cNvPr id="28" name="TextBox 27"/>
+                  <p:cNvSpPr txBox="1">
+                    <a:spLocks noRot="1" noChangeAspect="1" noMove="1" noResize="1" noEditPoints="1" noAdjustHandles="1" noChangeArrowheads="1" noChangeShapeType="1" noTextEdit="1"/>
+                  </p:cNvSpPr>
+                  <p:nvPr/>
+                </p:nvSpPr>
+                <p:spPr>
+                  <a:xfrm>
+                    <a:off x="1129197" y="5328063"/>
+                    <a:ext cx="371384" cy="369332"/>
+                  </a:xfrm>
+                  <a:prstGeom prst="rect">
+                    <a:avLst/>
+                  </a:prstGeom>
+                  <a:blipFill>
+                    <a:blip r:embed="rId4"/>
+                    <a:stretch>
+                      <a:fillRect b="-6557"/>
+                    </a:stretch>
+                  </a:blipFill>
+                </p:spPr>
+                <p:txBody>
+                  <a:bodyPr/>
+                  <a:lstStyle/>
+                  <a:p>
+                    <a:r>
+                      <a:rPr lang="zh-CN" altLang="en-US">
+                        <a:noFill/>
+                      </a:rPr>
+                      <a:t> </a:t>
+                    </a:r>
+                  </a:p>
+                </p:txBody>
+              </p:sp>
+            </mc:Fallback>
+          </mc:AlternateContent>
+          <mc:AlternateContent xmlns:mc="http://schemas.openxmlformats.org/markup-compatibility/2006" xmlns:a14="http://schemas.microsoft.com/office/drawing/2010/main">
+            <mc:Choice Requires="a14">
+              <p:sp>
+                <p:nvSpPr>
+                  <p:cNvPr id="2" name="文本框 1">
+                    <a:extLst>
+                      <a:ext uri="{FF2B5EF4-FFF2-40B4-BE49-F238E27FC236}">
+                        <a16:creationId xmlns:a16="http://schemas.microsoft.com/office/drawing/2014/main" id="{3DB76D6B-5A1E-4D96-A7AD-A9EF9B22C147}"/>
+                      </a:ext>
+                    </a:extLst>
+                  </p:cNvPr>
+                  <p:cNvSpPr txBox="1"/>
+                  <p:nvPr/>
+                </p:nvSpPr>
+                <p:spPr>
+                  <a:xfrm>
+                    <a:off x="1779415" y="4896238"/>
+                    <a:ext cx="824265" cy="369332"/>
+                  </a:xfrm>
+                  <a:prstGeom prst="rect">
+                    <a:avLst/>
+                  </a:prstGeom>
+                  <a:noFill/>
+                </p:spPr>
+                <p:txBody>
+                  <a:bodyPr wrap="none" rtlCol="0">
+                    <a:spAutoFit/>
+                  </a:bodyPr>
+                  <a:lstStyle/>
+                  <a:p>
+                    <a:pPr/>
+                    <a14:m>
+                      <m:oMathPara xmlns:m="http://schemas.openxmlformats.org/officeDocument/2006/math">
+                        <m:oMathParaPr>
+                          <m:jc m:val="centerGroup"/>
+                        </m:oMathParaPr>
+                        <m:oMath xmlns:m="http://schemas.openxmlformats.org/officeDocument/2006/math">
+                          <m:r>
+                            <a:rPr lang="en-US" altLang="zh-CN" b="0" i="1" smtClean="0">
+                              <a:latin typeface="Cambria Math" panose="02040503050406030204" pitchFamily="18" charset="0"/>
+                            </a:rPr>
+                            <m:t>(0 , 0)</m:t>
+                          </m:r>
+                        </m:oMath>
+                      </m:oMathPara>
+                    </a14:m>
+                    <a:endParaRPr lang="zh-CN" altLang="en-US" dirty="0"/>
+                  </a:p>
+                </p:txBody>
+              </p:sp>
+            </mc:Choice>
+            <mc:Fallback xmlns="">
+              <p:sp>
+                <p:nvSpPr>
+                  <p:cNvPr id="2" name="文本框 1">
+                    <a:extLst>
+                      <a:ext uri="{FF2B5EF4-FFF2-40B4-BE49-F238E27FC236}">
+                        <a16:creationId xmlns:a16="http://schemas.microsoft.com/office/drawing/2014/main" id="{3DB76D6B-5A1E-4D96-A7AD-A9EF9B22C147}"/>
+                      </a:ext>
+                    </a:extLst>
+                  </p:cNvPr>
+                  <p:cNvSpPr txBox="1">
+                    <a:spLocks noRot="1" noChangeAspect="1" noMove="1" noResize="1" noEditPoints="1" noAdjustHandles="1" noChangeArrowheads="1" noChangeShapeType="1" noTextEdit="1"/>
+                  </p:cNvSpPr>
+                  <p:nvPr/>
+                </p:nvSpPr>
+                <p:spPr>
+                  <a:xfrm>
+                    <a:off x="1779415" y="4896238"/>
+                    <a:ext cx="824265" cy="369332"/>
+                  </a:xfrm>
+                  <a:prstGeom prst="rect">
+                    <a:avLst/>
+                  </a:prstGeom>
+                  <a:blipFill>
+                    <a:blip r:embed="rId5"/>
+                    <a:stretch>
+                      <a:fillRect b="-13115"/>
+                    </a:stretch>
+                  </a:blipFill>
+                </p:spPr>
+                <p:txBody>
+                  <a:bodyPr/>
+                  <a:lstStyle/>
+                  <a:p>
+                    <a:r>
+                      <a:rPr lang="zh-CN" altLang="en-US">
+                        <a:noFill/>
+                      </a:rPr>
+                      <a:t> </a:t>
+                    </a:r>
+                  </a:p>
+                </p:txBody>
+              </p:sp>
+            </mc:Fallback>
+          </mc:AlternateContent>
+          <mc:AlternateContent xmlns:mc="http://schemas.openxmlformats.org/markup-compatibility/2006" xmlns:a14="http://schemas.microsoft.com/office/drawing/2010/main">
+            <mc:Choice Requires="a14">
+              <p:sp>
+                <p:nvSpPr>
+                  <p:cNvPr id="17" name="文本框 16">
+                    <a:extLst>
+                      <a:ext uri="{FF2B5EF4-FFF2-40B4-BE49-F238E27FC236}">
+                        <a16:creationId xmlns:a16="http://schemas.microsoft.com/office/drawing/2014/main" id="{B20678F1-6709-4718-AB74-77FE949AD8AF}"/>
+                      </a:ext>
+                    </a:extLst>
+                  </p:cNvPr>
+                  <p:cNvSpPr txBox="1"/>
+                  <p:nvPr/>
+                </p:nvSpPr>
+                <p:spPr>
+                  <a:xfrm>
+                    <a:off x="1714480" y="1252536"/>
+                    <a:ext cx="1080745" cy="369332"/>
+                  </a:xfrm>
+                  <a:prstGeom prst="rect">
+                    <a:avLst/>
+                  </a:prstGeom>
+                  <a:noFill/>
+                </p:spPr>
+                <p:txBody>
+                  <a:bodyPr wrap="none" rtlCol="0">
+                    <a:spAutoFit/>
+                  </a:bodyPr>
+                  <a:lstStyle/>
+                  <a:p>
+                    <a:pPr/>
+                    <a14:m>
+                      <m:oMathPara xmlns:m="http://schemas.openxmlformats.org/officeDocument/2006/math">
+                        <m:oMathParaPr>
+                          <m:jc m:val="centerGroup"/>
+                        </m:oMathParaPr>
+                        <m:oMath xmlns:m="http://schemas.openxmlformats.org/officeDocument/2006/math">
+                          <m:r>
+                            <a:rPr lang="en-US" altLang="zh-CN" b="0" i="1" smtClean="0">
+                              <a:latin typeface="Cambria Math" panose="02040503050406030204" pitchFamily="18" charset="0"/>
+                            </a:rPr>
+                            <m:t>(0 , 100)</m:t>
+                          </m:r>
+                        </m:oMath>
+                      </m:oMathPara>
+                    </a14:m>
+                    <a:endParaRPr lang="zh-CN" altLang="en-US" dirty="0"/>
+                  </a:p>
+                </p:txBody>
+              </p:sp>
+            </mc:Choice>
+            <mc:Fallback xmlns="">
+              <p:sp>
+                <p:nvSpPr>
+                  <p:cNvPr id="17" name="文本框 16">
+                    <a:extLst>
+                      <a:ext uri="{FF2B5EF4-FFF2-40B4-BE49-F238E27FC236}">
+                        <a16:creationId xmlns:a16="http://schemas.microsoft.com/office/drawing/2014/main" id="{B20678F1-6709-4718-AB74-77FE949AD8AF}"/>
+                      </a:ext>
+                    </a:extLst>
+                  </p:cNvPr>
+                  <p:cNvSpPr txBox="1">
+                    <a:spLocks noRot="1" noChangeAspect="1" noMove="1" noResize="1" noEditPoints="1" noAdjustHandles="1" noChangeArrowheads="1" noChangeShapeType="1" noTextEdit="1"/>
+                  </p:cNvSpPr>
+                  <p:nvPr/>
+                </p:nvSpPr>
+                <p:spPr>
+                  <a:xfrm>
+                    <a:off x="1714480" y="1252536"/>
+                    <a:ext cx="1080745" cy="369332"/>
+                  </a:xfrm>
+                  <a:prstGeom prst="rect">
+                    <a:avLst/>
+                  </a:prstGeom>
+                  <a:blipFill>
+                    <a:blip r:embed="rId6"/>
+                    <a:stretch>
+                      <a:fillRect b="-13115"/>
+                    </a:stretch>
+                  </a:blipFill>
+                </p:spPr>
+                <p:txBody>
+                  <a:bodyPr/>
+                  <a:lstStyle/>
+                  <a:p>
+                    <a:r>
+                      <a:rPr lang="zh-CN" altLang="en-US">
+                        <a:noFill/>
+                      </a:rPr>
+                      <a:t> </a:t>
+                    </a:r>
+                  </a:p>
+                </p:txBody>
+              </p:sp>
+            </mc:Fallback>
+          </mc:AlternateContent>
+          <mc:AlternateContent xmlns:mc="http://schemas.openxmlformats.org/markup-compatibility/2006" xmlns:a14="http://schemas.microsoft.com/office/drawing/2010/main">
+            <mc:Choice Requires="a14">
+              <p:sp>
+                <p:nvSpPr>
+                  <p:cNvPr id="19" name="文本框 18">
+                    <a:extLst>
+                      <a:ext uri="{FF2B5EF4-FFF2-40B4-BE49-F238E27FC236}">
+                        <a16:creationId xmlns:a16="http://schemas.microsoft.com/office/drawing/2014/main" id="{65F08D49-55AA-4718-8AD9-E41291BDAA64}"/>
+                      </a:ext>
+                    </a:extLst>
+                  </p:cNvPr>
+                  <p:cNvSpPr txBox="1"/>
+                  <p:nvPr/>
+                </p:nvSpPr>
+                <p:spPr>
+                  <a:xfrm>
+                    <a:off x="5646440" y="1232210"/>
+                    <a:ext cx="1337226" cy="369332"/>
+                  </a:xfrm>
+                  <a:prstGeom prst="rect">
+                    <a:avLst/>
+                  </a:prstGeom>
+                  <a:noFill/>
+                </p:spPr>
+                <p:txBody>
+                  <a:bodyPr wrap="none" rtlCol="0">
+                    <a:spAutoFit/>
+                  </a:bodyPr>
+                  <a:lstStyle/>
+                  <a:p>
+                    <a:pPr/>
+                    <a14:m>
+                      <m:oMathPara xmlns:m="http://schemas.openxmlformats.org/officeDocument/2006/math">
+                        <m:oMathParaPr>
+                          <m:jc m:val="centerGroup"/>
+                        </m:oMathParaPr>
+                        <m:oMath xmlns:m="http://schemas.openxmlformats.org/officeDocument/2006/math">
+                          <m:r>
+                            <a:rPr lang="en-US" altLang="zh-CN" b="0" i="1" smtClean="0">
+                              <a:latin typeface="Cambria Math" panose="02040503050406030204" pitchFamily="18" charset="0"/>
+                            </a:rPr>
+                            <m:t>(100 , 100)</m:t>
+                          </m:r>
+                        </m:oMath>
+                      </m:oMathPara>
+                    </a14:m>
+                    <a:endParaRPr lang="zh-CN" altLang="en-US" dirty="0"/>
+                  </a:p>
+                </p:txBody>
+              </p:sp>
+            </mc:Choice>
+            <mc:Fallback xmlns="">
+              <p:sp>
+                <p:nvSpPr>
+                  <p:cNvPr id="19" name="文本框 18">
+                    <a:extLst>
+                      <a:ext uri="{FF2B5EF4-FFF2-40B4-BE49-F238E27FC236}">
+                        <a16:creationId xmlns:a16="http://schemas.microsoft.com/office/drawing/2014/main" id="{65F08D49-55AA-4718-8AD9-E41291BDAA64}"/>
+                      </a:ext>
+                    </a:extLst>
+                  </p:cNvPr>
+                  <p:cNvSpPr txBox="1">
+                    <a:spLocks noRot="1" noChangeAspect="1" noMove="1" noResize="1" noEditPoints="1" noAdjustHandles="1" noChangeArrowheads="1" noChangeShapeType="1" noTextEdit="1"/>
+                  </p:cNvSpPr>
+                  <p:nvPr/>
+                </p:nvSpPr>
+                <p:spPr>
+                  <a:xfrm>
+                    <a:off x="5646440" y="1232210"/>
+                    <a:ext cx="1337226" cy="369332"/>
+                  </a:xfrm>
+                  <a:prstGeom prst="rect">
+                    <a:avLst/>
+                  </a:prstGeom>
+                  <a:blipFill>
+                    <a:blip r:embed="rId7"/>
+                    <a:stretch>
+                      <a:fillRect b="-13115"/>
+                    </a:stretch>
+                  </a:blipFill>
+                </p:spPr>
+                <p:txBody>
+                  <a:bodyPr/>
+                  <a:lstStyle/>
+                  <a:p>
+                    <a:r>
+                      <a:rPr lang="zh-CN" altLang="en-US">
+                        <a:noFill/>
+                      </a:rPr>
+                      <a:t> </a:t>
+                    </a:r>
+                  </a:p>
+                </p:txBody>
+              </p:sp>
+            </mc:Fallback>
+          </mc:AlternateContent>
+          <mc:AlternateContent xmlns:mc="http://schemas.openxmlformats.org/markup-compatibility/2006" xmlns:a14="http://schemas.microsoft.com/office/drawing/2010/main">
+            <mc:Choice Requires="a14">
+              <p:sp>
+                <p:nvSpPr>
+                  <p:cNvPr id="20" name="文本框 19">
+                    <a:extLst>
+                      <a:ext uri="{FF2B5EF4-FFF2-40B4-BE49-F238E27FC236}">
+                        <a16:creationId xmlns:a16="http://schemas.microsoft.com/office/drawing/2014/main" id="{AE602945-054A-4CDC-86E0-88B0AF66736E}"/>
+                      </a:ext>
+                    </a:extLst>
+                  </p:cNvPr>
+                  <p:cNvSpPr txBox="1"/>
+                  <p:nvPr/>
+                </p:nvSpPr>
+                <p:spPr>
+                  <a:xfrm>
+                    <a:off x="5907735" y="4958731"/>
+                    <a:ext cx="1080745" cy="369332"/>
+                  </a:xfrm>
+                  <a:prstGeom prst="rect">
+                    <a:avLst/>
+                  </a:prstGeom>
+                  <a:noFill/>
+                </p:spPr>
+                <p:txBody>
+                  <a:bodyPr wrap="none" rtlCol="0">
+                    <a:spAutoFit/>
+                  </a:bodyPr>
+                  <a:lstStyle/>
+                  <a:p>
+                    <a:pPr/>
+                    <a14:m>
+                      <m:oMathPara xmlns:m="http://schemas.openxmlformats.org/officeDocument/2006/math">
+                        <m:oMathParaPr>
+                          <m:jc m:val="centerGroup"/>
+                        </m:oMathParaPr>
+                        <m:oMath xmlns:m="http://schemas.openxmlformats.org/officeDocument/2006/math">
+                          <m:r>
+                            <a:rPr lang="en-US" altLang="zh-CN" b="0" i="1" smtClean="0">
+                              <a:latin typeface="Cambria Math" panose="02040503050406030204" pitchFamily="18" charset="0"/>
+                            </a:rPr>
+                            <m:t>(100 , 0)</m:t>
+                          </m:r>
+                        </m:oMath>
+                      </m:oMathPara>
+                    </a14:m>
+                    <a:endParaRPr lang="zh-CN" altLang="en-US" dirty="0"/>
+                  </a:p>
+                </p:txBody>
+              </p:sp>
+            </mc:Choice>
+            <mc:Fallback xmlns="">
+              <p:sp>
+                <p:nvSpPr>
+                  <p:cNvPr id="20" name="文本框 19">
+                    <a:extLst>
+                      <a:ext uri="{FF2B5EF4-FFF2-40B4-BE49-F238E27FC236}">
+                        <a16:creationId xmlns:a16="http://schemas.microsoft.com/office/drawing/2014/main" id="{AE602945-054A-4CDC-86E0-88B0AF66736E}"/>
+                      </a:ext>
+                    </a:extLst>
+                  </p:cNvPr>
+                  <p:cNvSpPr txBox="1">
+                    <a:spLocks noRot="1" noChangeAspect="1" noMove="1" noResize="1" noEditPoints="1" noAdjustHandles="1" noChangeArrowheads="1" noChangeShapeType="1" noTextEdit="1"/>
+                  </p:cNvSpPr>
+                  <p:nvPr/>
+                </p:nvSpPr>
+                <p:spPr>
+                  <a:xfrm>
+                    <a:off x="5907735" y="4958731"/>
+                    <a:ext cx="1080745" cy="369332"/>
+                  </a:xfrm>
+                  <a:prstGeom prst="rect">
+                    <a:avLst/>
+                  </a:prstGeom>
+                  <a:blipFill>
+                    <a:blip r:embed="rId8"/>
+                    <a:stretch>
+                      <a:fillRect b="-13115"/>
+                    </a:stretch>
+                  </a:blipFill>
+                </p:spPr>
+                <p:txBody>
+                  <a:bodyPr/>
+                  <a:lstStyle/>
+                  <a:p>
+                    <a:r>
+                      <a:rPr lang="zh-CN" altLang="en-US">
+                        <a:noFill/>
+                      </a:rPr>
+                      <a:t> </a:t>
+                    </a:r>
+                  </a:p>
+                </p:txBody>
+              </p:sp>
+            </mc:Fallback>
+          </mc:AlternateContent>
+        </p:grpSp>
+        <mc:AlternateContent xmlns:mc="http://schemas.openxmlformats.org/markup-compatibility/2006" xmlns:a14="http://schemas.microsoft.com/office/drawing/2010/main">
+          <mc:Choice Requires="a14">
+            <p:sp>
+              <p:nvSpPr>
+                <p:cNvPr id="4" name="文本框 3">
+                  <a:extLst>
+                    <a:ext uri="{FF2B5EF4-FFF2-40B4-BE49-F238E27FC236}">
+                      <a16:creationId xmlns:a16="http://schemas.microsoft.com/office/drawing/2014/main" id="{25BC8111-2761-48A5-AC5E-3792AC8EB385}"/>
+                    </a:ext>
+                  </a:extLst>
+                </p:cNvPr>
+                <p:cNvSpPr txBox="1"/>
+                <p:nvPr/>
+              </p:nvSpPr>
+              <p:spPr>
+                <a:xfrm>
+                  <a:off x="1424791" y="5245674"/>
+                  <a:ext cx="366062" cy="369332"/>
+                </a:xfrm>
+                <a:prstGeom prst="rect">
+                  <a:avLst/>
+                </a:prstGeom>
+                <a:noFill/>
+              </p:spPr>
+              <p:txBody>
+                <a:bodyPr wrap="none" rtlCol="0">
+                  <a:spAutoFit/>
+                </a:bodyPr>
+                <a:lstStyle/>
+                <a:p>
+                  <a:pPr/>
+                  <a14:m>
+                    <m:oMathPara xmlns:m="http://schemas.openxmlformats.org/officeDocument/2006/math">
+                      <m:oMathParaPr>
+                        <m:jc m:val="centerGroup"/>
+                      </m:oMathParaPr>
+                      <m:oMath xmlns:m="http://schemas.openxmlformats.org/officeDocument/2006/math">
+                        <m:r>
+                          <a:rPr lang="en-US" altLang="zh-CN" i="1" dirty="0" smtClean="0">
+                            <a:latin typeface="Cambria Math" panose="02040503050406030204" pitchFamily="18" charset="0"/>
+                          </a:rPr>
+                          <m:t>𝑜</m:t>
+                        </m:r>
+                      </m:oMath>
+                    </m:oMathPara>
+                  </a14:m>
+                  <a:endParaRPr lang="zh-CN" altLang="en-US" dirty="0"/>
+                </a:p>
+              </p:txBody>
+            </p:sp>
+          </mc:Choice>
+          <mc:Fallback xmlns="">
+            <p:sp>
+              <p:nvSpPr>
+                <p:cNvPr id="4" name="文本框 3">
+                  <a:extLst>
+                    <a:ext uri="{FF2B5EF4-FFF2-40B4-BE49-F238E27FC236}">
+                      <a16:creationId xmlns:a16="http://schemas.microsoft.com/office/drawing/2014/main" id="{25BC8111-2761-48A5-AC5E-3792AC8EB385}"/>
+                    </a:ext>
+                  </a:extLst>
+                </p:cNvPr>
+                <p:cNvSpPr txBox="1">
+                  <a:spLocks noRot="1" noChangeAspect="1" noMove="1" noResize="1" noEditPoints="1" noAdjustHandles="1" noChangeArrowheads="1" noChangeShapeType="1" noTextEdit="1"/>
+                </p:cNvSpPr>
+                <p:nvPr/>
+              </p:nvSpPr>
+              <p:spPr>
+                <a:xfrm>
+                  <a:off x="1424791" y="5245674"/>
+                  <a:ext cx="366062" cy="369332"/>
+                </a:xfrm>
+                <a:prstGeom prst="rect">
+                  <a:avLst/>
+                </a:prstGeom>
+                <a:blipFill>
+                  <a:blip r:embed="rId9"/>
+                  <a:stretch>
+                    <a:fillRect/>
+                  </a:stretch>
+                </a:blipFill>
+              </p:spPr>
+              <p:txBody>
+                <a:bodyPr/>
+                <a:lstStyle/>
+                <a:p>
+                  <a:r>
+                    <a:rPr lang="zh-CN" altLang="en-US">
+                      <a:noFill/>
+                    </a:rPr>
+                    <a:t> </a:t>
+                  </a:r>
+                </a:p>
+              </p:txBody>
+            </p:sp>
+          </mc:Fallback>
+        </mc:AlternateContent>
+      </p:grpSp>
+    </p:spTree>
+  </p:cSld>
+  <p:clrMapOvr>
+    <a:masterClrMapping/>
+  </p:clrMapOvr>
+</p:sld>
+</file>
+
+<file path=ppt/slides/slide5.xml><?xml version="1.0" encoding="utf-8"?>
+<p:sld xmlns:a="http://schemas.openxmlformats.org/drawingml/2006/main" xmlns:r="http://schemas.openxmlformats.org/officeDocument/2006/relationships" xmlns:p="http://schemas.openxmlformats.org/presentationml/2006/main">
+  <p:cSld>
+    <p:spTree>
+      <p:nvGrpSpPr>
+        <p:cNvPr id="1" name=""/>
+        <p:cNvGrpSpPr/>
+        <p:nvPr/>
+      </p:nvGrpSpPr>
+      <p:grpSpPr>
+        <a:xfrm>
+          <a:off x="0" y="0"/>
+          <a:ext cx="0" cy="0"/>
+          <a:chOff x="0" y="0"/>
+          <a:chExt cx="0" cy="0"/>
+        </a:xfrm>
+      </p:grpSpPr>
+      <p:grpSp>
+        <p:nvGrpSpPr>
+          <p:cNvPr id="16" name="组合 15">
+            <a:extLst>
+              <a:ext uri="{FF2B5EF4-FFF2-40B4-BE49-F238E27FC236}">
+                <a16:creationId xmlns:a16="http://schemas.microsoft.com/office/drawing/2014/main" id="{32BEFE05-0D56-4608-8CCC-B69249752C90}"/>
+              </a:ext>
+            </a:extLst>
+          </p:cNvPr>
+          <p:cNvGrpSpPr/>
+          <p:nvPr/>
+        </p:nvGrpSpPr>
+        <p:grpSpPr>
+          <a:xfrm>
+            <a:off x="1713600" y="1213200"/>
+            <a:ext cx="5852172" cy="4389129"/>
+            <a:chOff x="1713600" y="1213200"/>
+            <a:chExt cx="5852172" cy="4389129"/>
+          </a:xfrm>
+        </p:grpSpPr>
+        <p:grpSp>
+          <p:nvGrpSpPr>
+            <p:cNvPr id="14" name="组合 13"/>
+            <p:cNvGrpSpPr/>
+            <p:nvPr/>
+          </p:nvGrpSpPr>
+          <p:grpSpPr>
+            <a:xfrm>
+              <a:off x="1714236" y="1213290"/>
+              <a:ext cx="5540644" cy="4180394"/>
+              <a:chOff x="1071538" y="2071678"/>
+              <a:chExt cx="5540644" cy="4180394"/>
+            </a:xfrm>
+          </p:grpSpPr>
+          <p:sp>
+            <p:nvSpPr>
+              <p:cNvPr id="4" name="矩形 3"/>
+              <p:cNvSpPr/>
+              <p:nvPr/>
+            </p:nvSpPr>
+            <p:spPr>
+              <a:xfrm>
+                <a:off x="1214414" y="2071678"/>
+                <a:ext cx="5274000" cy="4179600"/>
+              </a:xfrm>
+              <a:prstGeom prst="rect">
+                <a:avLst/>
+              </a:prstGeom>
+              <a:solidFill>
+                <a:schemeClr val="bg1"/>
+              </a:solidFill>
+              <a:ln w="19050">
+                <a:solidFill>
+                  <a:schemeClr val="tx1"/>
+                </a:solidFill>
+              </a:ln>
+            </p:spPr>
+            <p:style>
+              <a:lnRef idx="2">
+                <a:schemeClr val="accent1">
+                  <a:shade val="50000"/>
+                </a:schemeClr>
+              </a:lnRef>
+              <a:fillRef idx="1">
+                <a:schemeClr val="accent1"/>
+              </a:fillRef>
+              <a:effectRef idx="0">
+                <a:schemeClr val="accent1"/>
+              </a:effectRef>
+              <a:fontRef idx="minor">
+                <a:schemeClr val="lt1"/>
+              </a:fontRef>
+            </p:style>
+            <p:txBody>
+              <a:bodyPr rtlCol="0" anchor="ctr"/>
+              <a:lstStyle/>
+              <a:p>
+                <a:pPr algn="ctr"/>
+                <a:endParaRPr lang="zh-CN" altLang="en-US"/>
+              </a:p>
+            </p:txBody>
+          </p:sp>
+          <p:pic>
+            <p:nvPicPr>
+              <p:cNvPr id="5" name="图片 4" descr="图片1.png"/>
+              <p:cNvPicPr>
+                <a:picLocks noChangeAspect="1"/>
+              </p:cNvPicPr>
+              <p:nvPr/>
+            </p:nvPicPr>
+            <p:blipFill>
+              <a:blip r:embed="rId2"/>
+              <a:srcRect r="76264"/>
+              <a:stretch>
+                <a:fillRect/>
+              </a:stretch>
+            </p:blipFill>
+            <p:spPr>
+              <a:xfrm>
+                <a:off x="5286380" y="3286124"/>
+                <a:ext cx="1143008" cy="1816458"/>
+              </a:xfrm>
+              <a:prstGeom prst="rect">
+                <a:avLst/>
+              </a:prstGeom>
+            </p:spPr>
+          </p:pic>
+          <p:pic>
+            <p:nvPicPr>
+              <p:cNvPr id="6" name="图片 5" descr="图片1.png"/>
+              <p:cNvPicPr>
+                <a:picLocks noChangeAspect="1"/>
+              </p:cNvPicPr>
+              <p:nvPr/>
+            </p:nvPicPr>
+            <p:blipFill>
+              <a:blip r:embed="rId2"/>
+              <a:srcRect l="75219"/>
+              <a:stretch>
+                <a:fillRect/>
+              </a:stretch>
+            </p:blipFill>
+            <p:spPr>
+              <a:xfrm>
+                <a:off x="1214414" y="3286124"/>
+                <a:ext cx="1193307" cy="1816458"/>
+              </a:xfrm>
+              <a:prstGeom prst="rect">
+                <a:avLst/>
+              </a:prstGeom>
+            </p:spPr>
+          </p:pic>
+          <p:cxnSp>
+            <p:nvCxnSpPr>
+              <p:cNvPr id="7" name="直接连接符 6"/>
+              <p:cNvCxnSpPr>
+                <a:stCxn id="4" idx="0"/>
+                <a:endCxn id="4" idx="2"/>
+              </p:cNvCxnSpPr>
+              <p:nvPr/>
+            </p:nvCxnSpPr>
+            <p:spPr>
+              <a:xfrm rot="16200000" flipH="1">
+                <a:off x="1761614" y="4161478"/>
+                <a:ext cx="4179600" cy="1588"/>
+              </a:xfrm>
+              <a:prstGeom prst="line">
+                <a:avLst/>
+              </a:prstGeom>
+              <a:ln w="19050">
+                <a:solidFill>
+                  <a:schemeClr val="tx1"/>
+                </a:solidFill>
+              </a:ln>
+            </p:spPr>
+            <p:style>
+              <a:lnRef idx="1">
+                <a:schemeClr val="accent1"/>
+              </a:lnRef>
+              <a:fillRef idx="0">
+                <a:schemeClr val="accent1"/>
+              </a:fillRef>
+              <a:effectRef idx="0">
+                <a:schemeClr val="accent1"/>
+              </a:effectRef>
+              <a:fontRef idx="minor">
+                <a:schemeClr val="tx1"/>
+              </a:fontRef>
+            </p:style>
+          </p:cxnSp>
+          <p:sp>
+            <p:nvSpPr>
+              <p:cNvPr id="8" name="矩形 7"/>
+              <p:cNvSpPr/>
+              <p:nvPr/>
+            </p:nvSpPr>
+            <p:spPr>
+              <a:xfrm>
+                <a:off x="1071538" y="4000504"/>
+                <a:ext cx="128582" cy="357190"/>
+              </a:xfrm>
+              <a:prstGeom prst="rect">
+                <a:avLst/>
+              </a:prstGeom>
+              <a:solidFill>
+                <a:schemeClr val="bg1"/>
+              </a:solidFill>
+              <a:ln w="6350">
+                <a:solidFill>
+                  <a:schemeClr val="tx1"/>
+                </a:solidFill>
+              </a:ln>
+            </p:spPr>
+            <p:style>
+              <a:lnRef idx="2">
+                <a:schemeClr val="accent1">
+                  <a:shade val="50000"/>
+                </a:schemeClr>
+              </a:lnRef>
+              <a:fillRef idx="1">
+                <a:schemeClr val="accent1"/>
+              </a:fillRef>
+              <a:effectRef idx="0">
+                <a:schemeClr val="accent1"/>
+              </a:effectRef>
+              <a:fontRef idx="minor">
+                <a:schemeClr val="lt1"/>
+              </a:fontRef>
+            </p:style>
+            <p:txBody>
+              <a:bodyPr rtlCol="0" anchor="ctr"/>
+              <a:lstStyle/>
+              <a:p>
+                <a:pPr algn="ctr"/>
+                <a:endParaRPr lang="zh-CN" altLang="en-US"/>
+              </a:p>
+            </p:txBody>
+          </p:sp>
+          <p:sp>
+            <p:nvSpPr>
+              <p:cNvPr id="9" name="矩形 8"/>
+              <p:cNvSpPr/>
+              <p:nvPr/>
+            </p:nvSpPr>
+            <p:spPr>
+              <a:xfrm>
+                <a:off x="1214414" y="2988000"/>
+                <a:ext cx="889200" cy="2340000"/>
+              </a:xfrm>
+              <a:prstGeom prst="rect">
+                <a:avLst/>
+              </a:prstGeom>
+              <a:solidFill>
+                <a:schemeClr val="bg1"/>
+              </a:solidFill>
+              <a:ln w="19050">
+                <a:solidFill>
+                  <a:schemeClr val="tx1"/>
+                </a:solidFill>
+              </a:ln>
+            </p:spPr>
+            <p:style>
+              <a:lnRef idx="2">
+                <a:schemeClr val="accent1">
+                  <a:shade val="50000"/>
+                </a:schemeClr>
+              </a:lnRef>
+              <a:fillRef idx="1">
+                <a:schemeClr val="accent1"/>
+              </a:fillRef>
+              <a:effectRef idx="0">
+                <a:schemeClr val="accent1"/>
+              </a:effectRef>
+              <a:fontRef idx="minor">
+                <a:schemeClr val="lt1"/>
+              </a:fontRef>
+            </p:style>
+            <p:txBody>
+              <a:bodyPr rtlCol="0" anchor="ctr"/>
+              <a:lstStyle/>
+              <a:p>
+                <a:pPr algn="ctr"/>
+                <a:endParaRPr lang="zh-CN" altLang="en-US"/>
+              </a:p>
+            </p:txBody>
+          </p:sp>
+          <p:sp>
+            <p:nvSpPr>
+              <p:cNvPr id="10" name="矩形 9"/>
+              <p:cNvSpPr/>
+              <p:nvPr/>
+            </p:nvSpPr>
+            <p:spPr>
+              <a:xfrm>
+                <a:off x="5594400" y="3000372"/>
+                <a:ext cx="889200" cy="2340000"/>
+              </a:xfrm>
+              <a:prstGeom prst="rect">
+                <a:avLst/>
+              </a:prstGeom>
+              <a:solidFill>
+                <a:schemeClr val="bg1"/>
+              </a:solidFill>
+              <a:ln w="19050">
+                <a:solidFill>
+                  <a:schemeClr val="tx1"/>
+                </a:solidFill>
+              </a:ln>
+            </p:spPr>
+            <p:style>
+              <a:lnRef idx="2">
+                <a:schemeClr val="accent1">
+                  <a:shade val="50000"/>
+                </a:schemeClr>
+              </a:lnRef>
+              <a:fillRef idx="1">
+                <a:schemeClr val="accent1"/>
+              </a:fillRef>
+              <a:effectRef idx="0">
+                <a:schemeClr val="accent1"/>
+              </a:effectRef>
+              <a:fontRef idx="minor">
+                <a:schemeClr val="lt1"/>
+              </a:fontRef>
+            </p:style>
+            <p:txBody>
+              <a:bodyPr rtlCol="0" anchor="ctr"/>
+              <a:lstStyle/>
+              <a:p>
+                <a:pPr algn="ctr"/>
+                <a:endParaRPr lang="zh-CN" altLang="en-US"/>
+              </a:p>
+            </p:txBody>
+          </p:sp>
+          <p:sp>
+            <p:nvSpPr>
+              <p:cNvPr id="11" name="矩形 10"/>
+              <p:cNvSpPr/>
+              <p:nvPr/>
+            </p:nvSpPr>
+            <p:spPr>
+              <a:xfrm>
+                <a:off x="6483600" y="4000504"/>
+                <a:ext cx="128582" cy="357190"/>
+              </a:xfrm>
+              <a:prstGeom prst="rect">
+                <a:avLst/>
+              </a:prstGeom>
+              <a:solidFill>
+                <a:schemeClr val="bg1"/>
+              </a:solidFill>
+              <a:ln w="6350">
+                <a:solidFill>
+                  <a:schemeClr val="tx1"/>
+                </a:solidFill>
+              </a:ln>
+            </p:spPr>
+            <p:style>
+              <a:lnRef idx="2">
+                <a:schemeClr val="accent1">
+                  <a:shade val="50000"/>
+                </a:schemeClr>
+              </a:lnRef>
+              <a:fillRef idx="1">
+                <a:schemeClr val="accent1"/>
+              </a:fillRef>
+              <a:effectRef idx="0">
+                <a:schemeClr val="accent1"/>
+              </a:effectRef>
+              <a:fontRef idx="minor">
+                <a:schemeClr val="lt1"/>
+              </a:fontRef>
+            </p:style>
+            <p:txBody>
+              <a:bodyPr rtlCol="0" anchor="ctr"/>
+              <a:lstStyle/>
+              <a:p>
+                <a:pPr algn="ctr"/>
+                <a:endParaRPr lang="zh-CN" altLang="en-US"/>
+              </a:p>
+            </p:txBody>
+          </p:sp>
+          <p:sp>
+            <p:nvSpPr>
+              <p:cNvPr id="12" name="矩形 11"/>
+              <p:cNvSpPr/>
+              <p:nvPr/>
+            </p:nvSpPr>
+            <p:spPr>
+              <a:xfrm>
+                <a:off x="1214414" y="3714752"/>
+                <a:ext cx="403200" cy="853200"/>
+              </a:xfrm>
+              <a:prstGeom prst="rect">
+                <a:avLst/>
+              </a:prstGeom>
+              <a:solidFill>
+                <a:schemeClr val="bg1"/>
+              </a:solidFill>
+              <a:ln w="19050">
+                <a:solidFill>
+                  <a:schemeClr val="tx1"/>
+                </a:solidFill>
+              </a:ln>
+            </p:spPr>
+            <p:style>
+              <a:lnRef idx="2">
+                <a:schemeClr val="accent1">
+                  <a:shade val="50000"/>
+                </a:schemeClr>
+              </a:lnRef>
+              <a:fillRef idx="1">
+                <a:schemeClr val="accent1"/>
+              </a:fillRef>
+              <a:effectRef idx="0">
+                <a:schemeClr val="accent1"/>
+              </a:effectRef>
+              <a:fontRef idx="minor">
+                <a:schemeClr val="lt1"/>
+              </a:fontRef>
+            </p:style>
+            <p:txBody>
+              <a:bodyPr rtlCol="0" anchor="ctr"/>
+              <a:lstStyle/>
+              <a:p>
+                <a:pPr algn="ctr"/>
+                <a:endParaRPr lang="zh-CN" altLang="en-US"/>
+              </a:p>
+            </p:txBody>
+          </p:sp>
+          <p:sp>
+            <p:nvSpPr>
+              <p:cNvPr id="13" name="矩形 12"/>
+              <p:cNvSpPr/>
+              <p:nvPr/>
+            </p:nvSpPr>
+            <p:spPr>
+              <a:xfrm>
+                <a:off x="6080400" y="3714752"/>
+                <a:ext cx="403200" cy="853200"/>
+              </a:xfrm>
+              <a:prstGeom prst="rect">
+                <a:avLst/>
+              </a:prstGeom>
+              <a:solidFill>
+                <a:schemeClr val="bg1"/>
+              </a:solidFill>
+              <a:ln w="19050">
+                <a:solidFill>
+                  <a:schemeClr val="tx1"/>
+                </a:solidFill>
+              </a:ln>
+            </p:spPr>
+            <p:style>
+              <a:lnRef idx="2">
+                <a:schemeClr val="accent1">
+                  <a:shade val="50000"/>
+                </a:schemeClr>
+              </a:lnRef>
+              <a:fillRef idx="1">
+                <a:schemeClr val="accent1"/>
+              </a:fillRef>
+              <a:effectRef idx="0">
+                <a:schemeClr val="accent1"/>
+              </a:effectRef>
+              <a:fontRef idx="minor">
+                <a:schemeClr val="lt1"/>
+              </a:fontRef>
+            </p:style>
+            <p:txBody>
+              <a:bodyPr rtlCol="0" anchor="ctr"/>
+              <a:lstStyle/>
+              <a:p>
+                <a:pPr algn="ctr"/>
+                <a:endParaRPr lang="zh-CN" altLang="en-US"/>
+              </a:p>
+            </p:txBody>
+          </p:sp>
+        </p:grpSp>
+        <p:pic>
+          <p:nvPicPr>
+            <p:cNvPr id="15" name="图片 14">
+              <a:extLst>
+                <a:ext uri="{FF2B5EF4-FFF2-40B4-BE49-F238E27FC236}">
+                  <a16:creationId xmlns:a16="http://schemas.microsoft.com/office/drawing/2014/main" id="{6D0AD6C6-AD23-4DD8-A405-ABB2C9F9C01C}"/>
+                </a:ext>
+              </a:extLst>
+            </p:cNvPr>
+            <p:cNvPicPr>
+              <a:picLocks noChangeAspect="1"/>
+            </p:cNvPicPr>
+            <p:nvPr/>
+          </p:nvPicPr>
+          <p:blipFill>
+            <a:blip r:embed="rId3">
+              <a:extLst>
+                <a:ext uri="{28A0092B-C50C-407E-A947-70E740481C1C}">
+                  <a14:useLocalDpi xmlns:a14="http://schemas.microsoft.com/office/drawing/2010/main" val="0"/>
+                </a:ext>
+              </a:extLst>
+            </a:blip>
+            <a:stretch>
+              <a:fillRect/>
+            </a:stretch>
+          </p:blipFill>
+          <p:spPr>
+            <a:xfrm>
+              <a:off x="1713600" y="1213200"/>
+              <a:ext cx="5852172" cy="4389129"/>
+            </a:xfrm>
+            <a:prstGeom prst="rect">
+              <a:avLst/>
+            </a:prstGeom>
+          </p:spPr>
+        </p:pic>
+      </p:grpSp>
     </p:spTree>
   </p:cSld>
   <p:clrMapOvr>

--- a/material&paper/画图.pptx
+++ b/material&paper/画图.pptx
@@ -5,7 +5,7 @@
     <p:sldMasterId id="2147483648" r:id="rId1"/>
   </p:sldMasterIdLst>
   <p:notesMasterIdLst>
-    <p:notesMasterId r:id="rId13"/>
+    <p:notesMasterId r:id="rId16"/>
   </p:notesMasterIdLst>
   <p:sldIdLst>
     <p:sldId id="256" r:id="rId2"/>
@@ -19,6 +19,9 @@
     <p:sldId id="270" r:id="rId10"/>
     <p:sldId id="268" r:id="rId11"/>
     <p:sldId id="269" r:id="rId12"/>
+    <p:sldId id="271" r:id="rId13"/>
+    <p:sldId id="272" r:id="rId14"/>
+    <p:sldId id="273" r:id="rId15"/>
   </p:sldIdLst>
   <p:sldSz cx="9144000" cy="6858000" type="screen4x3"/>
   <p:notesSz cx="6858000" cy="9144000"/>
@@ -6007,6 +6010,1341 @@
 </c:chartSpace>
 </file>
 
+<file path=ppt/charts/chart21.xml><?xml version="1.0" encoding="utf-8"?>
+<c:chartSpace xmlns:c="http://schemas.openxmlformats.org/drawingml/2006/chart" xmlns:a="http://schemas.openxmlformats.org/drawingml/2006/main" xmlns:r="http://schemas.openxmlformats.org/officeDocument/2006/relationships" xmlns:c16r2="http://schemas.microsoft.com/office/drawing/2015/06/chart">
+  <c:date1904 val="0"/>
+  <c:lang val="zh-CN"/>
+  <c:roundedCorners val="0"/>
+  <mc:AlternateContent xmlns:mc="http://schemas.openxmlformats.org/markup-compatibility/2006">
+    <mc:Choice xmlns:c14="http://schemas.microsoft.com/office/drawing/2007/8/2/chart" Requires="c14">
+      <c14:style val="102"/>
+    </mc:Choice>
+    <mc:Fallback>
+      <c:style val="2"/>
+    </mc:Fallback>
+  </mc:AlternateContent>
+  <c:chart>
+    <c:autoTitleDeleted val="0"/>
+    <c:plotArea>
+      <c:layout/>
+      <c:barChart>
+        <c:barDir val="col"/>
+        <c:grouping val="clustered"/>
+        <c:varyColors val="0"/>
+        <c:ser>
+          <c:idx val="0"/>
+          <c:order val="0"/>
+          <c:tx>
+            <c:strRef>
+              <c:f>Sheet1!$O$60</c:f>
+              <c:strCache>
+                <c:ptCount val="1"/>
+                <c:pt idx="0">
+                  <c:v>Husk</c:v>
+                </c:pt>
+              </c:strCache>
+            </c:strRef>
+          </c:tx>
+          <c:spPr>
+            <a:solidFill>
+              <a:schemeClr val="accent1"/>
+            </a:solidFill>
+            <a:ln>
+              <a:noFill/>
+            </a:ln>
+            <a:effectLst/>
+          </c:spPr>
+          <c:invertIfNegative val="0"/>
+          <c:dLbls>
+            <c:spPr>
+              <a:noFill/>
+              <a:ln>
+                <a:noFill/>
+              </a:ln>
+              <a:effectLst/>
+            </c:spPr>
+            <c:txPr>
+              <a:bodyPr rot="0" spcFirstLastPara="1" vertOverflow="ellipsis" vert="horz" wrap="square" lIns="38100" tIns="19050" rIns="38100" bIns="19050" anchor="ctr" anchorCtr="1">
+                <a:spAutoFit/>
+              </a:bodyPr>
+              <a:lstStyle/>
+              <a:p>
+                <a:pPr>
+                  <a:defRPr sz="900" b="0" i="0" u="none" strike="noStrike" kern="1200" baseline="0">
+                    <a:solidFill>
+                      <a:schemeClr val="tx1">
+                        <a:lumMod val="75000"/>
+                        <a:lumOff val="25000"/>
+                      </a:schemeClr>
+                    </a:solidFill>
+                    <a:latin typeface="+mn-lt"/>
+                    <a:ea typeface="+mn-ea"/>
+                    <a:cs typeface="+mn-cs"/>
+                  </a:defRPr>
+                </a:pPr>
+                <a:endParaRPr lang="zh-CN"/>
+              </a:p>
+            </c:txPr>
+            <c:dLblPos val="outEnd"/>
+            <c:showLegendKey val="0"/>
+            <c:showVal val="1"/>
+            <c:showCatName val="0"/>
+            <c:showSerName val="0"/>
+            <c:showPercent val="0"/>
+            <c:showBubbleSize val="0"/>
+            <c:showLeaderLines val="0"/>
+            <c:extLst>
+              <c:ext xmlns:c15="http://schemas.microsoft.com/office/drawing/2012/chart" uri="{CE6537A1-D6FC-4f65-9D91-7224C49458BB}">
+                <c15:showLeaderLines val="1"/>
+                <c15:leaderLines>
+                  <c:spPr>
+                    <a:ln w="9525" cap="flat" cmpd="sng" algn="ctr">
+                      <a:solidFill>
+                        <a:schemeClr val="tx1">
+                          <a:lumMod val="35000"/>
+                          <a:lumOff val="65000"/>
+                        </a:schemeClr>
+                      </a:solidFill>
+                      <a:round/>
+                    </a:ln>
+                    <a:effectLst/>
+                  </c:spPr>
+                </c15:leaderLines>
+              </c:ext>
+            </c:extLst>
+          </c:dLbls>
+          <c:cat>
+            <c:strRef>
+              <c:f>Sheet1!$N$61</c:f>
+              <c:strCache>
+                <c:ptCount val="1"/>
+                <c:pt idx="0">
+                  <c:v> Xc</c:v>
+                </c:pt>
+              </c:strCache>
+            </c:strRef>
+          </c:cat>
+          <c:val>
+            <c:numRef>
+              <c:f>Sheet1!$O$61</c:f>
+              <c:numCache>
+                <c:formatCode>General</c:formatCode>
+                <c:ptCount val="1"/>
+                <c:pt idx="0">
+                  <c:v>47.578000000000003</c:v>
+                </c:pt>
+              </c:numCache>
+            </c:numRef>
+          </c:val>
+          <c:extLst>
+            <c:ext xmlns:c16="http://schemas.microsoft.com/office/drawing/2014/chart" uri="{C3380CC4-5D6E-409C-BE32-E72D297353CC}">
+              <c16:uniqueId val="{00000000-C0A1-4935-9DD5-688351EB64B8}"/>
+            </c:ext>
+          </c:extLst>
+        </c:ser>
+        <c:ser>
+          <c:idx val="1"/>
+          <c:order val="1"/>
+          <c:tx>
+            <c:strRef>
+              <c:f>Sheet1!$P$60</c:f>
+              <c:strCache>
+                <c:ptCount val="1"/>
+                <c:pt idx="0">
+                  <c:v>Oppo</c:v>
+                </c:pt>
+              </c:strCache>
+            </c:strRef>
+          </c:tx>
+          <c:spPr>
+            <a:solidFill>
+              <a:schemeClr val="accent2"/>
+            </a:solidFill>
+            <a:ln>
+              <a:noFill/>
+            </a:ln>
+            <a:effectLst/>
+          </c:spPr>
+          <c:invertIfNegative val="0"/>
+          <c:dLbls>
+            <c:spPr>
+              <a:noFill/>
+              <a:ln>
+                <a:noFill/>
+              </a:ln>
+              <a:effectLst/>
+            </c:spPr>
+            <c:txPr>
+              <a:bodyPr rot="0" spcFirstLastPara="1" vertOverflow="ellipsis" vert="horz" wrap="square" lIns="38100" tIns="19050" rIns="38100" bIns="19050" anchor="ctr" anchorCtr="1">
+                <a:spAutoFit/>
+              </a:bodyPr>
+              <a:lstStyle/>
+              <a:p>
+                <a:pPr>
+                  <a:defRPr sz="900" b="0" i="0" u="none" strike="noStrike" kern="1200" baseline="0">
+                    <a:solidFill>
+                      <a:schemeClr val="tx1">
+                        <a:lumMod val="75000"/>
+                        <a:lumOff val="25000"/>
+                      </a:schemeClr>
+                    </a:solidFill>
+                    <a:latin typeface="+mn-lt"/>
+                    <a:ea typeface="+mn-ea"/>
+                    <a:cs typeface="+mn-cs"/>
+                  </a:defRPr>
+                </a:pPr>
+                <a:endParaRPr lang="zh-CN"/>
+              </a:p>
+            </c:txPr>
+            <c:dLblPos val="outEnd"/>
+            <c:showLegendKey val="0"/>
+            <c:showVal val="1"/>
+            <c:showCatName val="0"/>
+            <c:showSerName val="0"/>
+            <c:showPercent val="0"/>
+            <c:showBubbleSize val="0"/>
+            <c:showLeaderLines val="0"/>
+            <c:extLst>
+              <c:ext xmlns:c15="http://schemas.microsoft.com/office/drawing/2012/chart" uri="{CE6537A1-D6FC-4f65-9D91-7224C49458BB}">
+                <c15:showLeaderLines val="1"/>
+                <c15:leaderLines>
+                  <c:spPr>
+                    <a:ln w="9525" cap="flat" cmpd="sng" algn="ctr">
+                      <a:solidFill>
+                        <a:schemeClr val="tx1">
+                          <a:lumMod val="35000"/>
+                          <a:lumOff val="65000"/>
+                        </a:schemeClr>
+                      </a:solidFill>
+                      <a:round/>
+                    </a:ln>
+                    <a:effectLst/>
+                  </c:spPr>
+                </c15:leaderLines>
+              </c:ext>
+            </c:extLst>
+          </c:dLbls>
+          <c:cat>
+            <c:strRef>
+              <c:f>Sheet1!$N$61</c:f>
+              <c:strCache>
+                <c:ptCount val="1"/>
+                <c:pt idx="0">
+                  <c:v> Xc</c:v>
+                </c:pt>
+              </c:strCache>
+            </c:strRef>
+          </c:cat>
+          <c:val>
+            <c:numRef>
+              <c:f>Sheet1!$P$61</c:f>
+              <c:numCache>
+                <c:formatCode>General</c:formatCode>
+                <c:ptCount val="1"/>
+                <c:pt idx="0">
+                  <c:v>48.975999999999999</c:v>
+                </c:pt>
+              </c:numCache>
+            </c:numRef>
+          </c:val>
+          <c:extLst>
+            <c:ext xmlns:c16="http://schemas.microsoft.com/office/drawing/2014/chart" uri="{C3380CC4-5D6E-409C-BE32-E72D297353CC}">
+              <c16:uniqueId val="{00000001-C0A1-4935-9DD5-688351EB64B8}"/>
+            </c:ext>
+          </c:extLst>
+        </c:ser>
+        <c:dLbls>
+          <c:dLblPos val="outEnd"/>
+          <c:showLegendKey val="0"/>
+          <c:showVal val="1"/>
+          <c:showCatName val="0"/>
+          <c:showSerName val="0"/>
+          <c:showPercent val="0"/>
+          <c:showBubbleSize val="0"/>
+        </c:dLbls>
+        <c:gapWidth val="500"/>
+        <c:overlap val="-27"/>
+        <c:axId val="456408912"/>
+        <c:axId val="456410224"/>
+      </c:barChart>
+      <c:catAx>
+        <c:axId val="456408912"/>
+        <c:scaling>
+          <c:orientation val="minMax"/>
+        </c:scaling>
+        <c:delete val="0"/>
+        <c:axPos val="b"/>
+        <c:numFmt formatCode="General" sourceLinked="1"/>
+        <c:majorTickMark val="none"/>
+        <c:minorTickMark val="none"/>
+        <c:tickLblPos val="nextTo"/>
+        <c:spPr>
+          <a:noFill/>
+          <a:ln w="9525" cap="flat" cmpd="sng" algn="ctr">
+            <a:solidFill>
+              <a:schemeClr val="tx1">
+                <a:lumMod val="15000"/>
+                <a:lumOff val="85000"/>
+              </a:schemeClr>
+            </a:solidFill>
+            <a:round/>
+          </a:ln>
+          <a:effectLst/>
+        </c:spPr>
+        <c:txPr>
+          <a:bodyPr rot="-60000000" spcFirstLastPara="1" vertOverflow="ellipsis" vert="horz" wrap="square" anchor="ctr" anchorCtr="1"/>
+          <a:lstStyle/>
+          <a:p>
+            <a:pPr>
+              <a:defRPr sz="900" b="0" i="0" u="none" strike="noStrike" kern="1200" baseline="0">
+                <a:solidFill>
+                  <a:schemeClr val="tx1">
+                    <a:lumMod val="65000"/>
+                    <a:lumOff val="35000"/>
+                  </a:schemeClr>
+                </a:solidFill>
+                <a:latin typeface="+mn-lt"/>
+                <a:ea typeface="+mn-ea"/>
+                <a:cs typeface="+mn-cs"/>
+              </a:defRPr>
+            </a:pPr>
+            <a:endParaRPr lang="zh-CN"/>
+          </a:p>
+        </c:txPr>
+        <c:crossAx val="456410224"/>
+        <c:crosses val="autoZero"/>
+        <c:auto val="1"/>
+        <c:lblAlgn val="ctr"/>
+        <c:lblOffset val="100"/>
+        <c:noMultiLvlLbl val="0"/>
+      </c:catAx>
+      <c:valAx>
+        <c:axId val="456410224"/>
+        <c:scaling>
+          <c:orientation val="minMax"/>
+          <c:min val="40"/>
+        </c:scaling>
+        <c:delete val="0"/>
+        <c:axPos val="l"/>
+        <c:majorGridlines>
+          <c:spPr>
+            <a:ln w="9525" cap="flat" cmpd="sng" algn="ctr">
+              <a:solidFill>
+                <a:schemeClr val="tx1">
+                  <a:lumMod val="15000"/>
+                  <a:lumOff val="85000"/>
+                </a:schemeClr>
+              </a:solidFill>
+              <a:round/>
+            </a:ln>
+            <a:effectLst/>
+          </c:spPr>
+        </c:majorGridlines>
+        <c:numFmt formatCode="General" sourceLinked="1"/>
+        <c:majorTickMark val="none"/>
+        <c:minorTickMark val="none"/>
+        <c:tickLblPos val="nextTo"/>
+        <c:spPr>
+          <a:noFill/>
+          <a:ln>
+            <a:noFill/>
+          </a:ln>
+          <a:effectLst/>
+        </c:spPr>
+        <c:txPr>
+          <a:bodyPr rot="-60000000" spcFirstLastPara="1" vertOverflow="ellipsis" vert="horz" wrap="square" anchor="ctr" anchorCtr="1"/>
+          <a:lstStyle/>
+          <a:p>
+            <a:pPr>
+              <a:defRPr sz="900" b="0" i="0" u="none" strike="noStrike" kern="1200" baseline="0">
+                <a:solidFill>
+                  <a:schemeClr val="tx1">
+                    <a:lumMod val="65000"/>
+                    <a:lumOff val="35000"/>
+                  </a:schemeClr>
+                </a:solidFill>
+                <a:latin typeface="+mn-lt"/>
+                <a:ea typeface="+mn-ea"/>
+                <a:cs typeface="+mn-cs"/>
+              </a:defRPr>
+            </a:pPr>
+            <a:endParaRPr lang="zh-CN"/>
+          </a:p>
+        </c:txPr>
+        <c:crossAx val="456408912"/>
+        <c:crosses val="autoZero"/>
+        <c:crossBetween val="between"/>
+      </c:valAx>
+      <c:spPr>
+        <a:noFill/>
+        <a:ln>
+          <a:noFill/>
+        </a:ln>
+        <a:effectLst/>
+      </c:spPr>
+    </c:plotArea>
+    <c:legend>
+      <c:legendPos val="r"/>
+      <c:overlay val="0"/>
+      <c:spPr>
+        <a:noFill/>
+        <a:ln>
+          <a:noFill/>
+        </a:ln>
+        <a:effectLst/>
+      </c:spPr>
+      <c:txPr>
+        <a:bodyPr rot="0" spcFirstLastPara="1" vertOverflow="ellipsis" vert="horz" wrap="square" anchor="ctr" anchorCtr="1"/>
+        <a:lstStyle/>
+        <a:p>
+          <a:pPr>
+            <a:defRPr sz="900" b="0" i="0" u="none" strike="noStrike" kern="1200" baseline="0">
+              <a:solidFill>
+                <a:schemeClr val="tx1">
+                  <a:lumMod val="65000"/>
+                  <a:lumOff val="35000"/>
+                </a:schemeClr>
+              </a:solidFill>
+              <a:latin typeface="+mn-lt"/>
+              <a:ea typeface="+mn-ea"/>
+              <a:cs typeface="+mn-cs"/>
+            </a:defRPr>
+          </a:pPr>
+          <a:endParaRPr lang="zh-CN"/>
+        </a:p>
+      </c:txPr>
+    </c:legend>
+    <c:plotVisOnly val="1"/>
+    <c:dispBlanksAs val="gap"/>
+    <c:extLst>
+      <c:ext xmlns:c16r3="http://schemas.microsoft.com/office/drawing/2017/03/chart" uri="{56B9EC1D-385E-4148-901F-78D8002777C0}">
+        <c16r3:dataDisplayOptions16>
+          <c16r3:dispNaAsBlank val="1"/>
+        </c16r3:dataDisplayOptions16>
+      </c:ext>
+    </c:extLst>
+    <c:showDLblsOverMax val="0"/>
+  </c:chart>
+  <c:spPr>
+    <a:noFill/>
+    <a:ln>
+      <a:noFill/>
+    </a:ln>
+    <a:effectLst/>
+  </c:spPr>
+  <c:txPr>
+    <a:bodyPr/>
+    <a:lstStyle/>
+    <a:p>
+      <a:pPr>
+        <a:defRPr/>
+      </a:pPr>
+      <a:endParaRPr lang="zh-CN"/>
+    </a:p>
+  </c:txPr>
+  <c:externalData r:id="rId3">
+    <c:autoUpdate val="0"/>
+  </c:externalData>
+</c:chartSpace>
+</file>
+
+<file path=ppt/charts/chart22.xml><?xml version="1.0" encoding="utf-8"?>
+<c:chartSpace xmlns:c="http://schemas.openxmlformats.org/drawingml/2006/chart" xmlns:a="http://schemas.openxmlformats.org/drawingml/2006/main" xmlns:r="http://schemas.openxmlformats.org/officeDocument/2006/relationships" xmlns:c16r2="http://schemas.microsoft.com/office/drawing/2015/06/chart">
+  <c:date1904 val="0"/>
+  <c:lang val="zh-CN"/>
+  <c:roundedCorners val="0"/>
+  <mc:AlternateContent xmlns:mc="http://schemas.openxmlformats.org/markup-compatibility/2006">
+    <mc:Choice xmlns:c14="http://schemas.microsoft.com/office/drawing/2007/8/2/chart" Requires="c14">
+      <c14:style val="102"/>
+    </mc:Choice>
+    <mc:Fallback>
+      <c:style val="2"/>
+    </mc:Fallback>
+  </mc:AlternateContent>
+  <c:chart>
+    <c:autoTitleDeleted val="1"/>
+    <c:plotArea>
+      <c:layout/>
+      <c:barChart>
+        <c:barDir val="col"/>
+        <c:grouping val="clustered"/>
+        <c:varyColors val="0"/>
+        <c:ser>
+          <c:idx val="0"/>
+          <c:order val="0"/>
+          <c:tx>
+            <c:strRef>
+              <c:f>Sheet1!$O$117</c:f>
+              <c:strCache>
+                <c:ptCount val="1"/>
+                <c:pt idx="0">
+                  <c:v>Husk</c:v>
+                </c:pt>
+              </c:strCache>
+            </c:strRef>
+          </c:tx>
+          <c:spPr>
+            <a:solidFill>
+              <a:schemeClr val="accent1"/>
+            </a:solidFill>
+            <a:ln>
+              <a:noFill/>
+            </a:ln>
+            <a:effectLst/>
+          </c:spPr>
+          <c:invertIfNegative val="0"/>
+          <c:dLbls>
+            <c:spPr>
+              <a:noFill/>
+              <a:ln>
+                <a:noFill/>
+              </a:ln>
+              <a:effectLst/>
+            </c:spPr>
+            <c:txPr>
+              <a:bodyPr rot="0" spcFirstLastPara="1" vertOverflow="ellipsis" vert="horz" wrap="square" lIns="38100" tIns="19050" rIns="38100" bIns="19050" anchor="ctr" anchorCtr="1">
+                <a:spAutoFit/>
+              </a:bodyPr>
+              <a:lstStyle/>
+              <a:p>
+                <a:pPr>
+                  <a:defRPr sz="900" b="0" i="0" u="none" strike="noStrike" kern="1200" baseline="0">
+                    <a:solidFill>
+                      <a:schemeClr val="tx1">
+                        <a:lumMod val="75000"/>
+                        <a:lumOff val="25000"/>
+                      </a:schemeClr>
+                    </a:solidFill>
+                    <a:latin typeface="+mn-lt"/>
+                    <a:ea typeface="+mn-ea"/>
+                    <a:cs typeface="+mn-cs"/>
+                  </a:defRPr>
+                </a:pPr>
+                <a:endParaRPr lang="zh-CN"/>
+              </a:p>
+            </c:txPr>
+            <c:dLblPos val="outEnd"/>
+            <c:showLegendKey val="0"/>
+            <c:showVal val="1"/>
+            <c:showCatName val="0"/>
+            <c:showSerName val="0"/>
+            <c:showPercent val="0"/>
+            <c:showBubbleSize val="0"/>
+            <c:showLeaderLines val="0"/>
+            <c:extLst>
+              <c:ext xmlns:c15="http://schemas.microsoft.com/office/drawing/2012/chart" uri="{CE6537A1-D6FC-4f65-9D91-7224C49458BB}">
+                <c15:showLeaderLines val="1"/>
+                <c15:leaderLines>
+                  <c:spPr>
+                    <a:ln w="9525" cap="flat" cmpd="sng" algn="ctr">
+                      <a:solidFill>
+                        <a:schemeClr val="tx1">
+                          <a:lumMod val="35000"/>
+                          <a:lumOff val="65000"/>
+                        </a:schemeClr>
+                      </a:solidFill>
+                      <a:round/>
+                    </a:ln>
+                    <a:effectLst/>
+                  </c:spPr>
+                </c15:leaderLines>
+              </c:ext>
+            </c:extLst>
+          </c:dLbls>
+          <c:cat>
+            <c:strRef>
+              <c:extLst>
+                <c:ext xmlns:c15="http://schemas.microsoft.com/office/drawing/2012/chart" uri="{02D57815-91ED-43cb-92C2-25804820EDAC}">
+                  <c15:fullRef>
+                    <c15:sqref>Sheet1!$N$118:$N$119</c15:sqref>
+                  </c15:fullRef>
+                </c:ext>
+              </c:extLst>
+              <c:f>Sheet1!$N$118</c:f>
+              <c:strCache>
+                <c:ptCount val="1"/>
+                <c:pt idx="0">
+                  <c:v>S</c:v>
+                </c:pt>
+              </c:strCache>
+            </c:strRef>
+          </c:cat>
+          <c:val>
+            <c:numRef>
+              <c:extLst>
+                <c:ext xmlns:c15="http://schemas.microsoft.com/office/drawing/2012/chart" uri="{02D57815-91ED-43cb-92C2-25804820EDAC}">
+                  <c15:fullRef>
+                    <c15:sqref>Sheet1!$O$118:$O$119</c15:sqref>
+                  </c15:fullRef>
+                </c:ext>
+              </c:extLst>
+              <c:f>Sheet1!$O$118</c:f>
+              <c:numCache>
+                <c:formatCode>General</c:formatCode>
+                <c:ptCount val="1"/>
+                <c:pt idx="0">
+                  <c:v>24.404</c:v>
+                </c:pt>
+              </c:numCache>
+            </c:numRef>
+          </c:val>
+          <c:extLst>
+            <c:ext xmlns:c16="http://schemas.microsoft.com/office/drawing/2014/chart" uri="{C3380CC4-5D6E-409C-BE32-E72D297353CC}">
+              <c16:uniqueId val="{00000000-62E8-48CF-914A-98FF9E11380B}"/>
+            </c:ext>
+          </c:extLst>
+        </c:ser>
+        <c:ser>
+          <c:idx val="1"/>
+          <c:order val="1"/>
+          <c:tx>
+            <c:strRef>
+              <c:f>Sheet1!$P$117</c:f>
+              <c:strCache>
+                <c:ptCount val="1"/>
+                <c:pt idx="0">
+                  <c:v>Oppo</c:v>
+                </c:pt>
+              </c:strCache>
+            </c:strRef>
+          </c:tx>
+          <c:spPr>
+            <a:solidFill>
+              <a:schemeClr val="accent2"/>
+            </a:solidFill>
+            <a:ln>
+              <a:noFill/>
+            </a:ln>
+            <a:effectLst/>
+          </c:spPr>
+          <c:invertIfNegative val="0"/>
+          <c:dLbls>
+            <c:spPr>
+              <a:noFill/>
+              <a:ln>
+                <a:noFill/>
+              </a:ln>
+              <a:effectLst/>
+            </c:spPr>
+            <c:txPr>
+              <a:bodyPr rot="0" spcFirstLastPara="1" vertOverflow="ellipsis" vert="horz" wrap="square" lIns="38100" tIns="19050" rIns="38100" bIns="19050" anchor="ctr" anchorCtr="1">
+                <a:spAutoFit/>
+              </a:bodyPr>
+              <a:lstStyle/>
+              <a:p>
+                <a:pPr>
+                  <a:defRPr sz="900" b="0" i="0" u="none" strike="noStrike" kern="1200" baseline="0">
+                    <a:solidFill>
+                      <a:schemeClr val="tx1">
+                        <a:lumMod val="75000"/>
+                        <a:lumOff val="25000"/>
+                      </a:schemeClr>
+                    </a:solidFill>
+                    <a:latin typeface="+mn-lt"/>
+                    <a:ea typeface="+mn-ea"/>
+                    <a:cs typeface="+mn-cs"/>
+                  </a:defRPr>
+                </a:pPr>
+                <a:endParaRPr lang="zh-CN"/>
+              </a:p>
+            </c:txPr>
+            <c:dLblPos val="outEnd"/>
+            <c:showLegendKey val="0"/>
+            <c:showVal val="1"/>
+            <c:showCatName val="0"/>
+            <c:showSerName val="0"/>
+            <c:showPercent val="0"/>
+            <c:showBubbleSize val="0"/>
+            <c:showLeaderLines val="0"/>
+            <c:extLst>
+              <c:ext xmlns:c15="http://schemas.microsoft.com/office/drawing/2012/chart" uri="{CE6537A1-D6FC-4f65-9D91-7224C49458BB}">
+                <c15:showLeaderLines val="1"/>
+                <c15:leaderLines>
+                  <c:spPr>
+                    <a:ln w="9525" cap="flat" cmpd="sng" algn="ctr">
+                      <a:solidFill>
+                        <a:schemeClr val="tx1">
+                          <a:lumMod val="35000"/>
+                          <a:lumOff val="65000"/>
+                        </a:schemeClr>
+                      </a:solidFill>
+                      <a:round/>
+                    </a:ln>
+                    <a:effectLst/>
+                  </c:spPr>
+                </c15:leaderLines>
+              </c:ext>
+            </c:extLst>
+          </c:dLbls>
+          <c:cat>
+            <c:strRef>
+              <c:extLst>
+                <c:ext xmlns:c15="http://schemas.microsoft.com/office/drawing/2012/chart" uri="{02D57815-91ED-43cb-92C2-25804820EDAC}">
+                  <c15:fullRef>
+                    <c15:sqref>Sheet1!$N$118:$N$119</c15:sqref>
+                  </c15:fullRef>
+                </c:ext>
+              </c:extLst>
+              <c:f>Sheet1!$N$118</c:f>
+              <c:strCache>
+                <c:ptCount val="1"/>
+                <c:pt idx="0">
+                  <c:v>S</c:v>
+                </c:pt>
+              </c:strCache>
+            </c:strRef>
+          </c:cat>
+          <c:val>
+            <c:numRef>
+              <c:extLst>
+                <c:ext xmlns:c15="http://schemas.microsoft.com/office/drawing/2012/chart" uri="{02D57815-91ED-43cb-92C2-25804820EDAC}">
+                  <c15:fullRef>
+                    <c15:sqref>Sheet1!$P$118:$P$119</c15:sqref>
+                  </c15:fullRef>
+                </c:ext>
+              </c:extLst>
+              <c:f>Sheet1!$P$118</c:f>
+              <c:numCache>
+                <c:formatCode>General</c:formatCode>
+                <c:ptCount val="1"/>
+                <c:pt idx="0">
+                  <c:v>23.95</c:v>
+                </c:pt>
+              </c:numCache>
+            </c:numRef>
+          </c:val>
+          <c:extLst>
+            <c:ext xmlns:c16="http://schemas.microsoft.com/office/drawing/2014/chart" uri="{C3380CC4-5D6E-409C-BE32-E72D297353CC}">
+              <c16:uniqueId val="{00000001-62E8-48CF-914A-98FF9E11380B}"/>
+            </c:ext>
+          </c:extLst>
+        </c:ser>
+        <c:dLbls>
+          <c:dLblPos val="outEnd"/>
+          <c:showLegendKey val="0"/>
+          <c:showVal val="1"/>
+          <c:showCatName val="0"/>
+          <c:showSerName val="0"/>
+          <c:showPercent val="0"/>
+          <c:showBubbleSize val="0"/>
+        </c:dLbls>
+        <c:gapWidth val="500"/>
+        <c:overlap val="-27"/>
+        <c:axId val="559827408"/>
+        <c:axId val="559826424"/>
+      </c:barChart>
+      <c:catAx>
+        <c:axId val="559827408"/>
+        <c:scaling>
+          <c:orientation val="minMax"/>
+        </c:scaling>
+        <c:delete val="0"/>
+        <c:axPos val="b"/>
+        <c:numFmt formatCode="General" sourceLinked="1"/>
+        <c:majorTickMark val="none"/>
+        <c:minorTickMark val="none"/>
+        <c:tickLblPos val="nextTo"/>
+        <c:spPr>
+          <a:noFill/>
+          <a:ln w="9525" cap="flat" cmpd="sng" algn="ctr">
+            <a:solidFill>
+              <a:schemeClr val="tx1">
+                <a:lumMod val="15000"/>
+                <a:lumOff val="85000"/>
+              </a:schemeClr>
+            </a:solidFill>
+            <a:round/>
+          </a:ln>
+          <a:effectLst/>
+        </c:spPr>
+        <c:txPr>
+          <a:bodyPr rot="-60000000" spcFirstLastPara="1" vertOverflow="ellipsis" vert="horz" wrap="square" anchor="ctr" anchorCtr="1"/>
+          <a:lstStyle/>
+          <a:p>
+            <a:pPr>
+              <a:defRPr sz="900" b="0" i="0" u="none" strike="noStrike" kern="1200" baseline="0">
+                <a:solidFill>
+                  <a:schemeClr val="tx1">
+                    <a:lumMod val="65000"/>
+                    <a:lumOff val="35000"/>
+                  </a:schemeClr>
+                </a:solidFill>
+                <a:latin typeface="+mn-lt"/>
+                <a:ea typeface="+mn-ea"/>
+                <a:cs typeface="+mn-cs"/>
+              </a:defRPr>
+            </a:pPr>
+            <a:endParaRPr lang="zh-CN"/>
+          </a:p>
+        </c:txPr>
+        <c:crossAx val="559826424"/>
+        <c:crosses val="autoZero"/>
+        <c:auto val="1"/>
+        <c:lblAlgn val="ctr"/>
+        <c:lblOffset val="100"/>
+        <c:noMultiLvlLbl val="0"/>
+      </c:catAx>
+      <c:valAx>
+        <c:axId val="559826424"/>
+        <c:scaling>
+          <c:orientation val="minMax"/>
+          <c:min val="0"/>
+        </c:scaling>
+        <c:delete val="0"/>
+        <c:axPos val="l"/>
+        <c:majorGridlines>
+          <c:spPr>
+            <a:ln w="9525" cap="flat" cmpd="sng" algn="ctr">
+              <a:solidFill>
+                <a:schemeClr val="tx1">
+                  <a:lumMod val="15000"/>
+                  <a:lumOff val="85000"/>
+                </a:schemeClr>
+              </a:solidFill>
+              <a:round/>
+            </a:ln>
+            <a:effectLst/>
+          </c:spPr>
+        </c:majorGridlines>
+        <c:numFmt formatCode="General" sourceLinked="1"/>
+        <c:majorTickMark val="none"/>
+        <c:minorTickMark val="none"/>
+        <c:tickLblPos val="nextTo"/>
+        <c:spPr>
+          <a:noFill/>
+          <a:ln>
+            <a:noFill/>
+          </a:ln>
+          <a:effectLst/>
+        </c:spPr>
+        <c:txPr>
+          <a:bodyPr rot="-60000000" spcFirstLastPara="1" vertOverflow="ellipsis" vert="horz" wrap="square" anchor="ctr" anchorCtr="1"/>
+          <a:lstStyle/>
+          <a:p>
+            <a:pPr>
+              <a:defRPr sz="900" b="0" i="0" u="none" strike="noStrike" kern="1200" baseline="0">
+                <a:solidFill>
+                  <a:schemeClr val="tx1">
+                    <a:lumMod val="65000"/>
+                    <a:lumOff val="35000"/>
+                  </a:schemeClr>
+                </a:solidFill>
+                <a:latin typeface="+mn-lt"/>
+                <a:ea typeface="+mn-ea"/>
+                <a:cs typeface="+mn-cs"/>
+              </a:defRPr>
+            </a:pPr>
+            <a:endParaRPr lang="zh-CN"/>
+          </a:p>
+        </c:txPr>
+        <c:crossAx val="559827408"/>
+        <c:crosses val="autoZero"/>
+        <c:crossBetween val="between"/>
+      </c:valAx>
+      <c:spPr>
+        <a:noFill/>
+        <a:ln>
+          <a:noFill/>
+        </a:ln>
+        <a:effectLst/>
+      </c:spPr>
+    </c:plotArea>
+    <c:legend>
+      <c:legendPos val="b"/>
+      <c:overlay val="0"/>
+      <c:spPr>
+        <a:noFill/>
+        <a:ln>
+          <a:noFill/>
+        </a:ln>
+        <a:effectLst/>
+      </c:spPr>
+      <c:txPr>
+        <a:bodyPr rot="0" spcFirstLastPara="1" vertOverflow="ellipsis" vert="horz" wrap="square" anchor="ctr" anchorCtr="1"/>
+        <a:lstStyle/>
+        <a:p>
+          <a:pPr>
+            <a:defRPr sz="900" b="0" i="0" u="none" strike="noStrike" kern="1200" baseline="0">
+              <a:solidFill>
+                <a:schemeClr val="tx1">
+                  <a:lumMod val="65000"/>
+                  <a:lumOff val="35000"/>
+                </a:schemeClr>
+              </a:solidFill>
+              <a:latin typeface="+mn-lt"/>
+              <a:ea typeface="+mn-ea"/>
+              <a:cs typeface="+mn-cs"/>
+            </a:defRPr>
+          </a:pPr>
+          <a:endParaRPr lang="zh-CN"/>
+        </a:p>
+      </c:txPr>
+    </c:legend>
+    <c:plotVisOnly val="1"/>
+    <c:dispBlanksAs val="gap"/>
+    <c:extLst>
+      <c:ext xmlns:c16r3="http://schemas.microsoft.com/office/drawing/2017/03/chart" uri="{56B9EC1D-385E-4148-901F-78D8002777C0}">
+        <c16r3:dataDisplayOptions16>
+          <c16r3:dispNaAsBlank val="1"/>
+        </c16r3:dataDisplayOptions16>
+      </c:ext>
+    </c:extLst>
+    <c:showDLblsOverMax val="0"/>
+  </c:chart>
+  <c:spPr>
+    <a:noFill/>
+    <a:ln>
+      <a:noFill/>
+    </a:ln>
+    <a:effectLst/>
+  </c:spPr>
+  <c:txPr>
+    <a:bodyPr/>
+    <a:lstStyle/>
+    <a:p>
+      <a:pPr>
+        <a:defRPr/>
+      </a:pPr>
+      <a:endParaRPr lang="zh-CN"/>
+    </a:p>
+  </c:txPr>
+  <c:externalData r:id="rId3">
+    <c:autoUpdate val="0"/>
+  </c:externalData>
+</c:chartSpace>
+</file>
+
+<file path=ppt/charts/chart23.xml><?xml version="1.0" encoding="utf-8"?>
+<c:chartSpace xmlns:c="http://schemas.openxmlformats.org/drawingml/2006/chart" xmlns:a="http://schemas.openxmlformats.org/drawingml/2006/main" xmlns:r="http://schemas.openxmlformats.org/officeDocument/2006/relationships" xmlns:c16r2="http://schemas.microsoft.com/office/drawing/2015/06/chart">
+  <c:date1904 val="0"/>
+  <c:lang val="zh-CN"/>
+  <c:roundedCorners val="0"/>
+  <mc:AlternateContent xmlns:mc="http://schemas.openxmlformats.org/markup-compatibility/2006">
+    <mc:Choice xmlns:c14="http://schemas.microsoft.com/office/drawing/2007/8/2/chart" Requires="c14">
+      <c14:style val="102"/>
+    </mc:Choice>
+    <mc:Fallback>
+      <c:style val="2"/>
+    </mc:Fallback>
+  </mc:AlternateContent>
+  <c:chart>
+    <c:autoTitleDeleted val="1"/>
+    <c:plotArea>
+      <c:layout/>
+      <c:barChart>
+        <c:barDir val="col"/>
+        <c:grouping val="clustered"/>
+        <c:varyColors val="0"/>
+        <c:ser>
+          <c:idx val="0"/>
+          <c:order val="0"/>
+          <c:tx>
+            <c:strRef>
+              <c:f>Sheet1!$S$117</c:f>
+              <c:strCache>
+                <c:ptCount val="1"/>
+                <c:pt idx="0">
+                  <c:v>Husk</c:v>
+                </c:pt>
+              </c:strCache>
+            </c:strRef>
+          </c:tx>
+          <c:spPr>
+            <a:solidFill>
+              <a:schemeClr val="accent1"/>
+            </a:solidFill>
+            <a:ln>
+              <a:noFill/>
+            </a:ln>
+            <a:effectLst/>
+          </c:spPr>
+          <c:invertIfNegative val="0"/>
+          <c:dLbls>
+            <c:spPr>
+              <a:noFill/>
+              <a:ln>
+                <a:noFill/>
+              </a:ln>
+              <a:effectLst/>
+            </c:spPr>
+            <c:txPr>
+              <a:bodyPr rot="0" spcFirstLastPara="1" vertOverflow="ellipsis" vert="horz" wrap="square" lIns="38100" tIns="19050" rIns="38100" bIns="19050" anchor="ctr" anchorCtr="1">
+                <a:spAutoFit/>
+              </a:bodyPr>
+              <a:lstStyle/>
+              <a:p>
+                <a:pPr>
+                  <a:defRPr sz="900" b="0" i="0" u="none" strike="noStrike" kern="1200" baseline="0">
+                    <a:solidFill>
+                      <a:schemeClr val="tx1">
+                        <a:lumMod val="75000"/>
+                        <a:lumOff val="25000"/>
+                      </a:schemeClr>
+                    </a:solidFill>
+                    <a:latin typeface="+mn-lt"/>
+                    <a:ea typeface="+mn-ea"/>
+                    <a:cs typeface="+mn-cs"/>
+                  </a:defRPr>
+                </a:pPr>
+                <a:endParaRPr lang="zh-CN"/>
+              </a:p>
+            </c:txPr>
+            <c:dLblPos val="outEnd"/>
+            <c:showLegendKey val="0"/>
+            <c:showVal val="1"/>
+            <c:showCatName val="0"/>
+            <c:showSerName val="0"/>
+            <c:showPercent val="0"/>
+            <c:showBubbleSize val="0"/>
+            <c:showLeaderLines val="0"/>
+            <c:extLst>
+              <c:ext xmlns:c15="http://schemas.microsoft.com/office/drawing/2012/chart" uri="{CE6537A1-D6FC-4f65-9D91-7224C49458BB}">
+                <c15:showLeaderLines val="1"/>
+                <c15:leaderLines>
+                  <c:spPr>
+                    <a:ln w="9525" cap="flat" cmpd="sng" algn="ctr">
+                      <a:solidFill>
+                        <a:schemeClr val="tx1">
+                          <a:lumMod val="35000"/>
+                          <a:lumOff val="65000"/>
+                        </a:schemeClr>
+                      </a:solidFill>
+                      <a:round/>
+                    </a:ln>
+                    <a:effectLst/>
+                  </c:spPr>
+                </c15:leaderLines>
+              </c:ext>
+            </c:extLst>
+          </c:dLbls>
+          <c:cat>
+            <c:strRef>
+              <c:f>Sheet1!$R$118</c:f>
+              <c:strCache>
+                <c:ptCount val="1"/>
+                <c:pt idx="0">
+                  <c:v>weighted average path length</c:v>
+                </c:pt>
+              </c:strCache>
+            </c:strRef>
+          </c:cat>
+          <c:val>
+            <c:numRef>
+              <c:f>Sheet1!$S$118</c:f>
+              <c:numCache>
+                <c:formatCode>General</c:formatCode>
+                <c:ptCount val="1"/>
+                <c:pt idx="0">
+                  <c:v>7.1139999999999999</c:v>
+                </c:pt>
+              </c:numCache>
+            </c:numRef>
+          </c:val>
+          <c:extLst>
+            <c:ext xmlns:c16="http://schemas.microsoft.com/office/drawing/2014/chart" uri="{C3380CC4-5D6E-409C-BE32-E72D297353CC}">
+              <c16:uniqueId val="{00000000-9A1C-44FB-82D6-FC034DE5706C}"/>
+            </c:ext>
+          </c:extLst>
+        </c:ser>
+        <c:ser>
+          <c:idx val="1"/>
+          <c:order val="1"/>
+          <c:tx>
+            <c:strRef>
+              <c:f>Sheet1!$T$117</c:f>
+              <c:strCache>
+                <c:ptCount val="1"/>
+                <c:pt idx="0">
+                  <c:v>Oppo</c:v>
+                </c:pt>
+              </c:strCache>
+            </c:strRef>
+          </c:tx>
+          <c:spPr>
+            <a:solidFill>
+              <a:schemeClr val="accent2"/>
+            </a:solidFill>
+            <a:ln>
+              <a:noFill/>
+            </a:ln>
+            <a:effectLst/>
+          </c:spPr>
+          <c:invertIfNegative val="0"/>
+          <c:dLbls>
+            <c:spPr>
+              <a:noFill/>
+              <a:ln>
+                <a:noFill/>
+              </a:ln>
+              <a:effectLst/>
+            </c:spPr>
+            <c:txPr>
+              <a:bodyPr rot="0" spcFirstLastPara="1" vertOverflow="ellipsis" vert="horz" wrap="square" lIns="38100" tIns="19050" rIns="38100" bIns="19050" anchor="ctr" anchorCtr="1">
+                <a:spAutoFit/>
+              </a:bodyPr>
+              <a:lstStyle/>
+              <a:p>
+                <a:pPr>
+                  <a:defRPr sz="900" b="0" i="0" u="none" strike="noStrike" kern="1200" baseline="0">
+                    <a:solidFill>
+                      <a:schemeClr val="tx1">
+                        <a:lumMod val="75000"/>
+                        <a:lumOff val="25000"/>
+                      </a:schemeClr>
+                    </a:solidFill>
+                    <a:latin typeface="+mn-lt"/>
+                    <a:ea typeface="+mn-ea"/>
+                    <a:cs typeface="+mn-cs"/>
+                  </a:defRPr>
+                </a:pPr>
+                <a:endParaRPr lang="zh-CN"/>
+              </a:p>
+            </c:txPr>
+            <c:dLblPos val="outEnd"/>
+            <c:showLegendKey val="0"/>
+            <c:showVal val="1"/>
+            <c:showCatName val="0"/>
+            <c:showSerName val="0"/>
+            <c:showPercent val="0"/>
+            <c:showBubbleSize val="0"/>
+            <c:showLeaderLines val="0"/>
+            <c:extLst>
+              <c:ext xmlns:c15="http://schemas.microsoft.com/office/drawing/2012/chart" uri="{CE6537A1-D6FC-4f65-9D91-7224C49458BB}">
+                <c15:showLeaderLines val="1"/>
+                <c15:leaderLines>
+                  <c:spPr>
+                    <a:ln w="9525" cap="flat" cmpd="sng" algn="ctr">
+                      <a:solidFill>
+                        <a:schemeClr val="tx1">
+                          <a:lumMod val="35000"/>
+                          <a:lumOff val="65000"/>
+                        </a:schemeClr>
+                      </a:solidFill>
+                      <a:round/>
+                    </a:ln>
+                    <a:effectLst/>
+                  </c:spPr>
+                </c15:leaderLines>
+              </c:ext>
+            </c:extLst>
+          </c:dLbls>
+          <c:cat>
+            <c:strRef>
+              <c:f>Sheet1!$R$118</c:f>
+              <c:strCache>
+                <c:ptCount val="1"/>
+                <c:pt idx="0">
+                  <c:v>weighted average path length</c:v>
+                </c:pt>
+              </c:strCache>
+            </c:strRef>
+          </c:cat>
+          <c:val>
+            <c:numRef>
+              <c:f>Sheet1!$T$118</c:f>
+              <c:numCache>
+                <c:formatCode>General</c:formatCode>
+                <c:ptCount val="1"/>
+                <c:pt idx="0">
+                  <c:v>8.3710000000000004</c:v>
+                </c:pt>
+              </c:numCache>
+            </c:numRef>
+          </c:val>
+          <c:extLst>
+            <c:ext xmlns:c16="http://schemas.microsoft.com/office/drawing/2014/chart" uri="{C3380CC4-5D6E-409C-BE32-E72D297353CC}">
+              <c16:uniqueId val="{00000001-9A1C-44FB-82D6-FC034DE5706C}"/>
+            </c:ext>
+          </c:extLst>
+        </c:ser>
+        <c:dLbls>
+          <c:dLblPos val="outEnd"/>
+          <c:showLegendKey val="0"/>
+          <c:showVal val="1"/>
+          <c:showCatName val="0"/>
+          <c:showSerName val="0"/>
+          <c:showPercent val="0"/>
+          <c:showBubbleSize val="0"/>
+        </c:dLbls>
+        <c:gapWidth val="500"/>
+        <c:overlap val="-27"/>
+        <c:axId val="558289400"/>
+        <c:axId val="558289728"/>
+      </c:barChart>
+      <c:catAx>
+        <c:axId val="558289400"/>
+        <c:scaling>
+          <c:orientation val="minMax"/>
+        </c:scaling>
+        <c:delete val="0"/>
+        <c:axPos val="b"/>
+        <c:numFmt formatCode="General" sourceLinked="1"/>
+        <c:majorTickMark val="none"/>
+        <c:minorTickMark val="none"/>
+        <c:tickLblPos val="nextTo"/>
+        <c:spPr>
+          <a:noFill/>
+          <a:ln w="9525" cap="flat" cmpd="sng" algn="ctr">
+            <a:solidFill>
+              <a:schemeClr val="tx1">
+                <a:lumMod val="15000"/>
+                <a:lumOff val="85000"/>
+              </a:schemeClr>
+            </a:solidFill>
+            <a:round/>
+          </a:ln>
+          <a:effectLst/>
+        </c:spPr>
+        <c:txPr>
+          <a:bodyPr rot="-60000000" spcFirstLastPara="1" vertOverflow="ellipsis" vert="horz" wrap="square" anchor="ctr" anchorCtr="1"/>
+          <a:lstStyle/>
+          <a:p>
+            <a:pPr>
+              <a:defRPr sz="900" b="0" i="0" u="none" strike="noStrike" kern="1200" baseline="0">
+                <a:solidFill>
+                  <a:schemeClr val="tx1">
+                    <a:lumMod val="65000"/>
+                    <a:lumOff val="35000"/>
+                  </a:schemeClr>
+                </a:solidFill>
+                <a:latin typeface="+mn-lt"/>
+                <a:ea typeface="+mn-ea"/>
+                <a:cs typeface="+mn-cs"/>
+              </a:defRPr>
+            </a:pPr>
+            <a:endParaRPr lang="zh-CN"/>
+          </a:p>
+        </c:txPr>
+        <c:crossAx val="558289728"/>
+        <c:crosses val="autoZero"/>
+        <c:auto val="1"/>
+        <c:lblAlgn val="ctr"/>
+        <c:lblOffset val="100"/>
+        <c:noMultiLvlLbl val="0"/>
+      </c:catAx>
+      <c:valAx>
+        <c:axId val="558289728"/>
+        <c:scaling>
+          <c:orientation val="minMax"/>
+          <c:min val="0"/>
+        </c:scaling>
+        <c:delete val="0"/>
+        <c:axPos val="l"/>
+        <c:majorGridlines>
+          <c:spPr>
+            <a:ln w="9525" cap="flat" cmpd="sng" algn="ctr">
+              <a:solidFill>
+                <a:schemeClr val="tx1">
+                  <a:lumMod val="15000"/>
+                  <a:lumOff val="85000"/>
+                </a:schemeClr>
+              </a:solidFill>
+              <a:round/>
+            </a:ln>
+            <a:effectLst/>
+          </c:spPr>
+        </c:majorGridlines>
+        <c:numFmt formatCode="General" sourceLinked="1"/>
+        <c:majorTickMark val="none"/>
+        <c:minorTickMark val="none"/>
+        <c:tickLblPos val="nextTo"/>
+        <c:spPr>
+          <a:noFill/>
+          <a:ln>
+            <a:noFill/>
+          </a:ln>
+          <a:effectLst/>
+        </c:spPr>
+        <c:txPr>
+          <a:bodyPr rot="-60000000" spcFirstLastPara="1" vertOverflow="ellipsis" vert="horz" wrap="square" anchor="ctr" anchorCtr="1"/>
+          <a:lstStyle/>
+          <a:p>
+            <a:pPr>
+              <a:defRPr sz="900" b="0" i="0" u="none" strike="noStrike" kern="1200" baseline="0">
+                <a:solidFill>
+                  <a:schemeClr val="tx1">
+                    <a:lumMod val="65000"/>
+                    <a:lumOff val="35000"/>
+                  </a:schemeClr>
+                </a:solidFill>
+                <a:latin typeface="+mn-lt"/>
+                <a:ea typeface="+mn-ea"/>
+                <a:cs typeface="+mn-cs"/>
+              </a:defRPr>
+            </a:pPr>
+            <a:endParaRPr lang="zh-CN"/>
+          </a:p>
+        </c:txPr>
+        <c:crossAx val="558289400"/>
+        <c:crosses val="autoZero"/>
+        <c:crossBetween val="between"/>
+      </c:valAx>
+      <c:spPr>
+        <a:noFill/>
+        <a:ln>
+          <a:noFill/>
+        </a:ln>
+        <a:effectLst/>
+      </c:spPr>
+    </c:plotArea>
+    <c:legend>
+      <c:legendPos val="b"/>
+      <c:overlay val="0"/>
+      <c:spPr>
+        <a:noFill/>
+        <a:ln>
+          <a:noFill/>
+        </a:ln>
+        <a:effectLst/>
+      </c:spPr>
+      <c:txPr>
+        <a:bodyPr rot="0" spcFirstLastPara="1" vertOverflow="ellipsis" vert="horz" wrap="square" anchor="ctr" anchorCtr="1"/>
+        <a:lstStyle/>
+        <a:p>
+          <a:pPr>
+            <a:defRPr sz="900" b="0" i="0" u="none" strike="noStrike" kern="1200" baseline="0">
+              <a:solidFill>
+                <a:schemeClr val="tx1">
+                  <a:lumMod val="65000"/>
+                  <a:lumOff val="35000"/>
+                </a:schemeClr>
+              </a:solidFill>
+              <a:latin typeface="+mn-lt"/>
+              <a:ea typeface="+mn-ea"/>
+              <a:cs typeface="+mn-cs"/>
+            </a:defRPr>
+          </a:pPr>
+          <a:endParaRPr lang="zh-CN"/>
+        </a:p>
+      </c:txPr>
+    </c:legend>
+    <c:plotVisOnly val="1"/>
+    <c:dispBlanksAs val="gap"/>
+    <c:showDLblsOverMax val="0"/>
+  </c:chart>
+  <c:spPr>
+    <a:noFill/>
+    <a:ln>
+      <a:noFill/>
+    </a:ln>
+    <a:effectLst/>
+  </c:spPr>
+  <c:txPr>
+    <a:bodyPr/>
+    <a:lstStyle/>
+    <a:p>
+      <a:pPr>
+        <a:defRPr/>
+      </a:pPr>
+      <a:endParaRPr lang="zh-CN"/>
+    </a:p>
+  </c:txPr>
+  <c:externalData r:id="rId3">
+    <c:autoUpdate val="0"/>
+  </c:externalData>
+</c:chartSpace>
+</file>
+
 <file path=ppt/charts/chart3.xml><?xml version="1.0" encoding="utf-8"?>
 <c:chartSpace xmlns:c="http://schemas.openxmlformats.org/drawingml/2006/chart" xmlns:a="http://schemas.openxmlformats.org/drawingml/2006/main" xmlns:r="http://schemas.openxmlformats.org/officeDocument/2006/relationships" xmlns:c16r2="http://schemas.microsoft.com/office/drawing/2015/06/chart">
   <c:date1904 val="0"/>
@@ -9720,6 +11058,126 @@
 </cs:colorStyle>
 </file>
 
+<file path=ppt/charts/colors21.xml><?xml version="1.0" encoding="utf-8"?>
+<cs:colorStyle xmlns:cs="http://schemas.microsoft.com/office/drawing/2012/chartStyle" xmlns:a="http://schemas.openxmlformats.org/drawingml/2006/main" meth="cycle" id="10">
+  <a:schemeClr val="accent1"/>
+  <a:schemeClr val="accent2"/>
+  <a:schemeClr val="accent3"/>
+  <a:schemeClr val="accent4"/>
+  <a:schemeClr val="accent5"/>
+  <a:schemeClr val="accent6"/>
+  <cs:variation/>
+  <cs:variation>
+    <a:lumMod val="60000"/>
+  </cs:variation>
+  <cs:variation>
+    <a:lumMod val="80000"/>
+    <a:lumOff val="20000"/>
+  </cs:variation>
+  <cs:variation>
+    <a:lumMod val="80000"/>
+  </cs:variation>
+  <cs:variation>
+    <a:lumMod val="60000"/>
+    <a:lumOff val="40000"/>
+  </cs:variation>
+  <cs:variation>
+    <a:lumMod val="50000"/>
+  </cs:variation>
+  <cs:variation>
+    <a:lumMod val="70000"/>
+    <a:lumOff val="30000"/>
+  </cs:variation>
+  <cs:variation>
+    <a:lumMod val="70000"/>
+  </cs:variation>
+  <cs:variation>
+    <a:lumMod val="50000"/>
+    <a:lumOff val="50000"/>
+  </cs:variation>
+</cs:colorStyle>
+</file>
+
+<file path=ppt/charts/colors22.xml><?xml version="1.0" encoding="utf-8"?>
+<cs:colorStyle xmlns:cs="http://schemas.microsoft.com/office/drawing/2012/chartStyle" xmlns:a="http://schemas.openxmlformats.org/drawingml/2006/main" meth="cycle" id="10">
+  <a:schemeClr val="accent1"/>
+  <a:schemeClr val="accent2"/>
+  <a:schemeClr val="accent3"/>
+  <a:schemeClr val="accent4"/>
+  <a:schemeClr val="accent5"/>
+  <a:schemeClr val="accent6"/>
+  <cs:variation/>
+  <cs:variation>
+    <a:lumMod val="60000"/>
+  </cs:variation>
+  <cs:variation>
+    <a:lumMod val="80000"/>
+    <a:lumOff val="20000"/>
+  </cs:variation>
+  <cs:variation>
+    <a:lumMod val="80000"/>
+  </cs:variation>
+  <cs:variation>
+    <a:lumMod val="60000"/>
+    <a:lumOff val="40000"/>
+  </cs:variation>
+  <cs:variation>
+    <a:lumMod val="50000"/>
+  </cs:variation>
+  <cs:variation>
+    <a:lumMod val="70000"/>
+    <a:lumOff val="30000"/>
+  </cs:variation>
+  <cs:variation>
+    <a:lumMod val="70000"/>
+  </cs:variation>
+  <cs:variation>
+    <a:lumMod val="50000"/>
+    <a:lumOff val="50000"/>
+  </cs:variation>
+</cs:colorStyle>
+</file>
+
+<file path=ppt/charts/colors23.xml><?xml version="1.0" encoding="utf-8"?>
+<cs:colorStyle xmlns:cs="http://schemas.microsoft.com/office/drawing/2012/chartStyle" xmlns:a="http://schemas.openxmlformats.org/drawingml/2006/main" meth="cycle" id="10">
+  <a:schemeClr val="accent1"/>
+  <a:schemeClr val="accent2"/>
+  <a:schemeClr val="accent3"/>
+  <a:schemeClr val="accent4"/>
+  <a:schemeClr val="accent5"/>
+  <a:schemeClr val="accent6"/>
+  <cs:variation/>
+  <cs:variation>
+    <a:lumMod val="60000"/>
+  </cs:variation>
+  <cs:variation>
+    <a:lumMod val="80000"/>
+    <a:lumOff val="20000"/>
+  </cs:variation>
+  <cs:variation>
+    <a:lumMod val="80000"/>
+  </cs:variation>
+  <cs:variation>
+    <a:lumMod val="60000"/>
+    <a:lumOff val="40000"/>
+  </cs:variation>
+  <cs:variation>
+    <a:lumMod val="50000"/>
+  </cs:variation>
+  <cs:variation>
+    <a:lumMod val="70000"/>
+    <a:lumOff val="30000"/>
+  </cs:variation>
+  <cs:variation>
+    <a:lumMod val="70000"/>
+  </cs:variation>
+  <cs:variation>
+    <a:lumMod val="50000"/>
+    <a:lumOff val="50000"/>
+  </cs:variation>
+</cs:colorStyle>
+</file>
+
 <file path=ppt/charts/colors3.xml><?xml version="1.0" encoding="utf-8"?>
 <cs:colorStyle xmlns:cs="http://schemas.microsoft.com/office/drawing/2012/chartStyle" xmlns:a="http://schemas.openxmlformats.org/drawingml/2006/main" meth="cycle" id="10">
   <a:schemeClr val="accent1"/>
@@ -16571,6 +18029,1515 @@
 </cs:chartStyle>
 </file>
 
+<file path=ppt/charts/style21.xml><?xml version="1.0" encoding="utf-8"?>
+<cs:chartStyle xmlns:cs="http://schemas.microsoft.com/office/drawing/2012/chartStyle" xmlns:a="http://schemas.openxmlformats.org/drawingml/2006/main" id="201">
+  <cs:axisTitle>
+    <cs:lnRef idx="0"/>
+    <cs:fillRef idx="0"/>
+    <cs:effectRef idx="0"/>
+    <cs:fontRef idx="minor">
+      <a:schemeClr val="tx1">
+        <a:lumMod val="65000"/>
+        <a:lumOff val="35000"/>
+      </a:schemeClr>
+    </cs:fontRef>
+    <cs:defRPr sz="1000" kern="1200"/>
+  </cs:axisTitle>
+  <cs:categoryAxis>
+    <cs:lnRef idx="0"/>
+    <cs:fillRef idx="0"/>
+    <cs:effectRef idx="0"/>
+    <cs:fontRef idx="minor">
+      <a:schemeClr val="tx1">
+        <a:lumMod val="65000"/>
+        <a:lumOff val="35000"/>
+      </a:schemeClr>
+    </cs:fontRef>
+    <cs:spPr>
+      <a:ln w="9525" cap="flat" cmpd="sng" algn="ctr">
+        <a:solidFill>
+          <a:schemeClr val="tx1">
+            <a:lumMod val="15000"/>
+            <a:lumOff val="85000"/>
+          </a:schemeClr>
+        </a:solidFill>
+        <a:round/>
+      </a:ln>
+    </cs:spPr>
+    <cs:defRPr sz="900" kern="1200"/>
+  </cs:categoryAxis>
+  <cs:chartArea mods="allowNoFillOverride allowNoLineOverride">
+    <cs:lnRef idx="0"/>
+    <cs:fillRef idx="0"/>
+    <cs:effectRef idx="0"/>
+    <cs:fontRef idx="minor">
+      <a:schemeClr val="tx1"/>
+    </cs:fontRef>
+    <cs:spPr>
+      <a:solidFill>
+        <a:schemeClr val="bg1"/>
+      </a:solidFill>
+      <a:ln w="9525" cap="flat" cmpd="sng" algn="ctr">
+        <a:solidFill>
+          <a:schemeClr val="tx1">
+            <a:lumMod val="15000"/>
+            <a:lumOff val="85000"/>
+          </a:schemeClr>
+        </a:solidFill>
+        <a:round/>
+      </a:ln>
+    </cs:spPr>
+    <cs:defRPr sz="1000" kern="1200"/>
+  </cs:chartArea>
+  <cs:dataLabel>
+    <cs:lnRef idx="0"/>
+    <cs:fillRef idx="0"/>
+    <cs:effectRef idx="0"/>
+    <cs:fontRef idx="minor">
+      <a:schemeClr val="tx1">
+        <a:lumMod val="75000"/>
+        <a:lumOff val="25000"/>
+      </a:schemeClr>
+    </cs:fontRef>
+    <cs:defRPr sz="900" kern="1200"/>
+  </cs:dataLabel>
+  <cs:dataLabelCallout>
+    <cs:lnRef idx="0"/>
+    <cs:fillRef idx="0"/>
+    <cs:effectRef idx="0"/>
+    <cs:fontRef idx="minor">
+      <a:schemeClr val="dk1">
+        <a:lumMod val="65000"/>
+        <a:lumOff val="35000"/>
+      </a:schemeClr>
+    </cs:fontRef>
+    <cs:spPr>
+      <a:solidFill>
+        <a:schemeClr val="lt1"/>
+      </a:solidFill>
+      <a:ln>
+        <a:solidFill>
+          <a:schemeClr val="dk1">
+            <a:lumMod val="25000"/>
+            <a:lumOff val="75000"/>
+          </a:schemeClr>
+        </a:solidFill>
+      </a:ln>
+    </cs:spPr>
+    <cs:defRPr sz="900" kern="1200"/>
+    <cs:bodyPr rot="0" spcFirstLastPara="1" vertOverflow="clip" horzOverflow="clip" vert="horz" wrap="square" lIns="36576" tIns="18288" rIns="36576" bIns="18288" anchor="ctr" anchorCtr="1">
+      <a:spAutoFit/>
+    </cs:bodyPr>
+  </cs:dataLabelCallout>
+  <cs:dataPoint>
+    <cs:lnRef idx="0"/>
+    <cs:fillRef idx="1">
+      <cs:styleClr val="auto"/>
+    </cs:fillRef>
+    <cs:effectRef idx="0"/>
+    <cs:fontRef idx="minor">
+      <a:schemeClr val="tx1"/>
+    </cs:fontRef>
+  </cs:dataPoint>
+  <cs:dataPoint3D>
+    <cs:lnRef idx="0"/>
+    <cs:fillRef idx="1">
+      <cs:styleClr val="auto"/>
+    </cs:fillRef>
+    <cs:effectRef idx="0"/>
+    <cs:fontRef idx="minor">
+      <a:schemeClr val="tx1"/>
+    </cs:fontRef>
+  </cs:dataPoint3D>
+  <cs:dataPointLine>
+    <cs:lnRef idx="0">
+      <cs:styleClr val="auto"/>
+    </cs:lnRef>
+    <cs:fillRef idx="1"/>
+    <cs:effectRef idx="0"/>
+    <cs:fontRef idx="minor">
+      <a:schemeClr val="tx1"/>
+    </cs:fontRef>
+    <cs:spPr>
+      <a:ln w="28575" cap="rnd">
+        <a:solidFill>
+          <a:schemeClr val="phClr"/>
+        </a:solidFill>
+        <a:round/>
+      </a:ln>
+    </cs:spPr>
+  </cs:dataPointLine>
+  <cs:dataPointMarker>
+    <cs:lnRef idx="0">
+      <cs:styleClr val="auto"/>
+    </cs:lnRef>
+    <cs:fillRef idx="1">
+      <cs:styleClr val="auto"/>
+    </cs:fillRef>
+    <cs:effectRef idx="0"/>
+    <cs:fontRef idx="minor">
+      <a:schemeClr val="tx1"/>
+    </cs:fontRef>
+    <cs:spPr>
+      <a:ln w="9525">
+        <a:solidFill>
+          <a:schemeClr val="phClr"/>
+        </a:solidFill>
+      </a:ln>
+    </cs:spPr>
+  </cs:dataPointMarker>
+  <cs:dataPointMarkerLayout symbol="circle" size="5"/>
+  <cs:dataPointWireframe>
+    <cs:lnRef idx="0">
+      <cs:styleClr val="auto"/>
+    </cs:lnRef>
+    <cs:fillRef idx="1"/>
+    <cs:effectRef idx="0"/>
+    <cs:fontRef idx="minor">
+      <a:schemeClr val="tx1"/>
+    </cs:fontRef>
+    <cs:spPr>
+      <a:ln w="9525" cap="rnd">
+        <a:solidFill>
+          <a:schemeClr val="phClr"/>
+        </a:solidFill>
+        <a:round/>
+      </a:ln>
+    </cs:spPr>
+  </cs:dataPointWireframe>
+  <cs:dataTable>
+    <cs:lnRef idx="0"/>
+    <cs:fillRef idx="0"/>
+    <cs:effectRef idx="0"/>
+    <cs:fontRef idx="minor">
+      <a:schemeClr val="tx1">
+        <a:lumMod val="65000"/>
+        <a:lumOff val="35000"/>
+      </a:schemeClr>
+    </cs:fontRef>
+    <cs:spPr>
+      <a:noFill/>
+      <a:ln w="9525" cap="flat" cmpd="sng" algn="ctr">
+        <a:solidFill>
+          <a:schemeClr val="tx1">
+            <a:lumMod val="15000"/>
+            <a:lumOff val="85000"/>
+          </a:schemeClr>
+        </a:solidFill>
+        <a:round/>
+      </a:ln>
+    </cs:spPr>
+    <cs:defRPr sz="900" kern="1200"/>
+  </cs:dataTable>
+  <cs:downBar>
+    <cs:lnRef idx="0"/>
+    <cs:fillRef idx="0"/>
+    <cs:effectRef idx="0"/>
+    <cs:fontRef idx="minor">
+      <a:schemeClr val="dk1"/>
+    </cs:fontRef>
+    <cs:spPr>
+      <a:solidFill>
+        <a:schemeClr val="dk1">
+          <a:lumMod val="65000"/>
+          <a:lumOff val="35000"/>
+        </a:schemeClr>
+      </a:solidFill>
+      <a:ln w="9525">
+        <a:solidFill>
+          <a:schemeClr val="tx1">
+            <a:lumMod val="65000"/>
+            <a:lumOff val="35000"/>
+          </a:schemeClr>
+        </a:solidFill>
+      </a:ln>
+    </cs:spPr>
+  </cs:downBar>
+  <cs:dropLine>
+    <cs:lnRef idx="0"/>
+    <cs:fillRef idx="0"/>
+    <cs:effectRef idx="0"/>
+    <cs:fontRef idx="minor">
+      <a:schemeClr val="tx1"/>
+    </cs:fontRef>
+    <cs:spPr>
+      <a:ln w="9525" cap="flat" cmpd="sng" algn="ctr">
+        <a:solidFill>
+          <a:schemeClr val="tx1">
+            <a:lumMod val="35000"/>
+            <a:lumOff val="65000"/>
+          </a:schemeClr>
+        </a:solidFill>
+        <a:round/>
+      </a:ln>
+    </cs:spPr>
+  </cs:dropLine>
+  <cs:errorBar>
+    <cs:lnRef idx="0"/>
+    <cs:fillRef idx="0"/>
+    <cs:effectRef idx="0"/>
+    <cs:fontRef idx="minor">
+      <a:schemeClr val="tx1"/>
+    </cs:fontRef>
+    <cs:spPr>
+      <a:ln w="9525" cap="flat" cmpd="sng" algn="ctr">
+        <a:solidFill>
+          <a:schemeClr val="tx1">
+            <a:lumMod val="65000"/>
+            <a:lumOff val="35000"/>
+          </a:schemeClr>
+        </a:solidFill>
+        <a:round/>
+      </a:ln>
+    </cs:spPr>
+  </cs:errorBar>
+  <cs:floor>
+    <cs:lnRef idx="0"/>
+    <cs:fillRef idx="0"/>
+    <cs:effectRef idx="0"/>
+    <cs:fontRef idx="minor">
+      <a:schemeClr val="tx1"/>
+    </cs:fontRef>
+    <cs:spPr>
+      <a:noFill/>
+      <a:ln>
+        <a:noFill/>
+      </a:ln>
+    </cs:spPr>
+  </cs:floor>
+  <cs:gridlineMajor>
+    <cs:lnRef idx="0"/>
+    <cs:fillRef idx="0"/>
+    <cs:effectRef idx="0"/>
+    <cs:fontRef idx="minor">
+      <a:schemeClr val="tx1"/>
+    </cs:fontRef>
+    <cs:spPr>
+      <a:ln w="9525" cap="flat" cmpd="sng" algn="ctr">
+        <a:solidFill>
+          <a:schemeClr val="tx1">
+            <a:lumMod val="15000"/>
+            <a:lumOff val="85000"/>
+          </a:schemeClr>
+        </a:solidFill>
+        <a:round/>
+      </a:ln>
+    </cs:spPr>
+  </cs:gridlineMajor>
+  <cs:gridlineMinor>
+    <cs:lnRef idx="0"/>
+    <cs:fillRef idx="0"/>
+    <cs:effectRef idx="0"/>
+    <cs:fontRef idx="minor">
+      <a:schemeClr val="tx1"/>
+    </cs:fontRef>
+    <cs:spPr>
+      <a:ln w="9525" cap="flat" cmpd="sng" algn="ctr">
+        <a:solidFill>
+          <a:schemeClr val="tx1">
+            <a:lumMod val="5000"/>
+            <a:lumOff val="95000"/>
+          </a:schemeClr>
+        </a:solidFill>
+        <a:round/>
+      </a:ln>
+    </cs:spPr>
+  </cs:gridlineMinor>
+  <cs:hiLoLine>
+    <cs:lnRef idx="0"/>
+    <cs:fillRef idx="0"/>
+    <cs:effectRef idx="0"/>
+    <cs:fontRef idx="minor">
+      <a:schemeClr val="tx1"/>
+    </cs:fontRef>
+    <cs:spPr>
+      <a:ln w="9525" cap="flat" cmpd="sng" algn="ctr">
+        <a:solidFill>
+          <a:schemeClr val="tx1">
+            <a:lumMod val="75000"/>
+            <a:lumOff val="25000"/>
+          </a:schemeClr>
+        </a:solidFill>
+        <a:round/>
+      </a:ln>
+    </cs:spPr>
+  </cs:hiLoLine>
+  <cs:leaderLine>
+    <cs:lnRef idx="0"/>
+    <cs:fillRef idx="0"/>
+    <cs:effectRef idx="0"/>
+    <cs:fontRef idx="minor">
+      <a:schemeClr val="tx1"/>
+    </cs:fontRef>
+    <cs:spPr>
+      <a:ln w="9525" cap="flat" cmpd="sng" algn="ctr">
+        <a:solidFill>
+          <a:schemeClr val="tx1">
+            <a:lumMod val="35000"/>
+            <a:lumOff val="65000"/>
+          </a:schemeClr>
+        </a:solidFill>
+        <a:round/>
+      </a:ln>
+    </cs:spPr>
+  </cs:leaderLine>
+  <cs:legend>
+    <cs:lnRef idx="0"/>
+    <cs:fillRef idx="0"/>
+    <cs:effectRef idx="0"/>
+    <cs:fontRef idx="minor">
+      <a:schemeClr val="tx1">
+        <a:lumMod val="65000"/>
+        <a:lumOff val="35000"/>
+      </a:schemeClr>
+    </cs:fontRef>
+    <cs:defRPr sz="900" kern="1200"/>
+  </cs:legend>
+  <cs:plotArea mods="allowNoFillOverride allowNoLineOverride">
+    <cs:lnRef idx="0"/>
+    <cs:fillRef idx="0"/>
+    <cs:effectRef idx="0"/>
+    <cs:fontRef idx="minor">
+      <a:schemeClr val="tx1"/>
+    </cs:fontRef>
+  </cs:plotArea>
+  <cs:plotArea3D mods="allowNoFillOverride allowNoLineOverride">
+    <cs:lnRef idx="0"/>
+    <cs:fillRef idx="0"/>
+    <cs:effectRef idx="0"/>
+    <cs:fontRef idx="minor">
+      <a:schemeClr val="tx1"/>
+    </cs:fontRef>
+  </cs:plotArea3D>
+  <cs:seriesAxis>
+    <cs:lnRef idx="0"/>
+    <cs:fillRef idx="0"/>
+    <cs:effectRef idx="0"/>
+    <cs:fontRef idx="minor">
+      <a:schemeClr val="tx1">
+        <a:lumMod val="65000"/>
+        <a:lumOff val="35000"/>
+      </a:schemeClr>
+    </cs:fontRef>
+    <cs:defRPr sz="900" kern="1200"/>
+  </cs:seriesAxis>
+  <cs:seriesLine>
+    <cs:lnRef idx="0"/>
+    <cs:fillRef idx="0"/>
+    <cs:effectRef idx="0"/>
+    <cs:fontRef idx="minor">
+      <a:schemeClr val="tx1"/>
+    </cs:fontRef>
+    <cs:spPr>
+      <a:ln w="9525" cap="flat" cmpd="sng" algn="ctr">
+        <a:solidFill>
+          <a:schemeClr val="tx1">
+            <a:lumMod val="35000"/>
+            <a:lumOff val="65000"/>
+          </a:schemeClr>
+        </a:solidFill>
+        <a:round/>
+      </a:ln>
+    </cs:spPr>
+  </cs:seriesLine>
+  <cs:title>
+    <cs:lnRef idx="0"/>
+    <cs:fillRef idx="0"/>
+    <cs:effectRef idx="0"/>
+    <cs:fontRef idx="minor">
+      <a:schemeClr val="tx1">
+        <a:lumMod val="65000"/>
+        <a:lumOff val="35000"/>
+      </a:schemeClr>
+    </cs:fontRef>
+    <cs:defRPr sz="1400" b="0" kern="1200" spc="0" baseline="0"/>
+  </cs:title>
+  <cs:trendline>
+    <cs:lnRef idx="0">
+      <cs:styleClr val="auto"/>
+    </cs:lnRef>
+    <cs:fillRef idx="0"/>
+    <cs:effectRef idx="0"/>
+    <cs:fontRef idx="minor">
+      <a:schemeClr val="tx1"/>
+    </cs:fontRef>
+    <cs:spPr>
+      <a:ln w="19050" cap="rnd">
+        <a:solidFill>
+          <a:schemeClr val="phClr"/>
+        </a:solidFill>
+        <a:prstDash val="sysDot"/>
+      </a:ln>
+    </cs:spPr>
+  </cs:trendline>
+  <cs:trendlineLabel>
+    <cs:lnRef idx="0"/>
+    <cs:fillRef idx="0"/>
+    <cs:effectRef idx="0"/>
+    <cs:fontRef idx="minor">
+      <a:schemeClr val="tx1">
+        <a:lumMod val="65000"/>
+        <a:lumOff val="35000"/>
+      </a:schemeClr>
+    </cs:fontRef>
+    <cs:defRPr sz="900" kern="1200"/>
+  </cs:trendlineLabel>
+  <cs:upBar>
+    <cs:lnRef idx="0"/>
+    <cs:fillRef idx="0"/>
+    <cs:effectRef idx="0"/>
+    <cs:fontRef idx="minor">
+      <a:schemeClr val="dk1"/>
+    </cs:fontRef>
+    <cs:spPr>
+      <a:solidFill>
+        <a:schemeClr val="lt1"/>
+      </a:solidFill>
+      <a:ln w="9525">
+        <a:solidFill>
+          <a:schemeClr val="tx1">
+            <a:lumMod val="15000"/>
+            <a:lumOff val="85000"/>
+          </a:schemeClr>
+        </a:solidFill>
+      </a:ln>
+    </cs:spPr>
+  </cs:upBar>
+  <cs:valueAxis>
+    <cs:lnRef idx="0"/>
+    <cs:fillRef idx="0"/>
+    <cs:effectRef idx="0"/>
+    <cs:fontRef idx="minor">
+      <a:schemeClr val="tx1">
+        <a:lumMod val="65000"/>
+        <a:lumOff val="35000"/>
+      </a:schemeClr>
+    </cs:fontRef>
+    <cs:defRPr sz="900" kern="1200"/>
+  </cs:valueAxis>
+  <cs:wall>
+    <cs:lnRef idx="0"/>
+    <cs:fillRef idx="0"/>
+    <cs:effectRef idx="0"/>
+    <cs:fontRef idx="minor">
+      <a:schemeClr val="tx1"/>
+    </cs:fontRef>
+    <cs:spPr>
+      <a:noFill/>
+      <a:ln>
+        <a:noFill/>
+      </a:ln>
+    </cs:spPr>
+  </cs:wall>
+</cs:chartStyle>
+</file>
+
+<file path=ppt/charts/style22.xml><?xml version="1.0" encoding="utf-8"?>
+<cs:chartStyle xmlns:cs="http://schemas.microsoft.com/office/drawing/2012/chartStyle" xmlns:a="http://schemas.openxmlformats.org/drawingml/2006/main" id="201">
+  <cs:axisTitle>
+    <cs:lnRef idx="0"/>
+    <cs:fillRef idx="0"/>
+    <cs:effectRef idx="0"/>
+    <cs:fontRef idx="minor">
+      <a:schemeClr val="tx1">
+        <a:lumMod val="65000"/>
+        <a:lumOff val="35000"/>
+      </a:schemeClr>
+    </cs:fontRef>
+    <cs:defRPr sz="1000" kern="1200"/>
+  </cs:axisTitle>
+  <cs:categoryAxis>
+    <cs:lnRef idx="0"/>
+    <cs:fillRef idx="0"/>
+    <cs:effectRef idx="0"/>
+    <cs:fontRef idx="minor">
+      <a:schemeClr val="tx1">
+        <a:lumMod val="65000"/>
+        <a:lumOff val="35000"/>
+      </a:schemeClr>
+    </cs:fontRef>
+    <cs:spPr>
+      <a:ln w="9525" cap="flat" cmpd="sng" algn="ctr">
+        <a:solidFill>
+          <a:schemeClr val="tx1">
+            <a:lumMod val="15000"/>
+            <a:lumOff val="85000"/>
+          </a:schemeClr>
+        </a:solidFill>
+        <a:round/>
+      </a:ln>
+    </cs:spPr>
+    <cs:defRPr sz="900" kern="1200"/>
+  </cs:categoryAxis>
+  <cs:chartArea mods="allowNoFillOverride allowNoLineOverride">
+    <cs:lnRef idx="0"/>
+    <cs:fillRef idx="0"/>
+    <cs:effectRef idx="0"/>
+    <cs:fontRef idx="minor">
+      <a:schemeClr val="tx1"/>
+    </cs:fontRef>
+    <cs:spPr>
+      <a:solidFill>
+        <a:schemeClr val="bg1"/>
+      </a:solidFill>
+      <a:ln w="9525" cap="flat" cmpd="sng" algn="ctr">
+        <a:solidFill>
+          <a:schemeClr val="tx1">
+            <a:lumMod val="15000"/>
+            <a:lumOff val="85000"/>
+          </a:schemeClr>
+        </a:solidFill>
+        <a:round/>
+      </a:ln>
+    </cs:spPr>
+    <cs:defRPr sz="1000" kern="1200"/>
+  </cs:chartArea>
+  <cs:dataLabel>
+    <cs:lnRef idx="0"/>
+    <cs:fillRef idx="0"/>
+    <cs:effectRef idx="0"/>
+    <cs:fontRef idx="minor">
+      <a:schemeClr val="tx1">
+        <a:lumMod val="75000"/>
+        <a:lumOff val="25000"/>
+      </a:schemeClr>
+    </cs:fontRef>
+    <cs:defRPr sz="900" kern="1200"/>
+  </cs:dataLabel>
+  <cs:dataLabelCallout>
+    <cs:lnRef idx="0"/>
+    <cs:fillRef idx="0"/>
+    <cs:effectRef idx="0"/>
+    <cs:fontRef idx="minor">
+      <a:schemeClr val="dk1">
+        <a:lumMod val="65000"/>
+        <a:lumOff val="35000"/>
+      </a:schemeClr>
+    </cs:fontRef>
+    <cs:spPr>
+      <a:solidFill>
+        <a:schemeClr val="lt1"/>
+      </a:solidFill>
+      <a:ln>
+        <a:solidFill>
+          <a:schemeClr val="dk1">
+            <a:lumMod val="25000"/>
+            <a:lumOff val="75000"/>
+          </a:schemeClr>
+        </a:solidFill>
+      </a:ln>
+    </cs:spPr>
+    <cs:defRPr sz="900" kern="1200"/>
+    <cs:bodyPr rot="0" spcFirstLastPara="1" vertOverflow="clip" horzOverflow="clip" vert="horz" wrap="square" lIns="36576" tIns="18288" rIns="36576" bIns="18288" anchor="ctr" anchorCtr="1">
+      <a:spAutoFit/>
+    </cs:bodyPr>
+  </cs:dataLabelCallout>
+  <cs:dataPoint>
+    <cs:lnRef idx="0"/>
+    <cs:fillRef idx="1">
+      <cs:styleClr val="auto"/>
+    </cs:fillRef>
+    <cs:effectRef idx="0"/>
+    <cs:fontRef idx="minor">
+      <a:schemeClr val="tx1"/>
+    </cs:fontRef>
+  </cs:dataPoint>
+  <cs:dataPoint3D>
+    <cs:lnRef idx="0"/>
+    <cs:fillRef idx="1">
+      <cs:styleClr val="auto"/>
+    </cs:fillRef>
+    <cs:effectRef idx="0"/>
+    <cs:fontRef idx="minor">
+      <a:schemeClr val="tx1"/>
+    </cs:fontRef>
+  </cs:dataPoint3D>
+  <cs:dataPointLine>
+    <cs:lnRef idx="0">
+      <cs:styleClr val="auto"/>
+    </cs:lnRef>
+    <cs:fillRef idx="1"/>
+    <cs:effectRef idx="0"/>
+    <cs:fontRef idx="minor">
+      <a:schemeClr val="tx1"/>
+    </cs:fontRef>
+    <cs:spPr>
+      <a:ln w="28575" cap="rnd">
+        <a:solidFill>
+          <a:schemeClr val="phClr"/>
+        </a:solidFill>
+        <a:round/>
+      </a:ln>
+    </cs:spPr>
+  </cs:dataPointLine>
+  <cs:dataPointMarker>
+    <cs:lnRef idx="0">
+      <cs:styleClr val="auto"/>
+    </cs:lnRef>
+    <cs:fillRef idx="1">
+      <cs:styleClr val="auto"/>
+    </cs:fillRef>
+    <cs:effectRef idx="0"/>
+    <cs:fontRef idx="minor">
+      <a:schemeClr val="tx1"/>
+    </cs:fontRef>
+    <cs:spPr>
+      <a:ln w="9525">
+        <a:solidFill>
+          <a:schemeClr val="phClr"/>
+        </a:solidFill>
+      </a:ln>
+    </cs:spPr>
+  </cs:dataPointMarker>
+  <cs:dataPointMarkerLayout symbol="circle" size="5"/>
+  <cs:dataPointWireframe>
+    <cs:lnRef idx="0">
+      <cs:styleClr val="auto"/>
+    </cs:lnRef>
+    <cs:fillRef idx="1"/>
+    <cs:effectRef idx="0"/>
+    <cs:fontRef idx="minor">
+      <a:schemeClr val="tx1"/>
+    </cs:fontRef>
+    <cs:spPr>
+      <a:ln w="9525" cap="rnd">
+        <a:solidFill>
+          <a:schemeClr val="phClr"/>
+        </a:solidFill>
+        <a:round/>
+      </a:ln>
+    </cs:spPr>
+  </cs:dataPointWireframe>
+  <cs:dataTable>
+    <cs:lnRef idx="0"/>
+    <cs:fillRef idx="0"/>
+    <cs:effectRef idx="0"/>
+    <cs:fontRef idx="minor">
+      <a:schemeClr val="tx1">
+        <a:lumMod val="65000"/>
+        <a:lumOff val="35000"/>
+      </a:schemeClr>
+    </cs:fontRef>
+    <cs:spPr>
+      <a:noFill/>
+      <a:ln w="9525" cap="flat" cmpd="sng" algn="ctr">
+        <a:solidFill>
+          <a:schemeClr val="tx1">
+            <a:lumMod val="15000"/>
+            <a:lumOff val="85000"/>
+          </a:schemeClr>
+        </a:solidFill>
+        <a:round/>
+      </a:ln>
+    </cs:spPr>
+    <cs:defRPr sz="900" kern="1200"/>
+  </cs:dataTable>
+  <cs:downBar>
+    <cs:lnRef idx="0"/>
+    <cs:fillRef idx="0"/>
+    <cs:effectRef idx="0"/>
+    <cs:fontRef idx="minor">
+      <a:schemeClr val="dk1"/>
+    </cs:fontRef>
+    <cs:spPr>
+      <a:solidFill>
+        <a:schemeClr val="dk1">
+          <a:lumMod val="65000"/>
+          <a:lumOff val="35000"/>
+        </a:schemeClr>
+      </a:solidFill>
+      <a:ln w="9525">
+        <a:solidFill>
+          <a:schemeClr val="tx1">
+            <a:lumMod val="65000"/>
+            <a:lumOff val="35000"/>
+          </a:schemeClr>
+        </a:solidFill>
+      </a:ln>
+    </cs:spPr>
+  </cs:downBar>
+  <cs:dropLine>
+    <cs:lnRef idx="0"/>
+    <cs:fillRef idx="0"/>
+    <cs:effectRef idx="0"/>
+    <cs:fontRef idx="minor">
+      <a:schemeClr val="tx1"/>
+    </cs:fontRef>
+    <cs:spPr>
+      <a:ln w="9525" cap="flat" cmpd="sng" algn="ctr">
+        <a:solidFill>
+          <a:schemeClr val="tx1">
+            <a:lumMod val="35000"/>
+            <a:lumOff val="65000"/>
+          </a:schemeClr>
+        </a:solidFill>
+        <a:round/>
+      </a:ln>
+    </cs:spPr>
+  </cs:dropLine>
+  <cs:errorBar>
+    <cs:lnRef idx="0"/>
+    <cs:fillRef idx="0"/>
+    <cs:effectRef idx="0"/>
+    <cs:fontRef idx="minor">
+      <a:schemeClr val="tx1"/>
+    </cs:fontRef>
+    <cs:spPr>
+      <a:ln w="9525" cap="flat" cmpd="sng" algn="ctr">
+        <a:solidFill>
+          <a:schemeClr val="tx1">
+            <a:lumMod val="65000"/>
+            <a:lumOff val="35000"/>
+          </a:schemeClr>
+        </a:solidFill>
+        <a:round/>
+      </a:ln>
+    </cs:spPr>
+  </cs:errorBar>
+  <cs:floor>
+    <cs:lnRef idx="0"/>
+    <cs:fillRef idx="0"/>
+    <cs:effectRef idx="0"/>
+    <cs:fontRef idx="minor">
+      <a:schemeClr val="tx1"/>
+    </cs:fontRef>
+    <cs:spPr>
+      <a:noFill/>
+      <a:ln>
+        <a:noFill/>
+      </a:ln>
+    </cs:spPr>
+  </cs:floor>
+  <cs:gridlineMajor>
+    <cs:lnRef idx="0"/>
+    <cs:fillRef idx="0"/>
+    <cs:effectRef idx="0"/>
+    <cs:fontRef idx="minor">
+      <a:schemeClr val="tx1"/>
+    </cs:fontRef>
+    <cs:spPr>
+      <a:ln w="9525" cap="flat" cmpd="sng" algn="ctr">
+        <a:solidFill>
+          <a:schemeClr val="tx1">
+            <a:lumMod val="15000"/>
+            <a:lumOff val="85000"/>
+          </a:schemeClr>
+        </a:solidFill>
+        <a:round/>
+      </a:ln>
+    </cs:spPr>
+  </cs:gridlineMajor>
+  <cs:gridlineMinor>
+    <cs:lnRef idx="0"/>
+    <cs:fillRef idx="0"/>
+    <cs:effectRef idx="0"/>
+    <cs:fontRef idx="minor">
+      <a:schemeClr val="tx1"/>
+    </cs:fontRef>
+    <cs:spPr>
+      <a:ln w="9525" cap="flat" cmpd="sng" algn="ctr">
+        <a:solidFill>
+          <a:schemeClr val="tx1">
+            <a:lumMod val="5000"/>
+            <a:lumOff val="95000"/>
+          </a:schemeClr>
+        </a:solidFill>
+        <a:round/>
+      </a:ln>
+    </cs:spPr>
+  </cs:gridlineMinor>
+  <cs:hiLoLine>
+    <cs:lnRef idx="0"/>
+    <cs:fillRef idx="0"/>
+    <cs:effectRef idx="0"/>
+    <cs:fontRef idx="minor">
+      <a:schemeClr val="tx1"/>
+    </cs:fontRef>
+    <cs:spPr>
+      <a:ln w="9525" cap="flat" cmpd="sng" algn="ctr">
+        <a:solidFill>
+          <a:schemeClr val="tx1">
+            <a:lumMod val="75000"/>
+            <a:lumOff val="25000"/>
+          </a:schemeClr>
+        </a:solidFill>
+        <a:round/>
+      </a:ln>
+    </cs:spPr>
+  </cs:hiLoLine>
+  <cs:leaderLine>
+    <cs:lnRef idx="0"/>
+    <cs:fillRef idx="0"/>
+    <cs:effectRef idx="0"/>
+    <cs:fontRef idx="minor">
+      <a:schemeClr val="tx1"/>
+    </cs:fontRef>
+    <cs:spPr>
+      <a:ln w="9525" cap="flat" cmpd="sng" algn="ctr">
+        <a:solidFill>
+          <a:schemeClr val="tx1">
+            <a:lumMod val="35000"/>
+            <a:lumOff val="65000"/>
+          </a:schemeClr>
+        </a:solidFill>
+        <a:round/>
+      </a:ln>
+    </cs:spPr>
+  </cs:leaderLine>
+  <cs:legend>
+    <cs:lnRef idx="0"/>
+    <cs:fillRef idx="0"/>
+    <cs:effectRef idx="0"/>
+    <cs:fontRef idx="minor">
+      <a:schemeClr val="tx1">
+        <a:lumMod val="65000"/>
+        <a:lumOff val="35000"/>
+      </a:schemeClr>
+    </cs:fontRef>
+    <cs:defRPr sz="900" kern="1200"/>
+  </cs:legend>
+  <cs:plotArea mods="allowNoFillOverride allowNoLineOverride">
+    <cs:lnRef idx="0"/>
+    <cs:fillRef idx="0"/>
+    <cs:effectRef idx="0"/>
+    <cs:fontRef idx="minor">
+      <a:schemeClr val="tx1"/>
+    </cs:fontRef>
+  </cs:plotArea>
+  <cs:plotArea3D mods="allowNoFillOverride allowNoLineOverride">
+    <cs:lnRef idx="0"/>
+    <cs:fillRef idx="0"/>
+    <cs:effectRef idx="0"/>
+    <cs:fontRef idx="minor">
+      <a:schemeClr val="tx1"/>
+    </cs:fontRef>
+  </cs:plotArea3D>
+  <cs:seriesAxis>
+    <cs:lnRef idx="0"/>
+    <cs:fillRef idx="0"/>
+    <cs:effectRef idx="0"/>
+    <cs:fontRef idx="minor">
+      <a:schemeClr val="tx1">
+        <a:lumMod val="65000"/>
+        <a:lumOff val="35000"/>
+      </a:schemeClr>
+    </cs:fontRef>
+    <cs:defRPr sz="900" kern="1200"/>
+  </cs:seriesAxis>
+  <cs:seriesLine>
+    <cs:lnRef idx="0"/>
+    <cs:fillRef idx="0"/>
+    <cs:effectRef idx="0"/>
+    <cs:fontRef idx="minor">
+      <a:schemeClr val="tx1"/>
+    </cs:fontRef>
+    <cs:spPr>
+      <a:ln w="9525" cap="flat" cmpd="sng" algn="ctr">
+        <a:solidFill>
+          <a:schemeClr val="tx1">
+            <a:lumMod val="35000"/>
+            <a:lumOff val="65000"/>
+          </a:schemeClr>
+        </a:solidFill>
+        <a:round/>
+      </a:ln>
+    </cs:spPr>
+  </cs:seriesLine>
+  <cs:title>
+    <cs:lnRef idx="0"/>
+    <cs:fillRef idx="0"/>
+    <cs:effectRef idx="0"/>
+    <cs:fontRef idx="minor">
+      <a:schemeClr val="tx1">
+        <a:lumMod val="65000"/>
+        <a:lumOff val="35000"/>
+      </a:schemeClr>
+    </cs:fontRef>
+    <cs:defRPr sz="1400" b="0" kern="1200" spc="0" baseline="0"/>
+  </cs:title>
+  <cs:trendline>
+    <cs:lnRef idx="0">
+      <cs:styleClr val="auto"/>
+    </cs:lnRef>
+    <cs:fillRef idx="0"/>
+    <cs:effectRef idx="0"/>
+    <cs:fontRef idx="minor">
+      <a:schemeClr val="tx1"/>
+    </cs:fontRef>
+    <cs:spPr>
+      <a:ln w="19050" cap="rnd">
+        <a:solidFill>
+          <a:schemeClr val="phClr"/>
+        </a:solidFill>
+        <a:prstDash val="sysDot"/>
+      </a:ln>
+    </cs:spPr>
+  </cs:trendline>
+  <cs:trendlineLabel>
+    <cs:lnRef idx="0"/>
+    <cs:fillRef idx="0"/>
+    <cs:effectRef idx="0"/>
+    <cs:fontRef idx="minor">
+      <a:schemeClr val="tx1">
+        <a:lumMod val="65000"/>
+        <a:lumOff val="35000"/>
+      </a:schemeClr>
+    </cs:fontRef>
+    <cs:defRPr sz="900" kern="1200"/>
+  </cs:trendlineLabel>
+  <cs:upBar>
+    <cs:lnRef idx="0"/>
+    <cs:fillRef idx="0"/>
+    <cs:effectRef idx="0"/>
+    <cs:fontRef idx="minor">
+      <a:schemeClr val="dk1"/>
+    </cs:fontRef>
+    <cs:spPr>
+      <a:solidFill>
+        <a:schemeClr val="lt1"/>
+      </a:solidFill>
+      <a:ln w="9525">
+        <a:solidFill>
+          <a:schemeClr val="tx1">
+            <a:lumMod val="15000"/>
+            <a:lumOff val="85000"/>
+          </a:schemeClr>
+        </a:solidFill>
+      </a:ln>
+    </cs:spPr>
+  </cs:upBar>
+  <cs:valueAxis>
+    <cs:lnRef idx="0"/>
+    <cs:fillRef idx="0"/>
+    <cs:effectRef idx="0"/>
+    <cs:fontRef idx="minor">
+      <a:schemeClr val="tx1">
+        <a:lumMod val="65000"/>
+        <a:lumOff val="35000"/>
+      </a:schemeClr>
+    </cs:fontRef>
+    <cs:defRPr sz="900" kern="1200"/>
+  </cs:valueAxis>
+  <cs:wall>
+    <cs:lnRef idx="0"/>
+    <cs:fillRef idx="0"/>
+    <cs:effectRef idx="0"/>
+    <cs:fontRef idx="minor">
+      <a:schemeClr val="tx1"/>
+    </cs:fontRef>
+    <cs:spPr>
+      <a:noFill/>
+      <a:ln>
+        <a:noFill/>
+      </a:ln>
+    </cs:spPr>
+  </cs:wall>
+</cs:chartStyle>
+</file>
+
+<file path=ppt/charts/style23.xml><?xml version="1.0" encoding="utf-8"?>
+<cs:chartStyle xmlns:cs="http://schemas.microsoft.com/office/drawing/2012/chartStyle" xmlns:a="http://schemas.openxmlformats.org/drawingml/2006/main" id="201">
+  <cs:axisTitle>
+    <cs:lnRef idx="0"/>
+    <cs:fillRef idx="0"/>
+    <cs:effectRef idx="0"/>
+    <cs:fontRef idx="minor">
+      <a:schemeClr val="tx1">
+        <a:lumMod val="65000"/>
+        <a:lumOff val="35000"/>
+      </a:schemeClr>
+    </cs:fontRef>
+    <cs:defRPr sz="1000" kern="1200"/>
+  </cs:axisTitle>
+  <cs:categoryAxis>
+    <cs:lnRef idx="0"/>
+    <cs:fillRef idx="0"/>
+    <cs:effectRef idx="0"/>
+    <cs:fontRef idx="minor">
+      <a:schemeClr val="tx1">
+        <a:lumMod val="65000"/>
+        <a:lumOff val="35000"/>
+      </a:schemeClr>
+    </cs:fontRef>
+    <cs:spPr>
+      <a:ln w="9525" cap="flat" cmpd="sng" algn="ctr">
+        <a:solidFill>
+          <a:schemeClr val="tx1">
+            <a:lumMod val="15000"/>
+            <a:lumOff val="85000"/>
+          </a:schemeClr>
+        </a:solidFill>
+        <a:round/>
+      </a:ln>
+    </cs:spPr>
+    <cs:defRPr sz="900" kern="1200"/>
+  </cs:categoryAxis>
+  <cs:chartArea mods="allowNoFillOverride allowNoLineOverride">
+    <cs:lnRef idx="0"/>
+    <cs:fillRef idx="0"/>
+    <cs:effectRef idx="0"/>
+    <cs:fontRef idx="minor">
+      <a:schemeClr val="tx1"/>
+    </cs:fontRef>
+    <cs:spPr>
+      <a:solidFill>
+        <a:schemeClr val="bg1"/>
+      </a:solidFill>
+      <a:ln w="9525" cap="flat" cmpd="sng" algn="ctr">
+        <a:solidFill>
+          <a:schemeClr val="tx1">
+            <a:lumMod val="15000"/>
+            <a:lumOff val="85000"/>
+          </a:schemeClr>
+        </a:solidFill>
+        <a:round/>
+      </a:ln>
+    </cs:spPr>
+    <cs:defRPr sz="1000" kern="1200"/>
+  </cs:chartArea>
+  <cs:dataLabel>
+    <cs:lnRef idx="0"/>
+    <cs:fillRef idx="0"/>
+    <cs:effectRef idx="0"/>
+    <cs:fontRef idx="minor">
+      <a:schemeClr val="tx1">
+        <a:lumMod val="75000"/>
+        <a:lumOff val="25000"/>
+      </a:schemeClr>
+    </cs:fontRef>
+    <cs:defRPr sz="900" kern="1200"/>
+  </cs:dataLabel>
+  <cs:dataLabelCallout>
+    <cs:lnRef idx="0"/>
+    <cs:fillRef idx="0"/>
+    <cs:effectRef idx="0"/>
+    <cs:fontRef idx="minor">
+      <a:schemeClr val="dk1">
+        <a:lumMod val="65000"/>
+        <a:lumOff val="35000"/>
+      </a:schemeClr>
+    </cs:fontRef>
+    <cs:spPr>
+      <a:solidFill>
+        <a:schemeClr val="lt1"/>
+      </a:solidFill>
+      <a:ln>
+        <a:solidFill>
+          <a:schemeClr val="dk1">
+            <a:lumMod val="25000"/>
+            <a:lumOff val="75000"/>
+          </a:schemeClr>
+        </a:solidFill>
+      </a:ln>
+    </cs:spPr>
+    <cs:defRPr sz="900" kern="1200"/>
+    <cs:bodyPr rot="0" spcFirstLastPara="1" vertOverflow="clip" horzOverflow="clip" vert="horz" wrap="square" lIns="36576" tIns="18288" rIns="36576" bIns="18288" anchor="ctr" anchorCtr="1">
+      <a:spAutoFit/>
+    </cs:bodyPr>
+  </cs:dataLabelCallout>
+  <cs:dataPoint>
+    <cs:lnRef idx="0"/>
+    <cs:fillRef idx="1">
+      <cs:styleClr val="auto"/>
+    </cs:fillRef>
+    <cs:effectRef idx="0"/>
+    <cs:fontRef idx="minor">
+      <a:schemeClr val="tx1"/>
+    </cs:fontRef>
+  </cs:dataPoint>
+  <cs:dataPoint3D>
+    <cs:lnRef idx="0"/>
+    <cs:fillRef idx="1">
+      <cs:styleClr val="auto"/>
+    </cs:fillRef>
+    <cs:effectRef idx="0"/>
+    <cs:fontRef idx="minor">
+      <a:schemeClr val="tx1"/>
+    </cs:fontRef>
+  </cs:dataPoint3D>
+  <cs:dataPointLine>
+    <cs:lnRef idx="0">
+      <cs:styleClr val="auto"/>
+    </cs:lnRef>
+    <cs:fillRef idx="1"/>
+    <cs:effectRef idx="0"/>
+    <cs:fontRef idx="minor">
+      <a:schemeClr val="tx1"/>
+    </cs:fontRef>
+    <cs:spPr>
+      <a:ln w="28575" cap="rnd">
+        <a:solidFill>
+          <a:schemeClr val="phClr"/>
+        </a:solidFill>
+        <a:round/>
+      </a:ln>
+    </cs:spPr>
+  </cs:dataPointLine>
+  <cs:dataPointMarker>
+    <cs:lnRef idx="0">
+      <cs:styleClr val="auto"/>
+    </cs:lnRef>
+    <cs:fillRef idx="1">
+      <cs:styleClr val="auto"/>
+    </cs:fillRef>
+    <cs:effectRef idx="0"/>
+    <cs:fontRef idx="minor">
+      <a:schemeClr val="tx1"/>
+    </cs:fontRef>
+    <cs:spPr>
+      <a:ln w="9525">
+        <a:solidFill>
+          <a:schemeClr val="phClr"/>
+        </a:solidFill>
+      </a:ln>
+    </cs:spPr>
+  </cs:dataPointMarker>
+  <cs:dataPointMarkerLayout symbol="circle" size="5"/>
+  <cs:dataPointWireframe>
+    <cs:lnRef idx="0">
+      <cs:styleClr val="auto"/>
+    </cs:lnRef>
+    <cs:fillRef idx="1"/>
+    <cs:effectRef idx="0"/>
+    <cs:fontRef idx="minor">
+      <a:schemeClr val="tx1"/>
+    </cs:fontRef>
+    <cs:spPr>
+      <a:ln w="9525" cap="rnd">
+        <a:solidFill>
+          <a:schemeClr val="phClr"/>
+        </a:solidFill>
+        <a:round/>
+      </a:ln>
+    </cs:spPr>
+  </cs:dataPointWireframe>
+  <cs:dataTable>
+    <cs:lnRef idx="0"/>
+    <cs:fillRef idx="0"/>
+    <cs:effectRef idx="0"/>
+    <cs:fontRef idx="minor">
+      <a:schemeClr val="tx1">
+        <a:lumMod val="65000"/>
+        <a:lumOff val="35000"/>
+      </a:schemeClr>
+    </cs:fontRef>
+    <cs:spPr>
+      <a:noFill/>
+      <a:ln w="9525" cap="flat" cmpd="sng" algn="ctr">
+        <a:solidFill>
+          <a:schemeClr val="tx1">
+            <a:lumMod val="15000"/>
+            <a:lumOff val="85000"/>
+          </a:schemeClr>
+        </a:solidFill>
+        <a:round/>
+      </a:ln>
+    </cs:spPr>
+    <cs:defRPr sz="900" kern="1200"/>
+  </cs:dataTable>
+  <cs:downBar>
+    <cs:lnRef idx="0"/>
+    <cs:fillRef idx="0"/>
+    <cs:effectRef idx="0"/>
+    <cs:fontRef idx="minor">
+      <a:schemeClr val="dk1"/>
+    </cs:fontRef>
+    <cs:spPr>
+      <a:solidFill>
+        <a:schemeClr val="dk1">
+          <a:lumMod val="65000"/>
+          <a:lumOff val="35000"/>
+        </a:schemeClr>
+      </a:solidFill>
+      <a:ln w="9525">
+        <a:solidFill>
+          <a:schemeClr val="tx1">
+            <a:lumMod val="65000"/>
+            <a:lumOff val="35000"/>
+          </a:schemeClr>
+        </a:solidFill>
+      </a:ln>
+    </cs:spPr>
+  </cs:downBar>
+  <cs:dropLine>
+    <cs:lnRef idx="0"/>
+    <cs:fillRef idx="0"/>
+    <cs:effectRef idx="0"/>
+    <cs:fontRef idx="minor">
+      <a:schemeClr val="tx1"/>
+    </cs:fontRef>
+    <cs:spPr>
+      <a:ln w="9525" cap="flat" cmpd="sng" algn="ctr">
+        <a:solidFill>
+          <a:schemeClr val="tx1">
+            <a:lumMod val="35000"/>
+            <a:lumOff val="65000"/>
+          </a:schemeClr>
+        </a:solidFill>
+        <a:round/>
+      </a:ln>
+    </cs:spPr>
+  </cs:dropLine>
+  <cs:errorBar>
+    <cs:lnRef idx="0"/>
+    <cs:fillRef idx="0"/>
+    <cs:effectRef idx="0"/>
+    <cs:fontRef idx="minor">
+      <a:schemeClr val="tx1"/>
+    </cs:fontRef>
+    <cs:spPr>
+      <a:ln w="9525" cap="flat" cmpd="sng" algn="ctr">
+        <a:solidFill>
+          <a:schemeClr val="tx1">
+            <a:lumMod val="65000"/>
+            <a:lumOff val="35000"/>
+          </a:schemeClr>
+        </a:solidFill>
+        <a:round/>
+      </a:ln>
+    </cs:spPr>
+  </cs:errorBar>
+  <cs:floor>
+    <cs:lnRef idx="0"/>
+    <cs:fillRef idx="0"/>
+    <cs:effectRef idx="0"/>
+    <cs:fontRef idx="minor">
+      <a:schemeClr val="tx1"/>
+    </cs:fontRef>
+    <cs:spPr>
+      <a:noFill/>
+      <a:ln>
+        <a:noFill/>
+      </a:ln>
+    </cs:spPr>
+  </cs:floor>
+  <cs:gridlineMajor>
+    <cs:lnRef idx="0"/>
+    <cs:fillRef idx="0"/>
+    <cs:effectRef idx="0"/>
+    <cs:fontRef idx="minor">
+      <a:schemeClr val="tx1"/>
+    </cs:fontRef>
+    <cs:spPr>
+      <a:ln w="9525" cap="flat" cmpd="sng" algn="ctr">
+        <a:solidFill>
+          <a:schemeClr val="tx1">
+            <a:lumMod val="15000"/>
+            <a:lumOff val="85000"/>
+          </a:schemeClr>
+        </a:solidFill>
+        <a:round/>
+      </a:ln>
+    </cs:spPr>
+  </cs:gridlineMajor>
+  <cs:gridlineMinor>
+    <cs:lnRef idx="0"/>
+    <cs:fillRef idx="0"/>
+    <cs:effectRef idx="0"/>
+    <cs:fontRef idx="minor">
+      <a:schemeClr val="tx1"/>
+    </cs:fontRef>
+    <cs:spPr>
+      <a:ln w="9525" cap="flat" cmpd="sng" algn="ctr">
+        <a:solidFill>
+          <a:schemeClr val="tx1">
+            <a:lumMod val="5000"/>
+            <a:lumOff val="95000"/>
+          </a:schemeClr>
+        </a:solidFill>
+        <a:round/>
+      </a:ln>
+    </cs:spPr>
+  </cs:gridlineMinor>
+  <cs:hiLoLine>
+    <cs:lnRef idx="0"/>
+    <cs:fillRef idx="0"/>
+    <cs:effectRef idx="0"/>
+    <cs:fontRef idx="minor">
+      <a:schemeClr val="tx1"/>
+    </cs:fontRef>
+    <cs:spPr>
+      <a:ln w="9525" cap="flat" cmpd="sng" algn="ctr">
+        <a:solidFill>
+          <a:schemeClr val="tx1">
+            <a:lumMod val="75000"/>
+            <a:lumOff val="25000"/>
+          </a:schemeClr>
+        </a:solidFill>
+        <a:round/>
+      </a:ln>
+    </cs:spPr>
+  </cs:hiLoLine>
+  <cs:leaderLine>
+    <cs:lnRef idx="0"/>
+    <cs:fillRef idx="0"/>
+    <cs:effectRef idx="0"/>
+    <cs:fontRef idx="minor">
+      <a:schemeClr val="tx1"/>
+    </cs:fontRef>
+    <cs:spPr>
+      <a:ln w="9525" cap="flat" cmpd="sng" algn="ctr">
+        <a:solidFill>
+          <a:schemeClr val="tx1">
+            <a:lumMod val="35000"/>
+            <a:lumOff val="65000"/>
+          </a:schemeClr>
+        </a:solidFill>
+        <a:round/>
+      </a:ln>
+    </cs:spPr>
+  </cs:leaderLine>
+  <cs:legend>
+    <cs:lnRef idx="0"/>
+    <cs:fillRef idx="0"/>
+    <cs:effectRef idx="0"/>
+    <cs:fontRef idx="minor">
+      <a:schemeClr val="tx1">
+        <a:lumMod val="65000"/>
+        <a:lumOff val="35000"/>
+      </a:schemeClr>
+    </cs:fontRef>
+    <cs:defRPr sz="900" kern="1200"/>
+  </cs:legend>
+  <cs:plotArea mods="allowNoFillOverride allowNoLineOverride">
+    <cs:lnRef idx="0"/>
+    <cs:fillRef idx="0"/>
+    <cs:effectRef idx="0"/>
+    <cs:fontRef idx="minor">
+      <a:schemeClr val="tx1"/>
+    </cs:fontRef>
+  </cs:plotArea>
+  <cs:plotArea3D mods="allowNoFillOverride allowNoLineOverride">
+    <cs:lnRef idx="0"/>
+    <cs:fillRef idx="0"/>
+    <cs:effectRef idx="0"/>
+    <cs:fontRef idx="minor">
+      <a:schemeClr val="tx1"/>
+    </cs:fontRef>
+  </cs:plotArea3D>
+  <cs:seriesAxis>
+    <cs:lnRef idx="0"/>
+    <cs:fillRef idx="0"/>
+    <cs:effectRef idx="0"/>
+    <cs:fontRef idx="minor">
+      <a:schemeClr val="tx1">
+        <a:lumMod val="65000"/>
+        <a:lumOff val="35000"/>
+      </a:schemeClr>
+    </cs:fontRef>
+    <cs:defRPr sz="900" kern="1200"/>
+  </cs:seriesAxis>
+  <cs:seriesLine>
+    <cs:lnRef idx="0"/>
+    <cs:fillRef idx="0"/>
+    <cs:effectRef idx="0"/>
+    <cs:fontRef idx="minor">
+      <a:schemeClr val="tx1"/>
+    </cs:fontRef>
+    <cs:spPr>
+      <a:ln w="9525" cap="flat" cmpd="sng" algn="ctr">
+        <a:solidFill>
+          <a:schemeClr val="tx1">
+            <a:lumMod val="35000"/>
+            <a:lumOff val="65000"/>
+          </a:schemeClr>
+        </a:solidFill>
+        <a:round/>
+      </a:ln>
+    </cs:spPr>
+  </cs:seriesLine>
+  <cs:title>
+    <cs:lnRef idx="0"/>
+    <cs:fillRef idx="0"/>
+    <cs:effectRef idx="0"/>
+    <cs:fontRef idx="minor">
+      <a:schemeClr val="tx1">
+        <a:lumMod val="65000"/>
+        <a:lumOff val="35000"/>
+      </a:schemeClr>
+    </cs:fontRef>
+    <cs:defRPr sz="1400" b="0" kern="1200" spc="0" baseline="0"/>
+  </cs:title>
+  <cs:trendline>
+    <cs:lnRef idx="0">
+      <cs:styleClr val="auto"/>
+    </cs:lnRef>
+    <cs:fillRef idx="0"/>
+    <cs:effectRef idx="0"/>
+    <cs:fontRef idx="minor">
+      <a:schemeClr val="tx1"/>
+    </cs:fontRef>
+    <cs:spPr>
+      <a:ln w="19050" cap="rnd">
+        <a:solidFill>
+          <a:schemeClr val="phClr"/>
+        </a:solidFill>
+        <a:prstDash val="sysDot"/>
+      </a:ln>
+    </cs:spPr>
+  </cs:trendline>
+  <cs:trendlineLabel>
+    <cs:lnRef idx="0"/>
+    <cs:fillRef idx="0"/>
+    <cs:effectRef idx="0"/>
+    <cs:fontRef idx="minor">
+      <a:schemeClr val="tx1">
+        <a:lumMod val="65000"/>
+        <a:lumOff val="35000"/>
+      </a:schemeClr>
+    </cs:fontRef>
+    <cs:defRPr sz="900" kern="1200"/>
+  </cs:trendlineLabel>
+  <cs:upBar>
+    <cs:lnRef idx="0"/>
+    <cs:fillRef idx="0"/>
+    <cs:effectRef idx="0"/>
+    <cs:fontRef idx="minor">
+      <a:schemeClr val="dk1"/>
+    </cs:fontRef>
+    <cs:spPr>
+      <a:solidFill>
+        <a:schemeClr val="lt1"/>
+      </a:solidFill>
+      <a:ln w="9525">
+        <a:solidFill>
+          <a:schemeClr val="tx1">
+            <a:lumMod val="15000"/>
+            <a:lumOff val="85000"/>
+          </a:schemeClr>
+        </a:solidFill>
+      </a:ln>
+    </cs:spPr>
+  </cs:upBar>
+  <cs:valueAxis>
+    <cs:lnRef idx="0"/>
+    <cs:fillRef idx="0"/>
+    <cs:effectRef idx="0"/>
+    <cs:fontRef idx="minor">
+      <a:schemeClr val="tx1">
+        <a:lumMod val="65000"/>
+        <a:lumOff val="35000"/>
+      </a:schemeClr>
+    </cs:fontRef>
+    <cs:defRPr sz="900" kern="1200"/>
+  </cs:valueAxis>
+  <cs:wall>
+    <cs:lnRef idx="0"/>
+    <cs:fillRef idx="0"/>
+    <cs:effectRef idx="0"/>
+    <cs:fontRef idx="minor">
+      <a:schemeClr val="tx1"/>
+    </cs:fontRef>
+    <cs:spPr>
+      <a:noFill/>
+      <a:ln>
+        <a:noFill/>
+      </a:ln>
+    </cs:spPr>
+  </cs:wall>
+</cs:chartStyle>
+</file>
+
 <file path=ppt/charts/style3.xml><?xml version="1.0" encoding="utf-8"?>
 <cs:chartStyle xmlns:cs="http://schemas.microsoft.com/office/drawing/2012/chartStyle" xmlns:a="http://schemas.openxmlformats.org/drawingml/2006/main" id="201">
   <cs:axisTitle>
@@ -20174,7 +23141,7 @@
           <a:p>
             <a:fld id="{999CF456-4807-431B-AEB3-B202DEBCABA5}" type="datetimeFigureOut">
               <a:rPr lang="zh-CN" altLang="en-US" smtClean="0"/>
-              <a:t>2020/2/16</a:t>
+              <a:t>2020/2/17</a:t>
             </a:fld>
             <a:endParaRPr lang="zh-CN" altLang="en-US"/>
           </a:p>
@@ -20621,7 +23588,7 @@
             <a:fld id="{530820CF-B880-4189-942D-D702A7CBA730}" type="datetimeFigureOut">
               <a:rPr lang="zh-CN" altLang="en-US" smtClean="0"/>
               <a:pPr/>
-              <a:t>2020/2/16</a:t>
+              <a:t>2020/2/17</a:t>
             </a:fld>
             <a:endParaRPr lang="zh-CN" altLang="en-US"/>
           </a:p>
@@ -20786,7 +23753,7 @@
             <a:fld id="{530820CF-B880-4189-942D-D702A7CBA730}" type="datetimeFigureOut">
               <a:rPr lang="zh-CN" altLang="en-US" smtClean="0"/>
               <a:pPr/>
-              <a:t>2020/2/16</a:t>
+              <a:t>2020/2/17</a:t>
             </a:fld>
             <a:endParaRPr lang="zh-CN" altLang="en-US"/>
           </a:p>
@@ -20961,7 +23928,7 @@
             <a:fld id="{530820CF-B880-4189-942D-D702A7CBA730}" type="datetimeFigureOut">
               <a:rPr lang="zh-CN" altLang="en-US" smtClean="0"/>
               <a:pPr/>
-              <a:t>2020/2/16</a:t>
+              <a:t>2020/2/17</a:t>
             </a:fld>
             <a:endParaRPr lang="zh-CN" altLang="en-US"/>
           </a:p>
@@ -21126,7 +24093,7 @@
             <a:fld id="{530820CF-B880-4189-942D-D702A7CBA730}" type="datetimeFigureOut">
               <a:rPr lang="zh-CN" altLang="en-US" smtClean="0"/>
               <a:pPr/>
-              <a:t>2020/2/16</a:t>
+              <a:t>2020/2/17</a:t>
             </a:fld>
             <a:endParaRPr lang="zh-CN" altLang="en-US"/>
           </a:p>
@@ -21368,7 +24335,7 @@
             <a:fld id="{530820CF-B880-4189-942D-D702A7CBA730}" type="datetimeFigureOut">
               <a:rPr lang="zh-CN" altLang="en-US" smtClean="0"/>
               <a:pPr/>
-              <a:t>2020/2/16</a:t>
+              <a:t>2020/2/17</a:t>
             </a:fld>
             <a:endParaRPr lang="zh-CN" altLang="en-US"/>
           </a:p>
@@ -21650,7 +24617,7 @@
             <a:fld id="{530820CF-B880-4189-942D-D702A7CBA730}" type="datetimeFigureOut">
               <a:rPr lang="zh-CN" altLang="en-US" smtClean="0"/>
               <a:pPr/>
-              <a:t>2020/2/16</a:t>
+              <a:t>2020/2/17</a:t>
             </a:fld>
             <a:endParaRPr lang="zh-CN" altLang="en-US"/>
           </a:p>
@@ -22066,7 +25033,7 @@
             <a:fld id="{530820CF-B880-4189-942D-D702A7CBA730}" type="datetimeFigureOut">
               <a:rPr lang="zh-CN" altLang="en-US" smtClean="0"/>
               <a:pPr/>
-              <a:t>2020/2/16</a:t>
+              <a:t>2020/2/17</a:t>
             </a:fld>
             <a:endParaRPr lang="zh-CN" altLang="en-US"/>
           </a:p>
@@ -22180,7 +25147,7 @@
             <a:fld id="{530820CF-B880-4189-942D-D702A7CBA730}" type="datetimeFigureOut">
               <a:rPr lang="zh-CN" altLang="en-US" smtClean="0"/>
               <a:pPr/>
-              <a:t>2020/2/16</a:t>
+              <a:t>2020/2/17</a:t>
             </a:fld>
             <a:endParaRPr lang="zh-CN" altLang="en-US"/>
           </a:p>
@@ -22272,7 +25239,7 @@
             <a:fld id="{530820CF-B880-4189-942D-D702A7CBA730}" type="datetimeFigureOut">
               <a:rPr lang="zh-CN" altLang="en-US" smtClean="0"/>
               <a:pPr/>
-              <a:t>2020/2/16</a:t>
+              <a:t>2020/2/17</a:t>
             </a:fld>
             <a:endParaRPr lang="zh-CN" altLang="en-US"/>
           </a:p>
@@ -22544,7 +25511,7 @@
             <a:fld id="{530820CF-B880-4189-942D-D702A7CBA730}" type="datetimeFigureOut">
               <a:rPr lang="zh-CN" altLang="en-US" smtClean="0"/>
               <a:pPr/>
-              <a:t>2020/2/16</a:t>
+              <a:t>2020/2/17</a:t>
             </a:fld>
             <a:endParaRPr lang="zh-CN" altLang="en-US"/>
           </a:p>
@@ -22793,7 +25760,7 @@
             <a:fld id="{530820CF-B880-4189-942D-D702A7CBA730}" type="datetimeFigureOut">
               <a:rPr lang="zh-CN" altLang="en-US" smtClean="0"/>
               <a:pPr/>
-              <a:t>2020/2/16</a:t>
+              <a:t>2020/2/17</a:t>
             </a:fld>
             <a:endParaRPr lang="zh-CN" altLang="en-US"/>
           </a:p>
@@ -23001,7 +25968,7 @@
             <a:fld id="{530820CF-B880-4189-942D-D702A7CBA730}" type="datetimeFigureOut">
               <a:rPr lang="zh-CN" altLang="en-US" smtClean="0"/>
               <a:pPr/>
-              <a:t>2020/2/16</a:t>
+              <a:t>2020/2/17</a:t>
             </a:fld>
             <a:endParaRPr lang="zh-CN" altLang="en-US"/>
           </a:p>
@@ -24198,6 +27165,174 @@
     <p:extLst>
       <p:ext uri="{BB962C8B-B14F-4D97-AF65-F5344CB8AC3E}">
         <p14:creationId xmlns:p14="http://schemas.microsoft.com/office/powerpoint/2010/main" val="3744184686"/>
+      </p:ext>
+    </p:extLst>
+  </p:cSld>
+  <p:clrMapOvr>
+    <a:masterClrMapping/>
+  </p:clrMapOvr>
+</p:sld>
+</file>
+
+<file path=ppt/slides/slide12.xml><?xml version="1.0" encoding="utf-8"?>
+<p:sld xmlns:a="http://schemas.openxmlformats.org/drawingml/2006/main" xmlns:r="http://schemas.openxmlformats.org/officeDocument/2006/relationships" xmlns:p="http://schemas.openxmlformats.org/presentationml/2006/main">
+  <p:cSld>
+    <p:spTree>
+      <p:nvGrpSpPr>
+        <p:cNvPr id="1" name=""/>
+        <p:cNvGrpSpPr/>
+        <p:nvPr/>
+      </p:nvGrpSpPr>
+      <p:grpSpPr>
+        <a:xfrm>
+          <a:off x="0" y="0"/>
+          <a:ext cx="0" cy="0"/>
+          <a:chOff x="0" y="0"/>
+          <a:chExt cx="0" cy="0"/>
+        </a:xfrm>
+      </p:grpSpPr>
+      <p:graphicFrame>
+        <p:nvGraphicFramePr>
+          <p:cNvPr id="5" name="图表 4">
+            <a:extLst>
+              <a:ext uri="{FF2B5EF4-FFF2-40B4-BE49-F238E27FC236}">
+                <a16:creationId xmlns:a16="http://schemas.microsoft.com/office/drawing/2014/main" id="{01E83D82-5635-4536-A592-EAF2E40CEC95}"/>
+              </a:ext>
+            </a:extLst>
+          </p:cNvPr>
+          <p:cNvGraphicFramePr>
+            <a:graphicFrameLocks/>
+          </p:cNvGraphicFramePr>
+          <p:nvPr>
+            <p:extLst>
+              <p:ext uri="{D42A27DB-BD31-4B8C-83A1-F6EECF244321}">
+                <p14:modId xmlns:p14="http://schemas.microsoft.com/office/powerpoint/2010/main" val="473627017"/>
+              </p:ext>
+            </p:extLst>
+          </p:nvPr>
+        </p:nvGraphicFramePr>
+        <p:xfrm>
+          <a:off x="2286000" y="2057400"/>
+          <a:ext cx="4572000" cy="2743200"/>
+        </p:xfrm>
+        <a:graphic>
+          <a:graphicData uri="http://schemas.openxmlformats.org/drawingml/2006/chart">
+            <c:chart xmlns:c="http://schemas.openxmlformats.org/drawingml/2006/chart" xmlns:r="http://schemas.openxmlformats.org/officeDocument/2006/relationships" r:id="rId2"/>
+          </a:graphicData>
+        </a:graphic>
+      </p:graphicFrame>
+    </p:spTree>
+    <p:extLst>
+      <p:ext uri="{BB962C8B-B14F-4D97-AF65-F5344CB8AC3E}">
+        <p14:creationId xmlns:p14="http://schemas.microsoft.com/office/powerpoint/2010/main" val="3408887517"/>
+      </p:ext>
+    </p:extLst>
+  </p:cSld>
+  <p:clrMapOvr>
+    <a:masterClrMapping/>
+  </p:clrMapOvr>
+</p:sld>
+</file>
+
+<file path=ppt/slides/slide13.xml><?xml version="1.0" encoding="utf-8"?>
+<p:sld xmlns:a="http://schemas.openxmlformats.org/drawingml/2006/main" xmlns:r="http://schemas.openxmlformats.org/officeDocument/2006/relationships" xmlns:p="http://schemas.openxmlformats.org/presentationml/2006/main">
+  <p:cSld>
+    <p:spTree>
+      <p:nvGrpSpPr>
+        <p:cNvPr id="1" name=""/>
+        <p:cNvGrpSpPr/>
+        <p:nvPr/>
+      </p:nvGrpSpPr>
+      <p:grpSpPr>
+        <a:xfrm>
+          <a:off x="0" y="0"/>
+          <a:ext cx="0" cy="0"/>
+          <a:chOff x="0" y="0"/>
+          <a:chExt cx="0" cy="0"/>
+        </a:xfrm>
+      </p:grpSpPr>
+      <p:graphicFrame>
+        <p:nvGraphicFramePr>
+          <p:cNvPr id="4" name="图表 3">
+            <a:extLst>
+              <a:ext uri="{FF2B5EF4-FFF2-40B4-BE49-F238E27FC236}">
+                <a16:creationId xmlns:a16="http://schemas.microsoft.com/office/drawing/2014/main" id="{4778217D-E6F4-4D85-B338-A448F9C6FB0C}"/>
+              </a:ext>
+            </a:extLst>
+          </p:cNvPr>
+          <p:cNvGraphicFramePr>
+            <a:graphicFrameLocks/>
+          </p:cNvGraphicFramePr>
+          <p:nvPr/>
+        </p:nvGraphicFramePr>
+        <p:xfrm>
+          <a:off x="2286000" y="2057400"/>
+          <a:ext cx="4572000" cy="2743200"/>
+        </p:xfrm>
+        <a:graphic>
+          <a:graphicData uri="http://schemas.openxmlformats.org/drawingml/2006/chart">
+            <c:chart xmlns:c="http://schemas.openxmlformats.org/drawingml/2006/chart" xmlns:r="http://schemas.openxmlformats.org/officeDocument/2006/relationships" r:id="rId2"/>
+          </a:graphicData>
+        </a:graphic>
+      </p:graphicFrame>
+    </p:spTree>
+    <p:extLst>
+      <p:ext uri="{BB962C8B-B14F-4D97-AF65-F5344CB8AC3E}">
+        <p14:creationId xmlns:p14="http://schemas.microsoft.com/office/powerpoint/2010/main" val="3327188946"/>
+      </p:ext>
+    </p:extLst>
+  </p:cSld>
+  <p:clrMapOvr>
+    <a:masterClrMapping/>
+  </p:clrMapOvr>
+</p:sld>
+</file>
+
+<file path=ppt/slides/slide14.xml><?xml version="1.0" encoding="utf-8"?>
+<p:sld xmlns:a="http://schemas.openxmlformats.org/drawingml/2006/main" xmlns:r="http://schemas.openxmlformats.org/officeDocument/2006/relationships" xmlns:p="http://schemas.openxmlformats.org/presentationml/2006/main">
+  <p:cSld>
+    <p:spTree>
+      <p:nvGrpSpPr>
+        <p:cNvPr id="1" name=""/>
+        <p:cNvGrpSpPr/>
+        <p:nvPr/>
+      </p:nvGrpSpPr>
+      <p:grpSpPr>
+        <a:xfrm>
+          <a:off x="0" y="0"/>
+          <a:ext cx="0" cy="0"/>
+          <a:chOff x="0" y="0"/>
+          <a:chExt cx="0" cy="0"/>
+        </a:xfrm>
+      </p:grpSpPr>
+      <p:graphicFrame>
+        <p:nvGraphicFramePr>
+          <p:cNvPr id="4" name="图表 3">
+            <a:extLst>
+              <a:ext uri="{FF2B5EF4-FFF2-40B4-BE49-F238E27FC236}">
+                <a16:creationId xmlns:a16="http://schemas.microsoft.com/office/drawing/2014/main" id="{1449B7BF-8485-4E9A-BA78-27F3786113E7}"/>
+              </a:ext>
+            </a:extLst>
+          </p:cNvPr>
+          <p:cNvGraphicFramePr>
+            <a:graphicFrameLocks/>
+          </p:cNvGraphicFramePr>
+          <p:nvPr/>
+        </p:nvGraphicFramePr>
+        <p:xfrm>
+          <a:off x="2286000" y="2057400"/>
+          <a:ext cx="4572000" cy="2743200"/>
+        </p:xfrm>
+        <a:graphic>
+          <a:graphicData uri="http://schemas.openxmlformats.org/drawingml/2006/chart">
+            <c:chart xmlns:c="http://schemas.openxmlformats.org/drawingml/2006/chart" xmlns:r="http://schemas.openxmlformats.org/officeDocument/2006/relationships" r:id="rId2"/>
+          </a:graphicData>
+        </a:graphic>
+      </p:graphicFrame>
+    </p:spTree>
+    <p:extLst>
+      <p:ext uri="{BB962C8B-B14F-4D97-AF65-F5344CB8AC3E}">
+        <p14:creationId xmlns:p14="http://schemas.microsoft.com/office/powerpoint/2010/main" val="3566277688"/>
       </p:ext>
     </p:extLst>
   </p:cSld>
